--- a/Hack For SAFE.pptx
+++ b/Hack For SAFE.pptx
@@ -5,10 +5,10 @@
     <p:sldMasterId id="2147483648" r:id="rId4"/>
   </p:sldMasterIdLst>
   <p:notesMasterIdLst>
-    <p:notesMasterId r:id="rId15"/>
+    <p:notesMasterId r:id="rId16"/>
   </p:notesMasterIdLst>
   <p:handoutMasterIdLst>
-    <p:handoutMasterId r:id="rId16"/>
+    <p:handoutMasterId r:id="rId17"/>
   </p:handoutMasterIdLst>
   <p:sldIdLst>
     <p:sldId id="257" r:id="rId5"/>
@@ -19,8 +19,9 @@
     <p:sldId id="297" r:id="rId10"/>
     <p:sldId id="298" r:id="rId11"/>
     <p:sldId id="299" r:id="rId12"/>
-    <p:sldId id="294" r:id="rId13"/>
-    <p:sldId id="288" r:id="rId14"/>
+    <p:sldId id="300" r:id="rId13"/>
+    <p:sldId id="294" r:id="rId14"/>
+    <p:sldId id="288" r:id="rId15"/>
   </p:sldIdLst>
   <p:sldSz cx="12192000" cy="6858000"/>
   <p:notesSz cx="6858000" cy="9144000"/>
@@ -231,7 +232,7 @@
             <a:pPr rtl="0"/>
             <a:fld id="{5B439651-5657-4ACE-8526-EB0EAFD83944}" type="datetime1">
               <a:rPr lang="en-GB" smtClean="0"/>
-              <a:t>14/09/2023</a:t>
+              <a:t>18/09/2023</a:t>
             </a:fld>
             <a:endParaRPr lang="en-GB"/>
           </a:p>
@@ -401,7 +402,7 @@
             <a:pPr rtl="0"/>
             <a:fld id="{90CA1872-591F-4558-AB14-AA939DCFAB16}" type="datetime1">
               <a:rPr lang="en-GB" noProof="0" smtClean="0"/>
-              <a:t>14/09/2023</a:t>
+              <a:t>18/09/2023</a:t>
             </a:fld>
             <a:endParaRPr lang="en-GB" noProof="0"/>
           </a:p>
@@ -1195,7 +1196,7 @@
             <a:pPr rtl="0"/>
             <a:fld id="{6336304E-FDE3-4B4F-A3B7-EBE87F3FA5E2}" type="slidenum">
               <a:rPr lang="en-GB" smtClean="0"/>
-              <a:t>9</a:t>
+              <a:t>10</a:t>
             </a:fld>
             <a:endParaRPr lang="en-GB"/>
           </a:p>
@@ -1281,7 +1282,7 @@
             <a:pPr rtl="0"/>
             <a:fld id="{6336304E-FDE3-4B4F-A3B7-EBE87F3FA5E2}" type="slidenum">
               <a:rPr lang="en-GB" smtClean="0"/>
-              <a:t>10</a:t>
+              <a:t>11</a:t>
             </a:fld>
             <a:endParaRPr lang="en-GB"/>
           </a:p>
@@ -1854,42 +1855,6 @@
           </p:txBody>
         </p:sp>
       </p:grpSp>
-      <p:cxnSp>
-        <p:nvCxnSpPr>
-          <p:cNvPr id="5" name="Straight Connector 4">
-            <a:extLst>
-              <a:ext uri="{FF2B5EF4-FFF2-40B4-BE49-F238E27FC236}">
-                <a16:creationId xmlns:a16="http://schemas.microsoft.com/office/drawing/2014/main" id="{819AFA09-F4B1-493D-BCAD-FF30C20CD1AA}"/>
-              </a:ext>
-            </a:extLst>
-          </p:cNvPr>
-          <p:cNvCxnSpPr/>
-          <p:nvPr userDrawn="1"/>
-        </p:nvCxnSpPr>
-        <p:spPr>
-          <a:xfrm>
-            <a:off x="6469778" y="4233582"/>
-            <a:ext cx="2532336" cy="0"/>
-          </a:xfrm>
-          <a:prstGeom prst="line">
-            <a:avLst/>
-          </a:prstGeom>
-        </p:spPr>
-        <p:style>
-          <a:lnRef idx="1">
-            <a:schemeClr val="accent1"/>
-          </a:lnRef>
-          <a:fillRef idx="0">
-            <a:schemeClr val="accent1"/>
-          </a:fillRef>
-          <a:effectRef idx="0">
-            <a:schemeClr val="accent1"/>
-          </a:effectRef>
-          <a:fontRef idx="minor">
-            <a:schemeClr val="tx1"/>
-          </a:fontRef>
-        </p:style>
-      </p:cxnSp>
     </p:spTree>
     <p:extLst>
       <p:ext uri="{BB962C8B-B14F-4D97-AF65-F5344CB8AC3E}">
@@ -15695,7 +15660,7 @@
             <a:pPr rtl="0"/>
             <a:fld id="{59B8D6E1-39C9-4C44-91D8-BAEE9FF6D549}" type="datetime1">
               <a:rPr lang="en-GB" noProof="0" smtClean="0"/>
-              <a:t>14/09/2023</a:t>
+              <a:t>18/09/2023</a:t>
             </a:fld>
             <a:endParaRPr lang="en-GB" noProof="0"/>
           </a:p>
@@ -16332,17 +16297,36 @@
             </a:r>
           </a:p>
           <a:p>
-            <a:pPr rtl="0"/>
+            <a:pPr algn="r" rtl="0"/>
             <a:r>
-              <a:rPr lang="en-GB" b="1" dirty="0">
-                <a:solidFill>
-                  <a:schemeClr val="accent1"/>
-                </a:solidFill>
-                <a:ea typeface="+mj-ea"/>
-                <a:cs typeface="Futura" panose="020B0602020204020303" pitchFamily="34" charset="-79"/>
+              <a:rPr lang="en-IN" dirty="0">
+                <a:effectLst/>
+                <a:hlinkClick r:id="rId4" tooltip="https://www.linkedin.com/in/rinita-sarkar-6a444364/"/>
               </a:rPr>
-              <a:t>   PROJECT By: Rinita sarkar</a:t>
+              <a:t>RINITA SARKAR</a:t>
             </a:r>
+            <a:r>
+              <a:rPr lang="en-IN" b="1" dirty="0">
+                <a:effectLst/>
+              </a:rPr>
+              <a:t> </a:t>
+            </a:r>
+            <a:endParaRPr lang="en-IN" dirty="0">
+              <a:effectLst/>
+            </a:endParaRPr>
+          </a:p>
+          <a:p>
+            <a:pPr algn="r" rtl="0"/>
+            <a:r>
+              <a:rPr lang="en-IN" dirty="0">
+                <a:effectLst/>
+                <a:hlinkClick r:id="rId5" tooltip="https://www.linkedin.com/in/abhishek-choudhary-2bb8038a/"/>
+              </a:rPr>
+              <a:t>ABHISHEK CHOUDHARY</a:t>
+            </a:r>
+            <a:endParaRPr lang="en-IN" dirty="0">
+              <a:effectLst/>
+            </a:endParaRPr>
           </a:p>
           <a:p>
             <a:pPr rtl="0"/>
@@ -16394,7 +16378,7 @@
           </p:nvPr>
         </p:nvPicPr>
         <p:blipFill>
-          <a:blip r:embed="rId4"/>
+          <a:blip r:embed="rId6"/>
           <a:srcRect/>
           <a:stretch>
             <a:fillRect/>
@@ -16416,6 +16400,2921 @@
 </file>
 
 <file path=ppt/slides/slide10.xml><?xml version="1.0" encoding="utf-8"?>
+<p:sld xmlns:a="http://schemas.openxmlformats.org/drawingml/2006/main" xmlns:r="http://schemas.openxmlformats.org/officeDocument/2006/relationships" xmlns:p="http://schemas.openxmlformats.org/presentationml/2006/main">
+  <p:cSld>
+    <p:spTree>
+      <p:nvGrpSpPr>
+        <p:cNvPr id="1" name=""/>
+        <p:cNvGrpSpPr/>
+        <p:nvPr/>
+      </p:nvGrpSpPr>
+      <p:grpSpPr>
+        <a:xfrm>
+          <a:off x="0" y="0"/>
+          <a:ext cx="0" cy="0"/>
+          <a:chOff x="0" y="0"/>
+          <a:chExt cx="0" cy="0"/>
+        </a:xfrm>
+      </p:grpSpPr>
+      <p:sp>
+        <p:nvSpPr>
+          <p:cNvPr id="10" name="Slide Number Placeholder 1">
+            <a:extLst>
+              <a:ext uri="{FF2B5EF4-FFF2-40B4-BE49-F238E27FC236}">
+                <a16:creationId xmlns:a16="http://schemas.microsoft.com/office/drawing/2014/main" id="{3E58E6AF-CBC7-1E0D-CEB0-EF9E78B27036}"/>
+              </a:ext>
+            </a:extLst>
+          </p:cNvPr>
+          <p:cNvSpPr>
+            <a:spLocks noGrp="1"/>
+          </p:cNvSpPr>
+          <p:nvPr>
+            <p:ph type="sldNum" sz="quarter" idx="4294967295"/>
+          </p:nvPr>
+        </p:nvSpPr>
+        <p:spPr>
+          <a:xfrm>
+            <a:off x="11363696" y="6455739"/>
+            <a:ext cx="294460" cy="187367"/>
+          </a:xfrm>
+        </p:spPr>
+        <p:txBody>
+          <a:bodyPr/>
+          <a:lstStyle/>
+          <a:p>
+            <a:pPr rtl="0">
+              <a:spcAft>
+                <a:spcPts val="600"/>
+              </a:spcAft>
+            </a:pPr>
+            <a:fld id="{9EC71654-96A5-4280-94F3-931C61A9F92C}" type="slidenum">
+              <a:rPr lang="en-GB" noProof="0" smtClean="0"/>
+              <a:pPr rtl="0">
+                <a:spcAft>
+                  <a:spcPts val="600"/>
+                </a:spcAft>
+              </a:pPr>
+              <a:t>10</a:t>
+            </a:fld>
+            <a:endParaRPr lang="en-GB" noProof="0"/>
+          </a:p>
+        </p:txBody>
+      </p:sp>
+      <p:sp>
+        <p:nvSpPr>
+          <p:cNvPr id="12" name="Title 3">
+            <a:extLst>
+              <a:ext uri="{FF2B5EF4-FFF2-40B4-BE49-F238E27FC236}">
+                <a16:creationId xmlns:a16="http://schemas.microsoft.com/office/drawing/2014/main" id="{C807E795-A937-C79E-A0B9-465C94A96CAE}"/>
+              </a:ext>
+            </a:extLst>
+          </p:cNvPr>
+          <p:cNvSpPr>
+            <a:spLocks noGrp="1"/>
+          </p:cNvSpPr>
+          <p:nvPr>
+            <p:ph type="title"/>
+          </p:nvPr>
+        </p:nvSpPr>
+        <p:spPr>
+          <a:xfrm>
+            <a:off x="515938" y="246621"/>
+            <a:ext cx="11150600" cy="920336"/>
+          </a:xfrm>
+        </p:spPr>
+        <p:txBody>
+          <a:bodyPr/>
+          <a:lstStyle/>
+          <a:p>
+            <a:r>
+              <a:rPr lang="en-US" sz="3600" dirty="0">
+                <a:solidFill>
+                  <a:schemeClr val="accent1"/>
+                </a:solidFill>
+                <a:cs typeface="Futura" panose="020B0602020204020303" pitchFamily="34" charset="-79"/>
+              </a:rPr>
+              <a:t>PROPOSED value</a:t>
+            </a:r>
+            <a:br>
+              <a:rPr lang="en-US" dirty="0"/>
+            </a:br>
+            <a:r>
+              <a:rPr lang="en-US" dirty="0"/>
+              <a:t>				</a:t>
+            </a:r>
+            <a:endParaRPr lang="en-US" sz="2800" dirty="0">
+              <a:solidFill>
+                <a:schemeClr val="accent1"/>
+              </a:solidFill>
+              <a:cs typeface="Futura" panose="020B0602020204020303" pitchFamily="34" charset="-79"/>
+            </a:endParaRPr>
+          </a:p>
+        </p:txBody>
+      </p:sp>
+      <p:sp>
+        <p:nvSpPr>
+          <p:cNvPr id="40" name="TextBox 39">
+            <a:extLst>
+              <a:ext uri="{FF2B5EF4-FFF2-40B4-BE49-F238E27FC236}">
+                <a16:creationId xmlns:a16="http://schemas.microsoft.com/office/drawing/2014/main" id="{A7D5706E-1D11-CC40-A83D-559A7D185285}"/>
+              </a:ext>
+            </a:extLst>
+          </p:cNvPr>
+          <p:cNvSpPr txBox="1"/>
+          <p:nvPr/>
+        </p:nvSpPr>
+        <p:spPr>
+          <a:xfrm flipH="1">
+            <a:off x="2272763" y="1397361"/>
+            <a:ext cx="3081615" cy="430887"/>
+          </a:xfrm>
+          <a:prstGeom prst="rect">
+            <a:avLst/>
+          </a:prstGeom>
+          <a:noFill/>
+        </p:spPr>
+        <p:txBody>
+          <a:bodyPr wrap="square" lIns="0" tIns="0" rIns="0" bIns="0" rtlCol="0" anchor="ctr">
+            <a:spAutoFit/>
+          </a:bodyPr>
+          <a:lstStyle/>
+          <a:p>
+            <a:pPr algn="ctr"/>
+            <a:r>
+              <a:rPr lang="en-IN" sz="2800" b="1" dirty="0">
+                <a:solidFill>
+                  <a:schemeClr val="accent5">
+                    <a:lumMod val="75000"/>
+                  </a:schemeClr>
+                </a:solidFill>
+              </a:rPr>
+              <a:t>FOR CUSTOMERS</a:t>
+            </a:r>
+            <a:endParaRPr lang="en-US" sz="2800" b="1" dirty="0">
+              <a:solidFill>
+                <a:schemeClr val="accent5">
+                  <a:lumMod val="75000"/>
+                </a:schemeClr>
+              </a:solidFill>
+            </a:endParaRPr>
+          </a:p>
+        </p:txBody>
+      </p:sp>
+      <p:sp>
+        <p:nvSpPr>
+          <p:cNvPr id="41" name="Text Placeholder 32">
+            <a:extLst>
+              <a:ext uri="{FF2B5EF4-FFF2-40B4-BE49-F238E27FC236}">
+                <a16:creationId xmlns:a16="http://schemas.microsoft.com/office/drawing/2014/main" id="{8ACE3A06-089F-FB4F-8158-1F012DD98442}"/>
+              </a:ext>
+            </a:extLst>
+          </p:cNvPr>
+          <p:cNvSpPr txBox="1">
+            <a:spLocks/>
+          </p:cNvSpPr>
+          <p:nvPr/>
+        </p:nvSpPr>
+        <p:spPr>
+          <a:xfrm flipH="1">
+            <a:off x="1497172" y="1482543"/>
+            <a:ext cx="2612100" cy="791985"/>
+          </a:xfrm>
+          <a:prstGeom prst="rect">
+            <a:avLst/>
+          </a:prstGeom>
+        </p:spPr>
+        <p:txBody>
+          <a:bodyPr lIns="0" tIns="0" rIns="0" bIns="0">
+            <a:noAutofit/>
+          </a:bodyPr>
+          <a:lstStyle>
+            <a:lvl1pPr marL="171450" indent="-171450" algn="l" defTabSz="685800" rtl="0" eaLnBrk="1" latinLnBrk="0" hangingPunct="1">
+              <a:lnSpc>
+                <a:spcPct val="90000"/>
+              </a:lnSpc>
+              <a:spcBef>
+                <a:spcPts val="750"/>
+              </a:spcBef>
+              <a:buFont typeface="Arial" panose="020B0604020202020204" pitchFamily="34" charset="0"/>
+              <a:buChar char="•"/>
+              <a:defRPr sz="2100" kern="1200">
+                <a:solidFill>
+                  <a:schemeClr val="tx1"/>
+                </a:solidFill>
+                <a:latin typeface="Neris Thin" panose="00000300000000000000" pitchFamily="50" charset="0"/>
+                <a:ea typeface="+mn-ea"/>
+                <a:cs typeface="+mn-cs"/>
+              </a:defRPr>
+            </a:lvl1pPr>
+            <a:lvl2pPr marL="514350" indent="-171450" algn="l" defTabSz="685800" rtl="0" eaLnBrk="1" latinLnBrk="0" hangingPunct="1">
+              <a:lnSpc>
+                <a:spcPct val="90000"/>
+              </a:lnSpc>
+              <a:spcBef>
+                <a:spcPts val="375"/>
+              </a:spcBef>
+              <a:buFont typeface="Arial" panose="020B0604020202020204" pitchFamily="34" charset="0"/>
+              <a:buChar char="•"/>
+              <a:defRPr sz="1800" kern="1200">
+                <a:solidFill>
+                  <a:schemeClr val="tx1"/>
+                </a:solidFill>
+                <a:latin typeface="Neris Thin" panose="00000300000000000000" pitchFamily="50" charset="0"/>
+                <a:ea typeface="+mn-ea"/>
+                <a:cs typeface="+mn-cs"/>
+              </a:defRPr>
+            </a:lvl2pPr>
+            <a:lvl3pPr marL="857250" indent="-171450" algn="l" defTabSz="685800" rtl="0" eaLnBrk="1" latinLnBrk="0" hangingPunct="1">
+              <a:lnSpc>
+                <a:spcPct val="90000"/>
+              </a:lnSpc>
+              <a:spcBef>
+                <a:spcPts val="375"/>
+              </a:spcBef>
+              <a:buFont typeface="Arial" panose="020B0604020202020204" pitchFamily="34" charset="0"/>
+              <a:buChar char="•"/>
+              <a:defRPr sz="1500" kern="1200">
+                <a:solidFill>
+                  <a:schemeClr val="tx1"/>
+                </a:solidFill>
+                <a:latin typeface="Neris Thin" panose="00000300000000000000" pitchFamily="50" charset="0"/>
+                <a:ea typeface="+mn-ea"/>
+                <a:cs typeface="+mn-cs"/>
+              </a:defRPr>
+            </a:lvl3pPr>
+            <a:lvl4pPr marL="1200150" indent="-171450" algn="l" defTabSz="685800" rtl="0" eaLnBrk="1" latinLnBrk="0" hangingPunct="1">
+              <a:lnSpc>
+                <a:spcPct val="90000"/>
+              </a:lnSpc>
+              <a:spcBef>
+                <a:spcPts val="375"/>
+              </a:spcBef>
+              <a:buFont typeface="Arial" panose="020B0604020202020204" pitchFamily="34" charset="0"/>
+              <a:buChar char="•"/>
+              <a:defRPr sz="1350" kern="1200">
+                <a:solidFill>
+                  <a:schemeClr val="tx1"/>
+                </a:solidFill>
+                <a:latin typeface="Neris Thin" panose="00000300000000000000" pitchFamily="50" charset="0"/>
+                <a:ea typeface="+mn-ea"/>
+                <a:cs typeface="+mn-cs"/>
+              </a:defRPr>
+            </a:lvl4pPr>
+            <a:lvl5pPr marL="1543050" indent="-171450" algn="l" defTabSz="685800" rtl="0" eaLnBrk="1" latinLnBrk="0" hangingPunct="1">
+              <a:lnSpc>
+                <a:spcPct val="90000"/>
+              </a:lnSpc>
+              <a:spcBef>
+                <a:spcPts val="375"/>
+              </a:spcBef>
+              <a:buFont typeface="Arial" panose="020B0604020202020204" pitchFamily="34" charset="0"/>
+              <a:buChar char="•"/>
+              <a:defRPr sz="1350" kern="1200">
+                <a:solidFill>
+                  <a:schemeClr val="tx1"/>
+                </a:solidFill>
+                <a:latin typeface="Neris Thin" panose="00000300000000000000" pitchFamily="50" charset="0"/>
+                <a:ea typeface="+mn-ea"/>
+                <a:cs typeface="+mn-cs"/>
+              </a:defRPr>
+            </a:lvl5pPr>
+            <a:lvl6pPr marL="1885950" indent="-171450" algn="l" defTabSz="685800" rtl="0" eaLnBrk="1" latinLnBrk="0" hangingPunct="1">
+              <a:lnSpc>
+                <a:spcPct val="90000"/>
+              </a:lnSpc>
+              <a:spcBef>
+                <a:spcPts val="375"/>
+              </a:spcBef>
+              <a:buFont typeface="Arial" panose="020B0604020202020204" pitchFamily="34" charset="0"/>
+              <a:buChar char="•"/>
+              <a:defRPr sz="1350" kern="1200">
+                <a:solidFill>
+                  <a:schemeClr val="tx1"/>
+                </a:solidFill>
+                <a:latin typeface="+mn-lt"/>
+                <a:ea typeface="+mn-ea"/>
+                <a:cs typeface="+mn-cs"/>
+              </a:defRPr>
+            </a:lvl6pPr>
+            <a:lvl7pPr marL="2228850" indent="-171450" algn="l" defTabSz="685800" rtl="0" eaLnBrk="1" latinLnBrk="0" hangingPunct="1">
+              <a:lnSpc>
+                <a:spcPct val="90000"/>
+              </a:lnSpc>
+              <a:spcBef>
+                <a:spcPts val="375"/>
+              </a:spcBef>
+              <a:buFont typeface="Arial" panose="020B0604020202020204" pitchFamily="34" charset="0"/>
+              <a:buChar char="•"/>
+              <a:defRPr sz="1350" kern="1200">
+                <a:solidFill>
+                  <a:schemeClr val="tx1"/>
+                </a:solidFill>
+                <a:latin typeface="+mn-lt"/>
+                <a:ea typeface="+mn-ea"/>
+                <a:cs typeface="+mn-cs"/>
+              </a:defRPr>
+            </a:lvl7pPr>
+            <a:lvl8pPr marL="2571750" indent="-171450" algn="l" defTabSz="685800" rtl="0" eaLnBrk="1" latinLnBrk="0" hangingPunct="1">
+              <a:lnSpc>
+                <a:spcPct val="90000"/>
+              </a:lnSpc>
+              <a:spcBef>
+                <a:spcPts val="375"/>
+              </a:spcBef>
+              <a:buFont typeface="Arial" panose="020B0604020202020204" pitchFamily="34" charset="0"/>
+              <a:buChar char="•"/>
+              <a:defRPr sz="1350" kern="1200">
+                <a:solidFill>
+                  <a:schemeClr val="tx1"/>
+                </a:solidFill>
+                <a:latin typeface="+mn-lt"/>
+                <a:ea typeface="+mn-ea"/>
+                <a:cs typeface="+mn-cs"/>
+              </a:defRPr>
+            </a:lvl8pPr>
+            <a:lvl9pPr marL="2914650" indent="-171450" algn="l" defTabSz="685800" rtl="0" eaLnBrk="1" latinLnBrk="0" hangingPunct="1">
+              <a:lnSpc>
+                <a:spcPct val="90000"/>
+              </a:lnSpc>
+              <a:spcBef>
+                <a:spcPts val="375"/>
+              </a:spcBef>
+              <a:buFont typeface="Arial" panose="020B0604020202020204" pitchFamily="34" charset="0"/>
+              <a:buChar char="•"/>
+              <a:defRPr sz="1350" kern="1200">
+                <a:solidFill>
+                  <a:schemeClr val="tx1"/>
+                </a:solidFill>
+                <a:latin typeface="+mn-lt"/>
+                <a:ea typeface="+mn-ea"/>
+                <a:cs typeface="+mn-cs"/>
+              </a:defRPr>
+            </a:lvl9pPr>
+          </a:lstStyle>
+          <a:p>
+            <a:pPr marL="0" indent="0" algn="r">
+              <a:lnSpc>
+                <a:spcPct val="100000"/>
+              </a:lnSpc>
+              <a:spcBef>
+                <a:spcPts val="0"/>
+              </a:spcBef>
+              <a:buNone/>
+            </a:pPr>
+            <a:endParaRPr lang="en-US" sz="1400" dirty="0">
+              <a:solidFill>
+                <a:schemeClr val="tx1">
+                  <a:lumMod val="75000"/>
+                  <a:lumOff val="25000"/>
+                </a:schemeClr>
+              </a:solidFill>
+            </a:endParaRPr>
+          </a:p>
+        </p:txBody>
+      </p:sp>
+      <p:sp>
+        <p:nvSpPr>
+          <p:cNvPr id="42" name="TextBox 41">
+            <a:extLst>
+              <a:ext uri="{FF2B5EF4-FFF2-40B4-BE49-F238E27FC236}">
+                <a16:creationId xmlns:a16="http://schemas.microsoft.com/office/drawing/2014/main" id="{A88CA4F4-3C5B-EF49-8BE6-FEDE740A540E}"/>
+              </a:ext>
+            </a:extLst>
+          </p:cNvPr>
+          <p:cNvSpPr txBox="1"/>
+          <p:nvPr/>
+        </p:nvSpPr>
+        <p:spPr>
+          <a:xfrm flipH="1">
+            <a:off x="1741777" y="2184237"/>
+            <a:ext cx="2799081" cy="553998"/>
+          </a:xfrm>
+          <a:prstGeom prst="rect">
+            <a:avLst/>
+          </a:prstGeom>
+          <a:noFill/>
+        </p:spPr>
+        <p:txBody>
+          <a:bodyPr wrap="square" lIns="0" tIns="0" rIns="0" bIns="0" rtlCol="0" anchor="ctr">
+            <a:spAutoFit/>
+          </a:bodyPr>
+          <a:lstStyle/>
+          <a:p>
+            <a:pPr algn="ctr"/>
+            <a:r>
+              <a:rPr lang="en-US" b="1" dirty="0">
+                <a:solidFill>
+                  <a:schemeClr val="accent2">
+                    <a:lumMod val="75000"/>
+                  </a:schemeClr>
+                </a:solidFill>
+              </a:rPr>
+              <a:t>Sense of security and confidence</a:t>
+            </a:r>
+          </a:p>
+        </p:txBody>
+      </p:sp>
+      <p:sp>
+        <p:nvSpPr>
+          <p:cNvPr id="43" name="Text Placeholder 32">
+            <a:extLst>
+              <a:ext uri="{FF2B5EF4-FFF2-40B4-BE49-F238E27FC236}">
+                <a16:creationId xmlns:a16="http://schemas.microsoft.com/office/drawing/2014/main" id="{6AED9A6D-6AD8-4146-9D76-3CBC293883B4}"/>
+              </a:ext>
+            </a:extLst>
+          </p:cNvPr>
+          <p:cNvSpPr txBox="1">
+            <a:spLocks/>
+          </p:cNvSpPr>
+          <p:nvPr/>
+        </p:nvSpPr>
+        <p:spPr>
+          <a:xfrm flipH="1">
+            <a:off x="1497172" y="2979695"/>
+            <a:ext cx="2612100" cy="791985"/>
+          </a:xfrm>
+          <a:prstGeom prst="rect">
+            <a:avLst/>
+          </a:prstGeom>
+        </p:spPr>
+        <p:txBody>
+          <a:bodyPr lIns="0" tIns="0" rIns="0" bIns="0">
+            <a:noAutofit/>
+          </a:bodyPr>
+          <a:lstStyle>
+            <a:lvl1pPr marL="171450" indent="-171450" algn="l" defTabSz="685800" rtl="0" eaLnBrk="1" latinLnBrk="0" hangingPunct="1">
+              <a:lnSpc>
+                <a:spcPct val="90000"/>
+              </a:lnSpc>
+              <a:spcBef>
+                <a:spcPts val="750"/>
+              </a:spcBef>
+              <a:buFont typeface="Arial" panose="020B0604020202020204" pitchFamily="34" charset="0"/>
+              <a:buChar char="•"/>
+              <a:defRPr sz="2100" kern="1200">
+                <a:solidFill>
+                  <a:schemeClr val="tx1"/>
+                </a:solidFill>
+                <a:latin typeface="Neris Thin" panose="00000300000000000000" pitchFamily="50" charset="0"/>
+                <a:ea typeface="+mn-ea"/>
+                <a:cs typeface="+mn-cs"/>
+              </a:defRPr>
+            </a:lvl1pPr>
+            <a:lvl2pPr marL="514350" indent="-171450" algn="l" defTabSz="685800" rtl="0" eaLnBrk="1" latinLnBrk="0" hangingPunct="1">
+              <a:lnSpc>
+                <a:spcPct val="90000"/>
+              </a:lnSpc>
+              <a:spcBef>
+                <a:spcPts val="375"/>
+              </a:spcBef>
+              <a:buFont typeface="Arial" panose="020B0604020202020204" pitchFamily="34" charset="0"/>
+              <a:buChar char="•"/>
+              <a:defRPr sz="1800" kern="1200">
+                <a:solidFill>
+                  <a:schemeClr val="tx1"/>
+                </a:solidFill>
+                <a:latin typeface="Neris Thin" panose="00000300000000000000" pitchFamily="50" charset="0"/>
+                <a:ea typeface="+mn-ea"/>
+                <a:cs typeface="+mn-cs"/>
+              </a:defRPr>
+            </a:lvl2pPr>
+            <a:lvl3pPr marL="857250" indent="-171450" algn="l" defTabSz="685800" rtl="0" eaLnBrk="1" latinLnBrk="0" hangingPunct="1">
+              <a:lnSpc>
+                <a:spcPct val="90000"/>
+              </a:lnSpc>
+              <a:spcBef>
+                <a:spcPts val="375"/>
+              </a:spcBef>
+              <a:buFont typeface="Arial" panose="020B0604020202020204" pitchFamily="34" charset="0"/>
+              <a:buChar char="•"/>
+              <a:defRPr sz="1500" kern="1200">
+                <a:solidFill>
+                  <a:schemeClr val="tx1"/>
+                </a:solidFill>
+                <a:latin typeface="Neris Thin" panose="00000300000000000000" pitchFamily="50" charset="0"/>
+                <a:ea typeface="+mn-ea"/>
+                <a:cs typeface="+mn-cs"/>
+              </a:defRPr>
+            </a:lvl3pPr>
+            <a:lvl4pPr marL="1200150" indent="-171450" algn="l" defTabSz="685800" rtl="0" eaLnBrk="1" latinLnBrk="0" hangingPunct="1">
+              <a:lnSpc>
+                <a:spcPct val="90000"/>
+              </a:lnSpc>
+              <a:spcBef>
+                <a:spcPts val="375"/>
+              </a:spcBef>
+              <a:buFont typeface="Arial" panose="020B0604020202020204" pitchFamily="34" charset="0"/>
+              <a:buChar char="•"/>
+              <a:defRPr sz="1350" kern="1200">
+                <a:solidFill>
+                  <a:schemeClr val="tx1"/>
+                </a:solidFill>
+                <a:latin typeface="Neris Thin" panose="00000300000000000000" pitchFamily="50" charset="0"/>
+                <a:ea typeface="+mn-ea"/>
+                <a:cs typeface="+mn-cs"/>
+              </a:defRPr>
+            </a:lvl4pPr>
+            <a:lvl5pPr marL="1543050" indent="-171450" algn="l" defTabSz="685800" rtl="0" eaLnBrk="1" latinLnBrk="0" hangingPunct="1">
+              <a:lnSpc>
+                <a:spcPct val="90000"/>
+              </a:lnSpc>
+              <a:spcBef>
+                <a:spcPts val="375"/>
+              </a:spcBef>
+              <a:buFont typeface="Arial" panose="020B0604020202020204" pitchFamily="34" charset="0"/>
+              <a:buChar char="•"/>
+              <a:defRPr sz="1350" kern="1200">
+                <a:solidFill>
+                  <a:schemeClr val="tx1"/>
+                </a:solidFill>
+                <a:latin typeface="Neris Thin" panose="00000300000000000000" pitchFamily="50" charset="0"/>
+                <a:ea typeface="+mn-ea"/>
+                <a:cs typeface="+mn-cs"/>
+              </a:defRPr>
+            </a:lvl5pPr>
+            <a:lvl6pPr marL="1885950" indent="-171450" algn="l" defTabSz="685800" rtl="0" eaLnBrk="1" latinLnBrk="0" hangingPunct="1">
+              <a:lnSpc>
+                <a:spcPct val="90000"/>
+              </a:lnSpc>
+              <a:spcBef>
+                <a:spcPts val="375"/>
+              </a:spcBef>
+              <a:buFont typeface="Arial" panose="020B0604020202020204" pitchFamily="34" charset="0"/>
+              <a:buChar char="•"/>
+              <a:defRPr sz="1350" kern="1200">
+                <a:solidFill>
+                  <a:schemeClr val="tx1"/>
+                </a:solidFill>
+                <a:latin typeface="+mn-lt"/>
+                <a:ea typeface="+mn-ea"/>
+                <a:cs typeface="+mn-cs"/>
+              </a:defRPr>
+            </a:lvl6pPr>
+            <a:lvl7pPr marL="2228850" indent="-171450" algn="l" defTabSz="685800" rtl="0" eaLnBrk="1" latinLnBrk="0" hangingPunct="1">
+              <a:lnSpc>
+                <a:spcPct val="90000"/>
+              </a:lnSpc>
+              <a:spcBef>
+                <a:spcPts val="375"/>
+              </a:spcBef>
+              <a:buFont typeface="Arial" panose="020B0604020202020204" pitchFamily="34" charset="0"/>
+              <a:buChar char="•"/>
+              <a:defRPr sz="1350" kern="1200">
+                <a:solidFill>
+                  <a:schemeClr val="tx1"/>
+                </a:solidFill>
+                <a:latin typeface="+mn-lt"/>
+                <a:ea typeface="+mn-ea"/>
+                <a:cs typeface="+mn-cs"/>
+              </a:defRPr>
+            </a:lvl7pPr>
+            <a:lvl8pPr marL="2571750" indent="-171450" algn="l" defTabSz="685800" rtl="0" eaLnBrk="1" latinLnBrk="0" hangingPunct="1">
+              <a:lnSpc>
+                <a:spcPct val="90000"/>
+              </a:lnSpc>
+              <a:spcBef>
+                <a:spcPts val="375"/>
+              </a:spcBef>
+              <a:buFont typeface="Arial" panose="020B0604020202020204" pitchFamily="34" charset="0"/>
+              <a:buChar char="•"/>
+              <a:defRPr sz="1350" kern="1200">
+                <a:solidFill>
+                  <a:schemeClr val="tx1"/>
+                </a:solidFill>
+                <a:latin typeface="+mn-lt"/>
+                <a:ea typeface="+mn-ea"/>
+                <a:cs typeface="+mn-cs"/>
+              </a:defRPr>
+            </a:lvl8pPr>
+            <a:lvl9pPr marL="2914650" indent="-171450" algn="l" defTabSz="685800" rtl="0" eaLnBrk="1" latinLnBrk="0" hangingPunct="1">
+              <a:lnSpc>
+                <a:spcPct val="90000"/>
+              </a:lnSpc>
+              <a:spcBef>
+                <a:spcPts val="375"/>
+              </a:spcBef>
+              <a:buFont typeface="Arial" panose="020B0604020202020204" pitchFamily="34" charset="0"/>
+              <a:buChar char="•"/>
+              <a:defRPr sz="1350" kern="1200">
+                <a:solidFill>
+                  <a:schemeClr val="tx1"/>
+                </a:solidFill>
+                <a:latin typeface="+mn-lt"/>
+                <a:ea typeface="+mn-ea"/>
+                <a:cs typeface="+mn-cs"/>
+              </a:defRPr>
+            </a:lvl9pPr>
+          </a:lstStyle>
+          <a:p>
+            <a:pPr marL="0" indent="0" algn="r">
+              <a:lnSpc>
+                <a:spcPct val="100000"/>
+              </a:lnSpc>
+              <a:spcBef>
+                <a:spcPts val="0"/>
+              </a:spcBef>
+              <a:buNone/>
+            </a:pPr>
+            <a:endParaRPr lang="en-US" sz="1400" dirty="0">
+              <a:solidFill>
+                <a:schemeClr val="tx1">
+                  <a:lumMod val="75000"/>
+                  <a:lumOff val="25000"/>
+                </a:schemeClr>
+              </a:solidFill>
+            </a:endParaRPr>
+          </a:p>
+        </p:txBody>
+      </p:sp>
+      <p:sp>
+        <p:nvSpPr>
+          <p:cNvPr id="44" name="TextBox 43">
+            <a:extLst>
+              <a:ext uri="{FF2B5EF4-FFF2-40B4-BE49-F238E27FC236}">
+                <a16:creationId xmlns:a16="http://schemas.microsoft.com/office/drawing/2014/main" id="{7D23B698-012A-5B49-86D5-25B58C96B100}"/>
+              </a:ext>
+            </a:extLst>
+          </p:cNvPr>
+          <p:cNvSpPr txBox="1"/>
+          <p:nvPr/>
+        </p:nvSpPr>
+        <p:spPr>
+          <a:xfrm flipH="1">
+            <a:off x="1935929" y="2922914"/>
+            <a:ext cx="2238949" cy="830997"/>
+          </a:xfrm>
+          <a:prstGeom prst="rect">
+            <a:avLst/>
+          </a:prstGeom>
+          <a:noFill/>
+        </p:spPr>
+        <p:txBody>
+          <a:bodyPr wrap="square" lIns="0" tIns="0" rIns="0" bIns="0" rtlCol="0" anchor="ctr">
+            <a:spAutoFit/>
+          </a:bodyPr>
+          <a:lstStyle/>
+          <a:p>
+            <a:pPr algn="ctr"/>
+            <a:r>
+              <a:rPr lang="en-US" b="1" dirty="0">
+                <a:solidFill>
+                  <a:srgbClr val="FF0000"/>
+                </a:solidFill>
+              </a:rPr>
+              <a:t>Empowering women to assert their rights and seek justice</a:t>
+            </a:r>
+          </a:p>
+        </p:txBody>
+      </p:sp>
+      <p:sp>
+        <p:nvSpPr>
+          <p:cNvPr id="45" name="Text Placeholder 32">
+            <a:extLst>
+              <a:ext uri="{FF2B5EF4-FFF2-40B4-BE49-F238E27FC236}">
+                <a16:creationId xmlns:a16="http://schemas.microsoft.com/office/drawing/2014/main" id="{BB7546B4-3CA2-FE4F-B327-6FC64401587A}"/>
+              </a:ext>
+            </a:extLst>
+          </p:cNvPr>
+          <p:cNvSpPr txBox="1">
+            <a:spLocks/>
+          </p:cNvSpPr>
+          <p:nvPr/>
+        </p:nvSpPr>
+        <p:spPr>
+          <a:xfrm flipH="1">
+            <a:off x="1476392" y="4567138"/>
+            <a:ext cx="3212572" cy="970924"/>
+          </a:xfrm>
+          <a:prstGeom prst="rect">
+            <a:avLst/>
+          </a:prstGeom>
+        </p:spPr>
+        <p:txBody>
+          <a:bodyPr lIns="0" tIns="0" rIns="0" bIns="0">
+            <a:noAutofit/>
+          </a:bodyPr>
+          <a:lstStyle>
+            <a:lvl1pPr marL="171450" indent="-171450" algn="l" defTabSz="685800" rtl="0" eaLnBrk="1" latinLnBrk="0" hangingPunct="1">
+              <a:lnSpc>
+                <a:spcPct val="90000"/>
+              </a:lnSpc>
+              <a:spcBef>
+                <a:spcPts val="750"/>
+              </a:spcBef>
+              <a:buFont typeface="Arial" panose="020B0604020202020204" pitchFamily="34" charset="0"/>
+              <a:buChar char="•"/>
+              <a:defRPr sz="2100" kern="1200">
+                <a:solidFill>
+                  <a:schemeClr val="tx1"/>
+                </a:solidFill>
+                <a:latin typeface="Neris Thin" panose="00000300000000000000" pitchFamily="50" charset="0"/>
+                <a:ea typeface="+mn-ea"/>
+                <a:cs typeface="+mn-cs"/>
+              </a:defRPr>
+            </a:lvl1pPr>
+            <a:lvl2pPr marL="514350" indent="-171450" algn="l" defTabSz="685800" rtl="0" eaLnBrk="1" latinLnBrk="0" hangingPunct="1">
+              <a:lnSpc>
+                <a:spcPct val="90000"/>
+              </a:lnSpc>
+              <a:spcBef>
+                <a:spcPts val="375"/>
+              </a:spcBef>
+              <a:buFont typeface="Arial" panose="020B0604020202020204" pitchFamily="34" charset="0"/>
+              <a:buChar char="•"/>
+              <a:defRPr sz="1800" kern="1200">
+                <a:solidFill>
+                  <a:schemeClr val="tx1"/>
+                </a:solidFill>
+                <a:latin typeface="Neris Thin" panose="00000300000000000000" pitchFamily="50" charset="0"/>
+                <a:ea typeface="+mn-ea"/>
+                <a:cs typeface="+mn-cs"/>
+              </a:defRPr>
+            </a:lvl2pPr>
+            <a:lvl3pPr marL="857250" indent="-171450" algn="l" defTabSz="685800" rtl="0" eaLnBrk="1" latinLnBrk="0" hangingPunct="1">
+              <a:lnSpc>
+                <a:spcPct val="90000"/>
+              </a:lnSpc>
+              <a:spcBef>
+                <a:spcPts val="375"/>
+              </a:spcBef>
+              <a:buFont typeface="Arial" panose="020B0604020202020204" pitchFamily="34" charset="0"/>
+              <a:buChar char="•"/>
+              <a:defRPr sz="1500" kern="1200">
+                <a:solidFill>
+                  <a:schemeClr val="tx1"/>
+                </a:solidFill>
+                <a:latin typeface="Neris Thin" panose="00000300000000000000" pitchFamily="50" charset="0"/>
+                <a:ea typeface="+mn-ea"/>
+                <a:cs typeface="+mn-cs"/>
+              </a:defRPr>
+            </a:lvl3pPr>
+            <a:lvl4pPr marL="1200150" indent="-171450" algn="l" defTabSz="685800" rtl="0" eaLnBrk="1" latinLnBrk="0" hangingPunct="1">
+              <a:lnSpc>
+                <a:spcPct val="90000"/>
+              </a:lnSpc>
+              <a:spcBef>
+                <a:spcPts val="375"/>
+              </a:spcBef>
+              <a:buFont typeface="Arial" panose="020B0604020202020204" pitchFamily="34" charset="0"/>
+              <a:buChar char="•"/>
+              <a:defRPr sz="1350" kern="1200">
+                <a:solidFill>
+                  <a:schemeClr val="tx1"/>
+                </a:solidFill>
+                <a:latin typeface="Neris Thin" panose="00000300000000000000" pitchFamily="50" charset="0"/>
+                <a:ea typeface="+mn-ea"/>
+                <a:cs typeface="+mn-cs"/>
+              </a:defRPr>
+            </a:lvl4pPr>
+            <a:lvl5pPr marL="1543050" indent="-171450" algn="l" defTabSz="685800" rtl="0" eaLnBrk="1" latinLnBrk="0" hangingPunct="1">
+              <a:lnSpc>
+                <a:spcPct val="90000"/>
+              </a:lnSpc>
+              <a:spcBef>
+                <a:spcPts val="375"/>
+              </a:spcBef>
+              <a:buFont typeface="Arial" panose="020B0604020202020204" pitchFamily="34" charset="0"/>
+              <a:buChar char="•"/>
+              <a:defRPr sz="1350" kern="1200">
+                <a:solidFill>
+                  <a:schemeClr val="tx1"/>
+                </a:solidFill>
+                <a:latin typeface="Neris Thin" panose="00000300000000000000" pitchFamily="50" charset="0"/>
+                <a:ea typeface="+mn-ea"/>
+                <a:cs typeface="+mn-cs"/>
+              </a:defRPr>
+            </a:lvl5pPr>
+            <a:lvl6pPr marL="1885950" indent="-171450" algn="l" defTabSz="685800" rtl="0" eaLnBrk="1" latinLnBrk="0" hangingPunct="1">
+              <a:lnSpc>
+                <a:spcPct val="90000"/>
+              </a:lnSpc>
+              <a:spcBef>
+                <a:spcPts val="375"/>
+              </a:spcBef>
+              <a:buFont typeface="Arial" panose="020B0604020202020204" pitchFamily="34" charset="0"/>
+              <a:buChar char="•"/>
+              <a:defRPr sz="1350" kern="1200">
+                <a:solidFill>
+                  <a:schemeClr val="tx1"/>
+                </a:solidFill>
+                <a:latin typeface="+mn-lt"/>
+                <a:ea typeface="+mn-ea"/>
+                <a:cs typeface="+mn-cs"/>
+              </a:defRPr>
+            </a:lvl6pPr>
+            <a:lvl7pPr marL="2228850" indent="-171450" algn="l" defTabSz="685800" rtl="0" eaLnBrk="1" latinLnBrk="0" hangingPunct="1">
+              <a:lnSpc>
+                <a:spcPct val="90000"/>
+              </a:lnSpc>
+              <a:spcBef>
+                <a:spcPts val="375"/>
+              </a:spcBef>
+              <a:buFont typeface="Arial" panose="020B0604020202020204" pitchFamily="34" charset="0"/>
+              <a:buChar char="•"/>
+              <a:defRPr sz="1350" kern="1200">
+                <a:solidFill>
+                  <a:schemeClr val="tx1"/>
+                </a:solidFill>
+                <a:latin typeface="+mn-lt"/>
+                <a:ea typeface="+mn-ea"/>
+                <a:cs typeface="+mn-cs"/>
+              </a:defRPr>
+            </a:lvl7pPr>
+            <a:lvl8pPr marL="2571750" indent="-171450" algn="l" defTabSz="685800" rtl="0" eaLnBrk="1" latinLnBrk="0" hangingPunct="1">
+              <a:lnSpc>
+                <a:spcPct val="90000"/>
+              </a:lnSpc>
+              <a:spcBef>
+                <a:spcPts val="375"/>
+              </a:spcBef>
+              <a:buFont typeface="Arial" panose="020B0604020202020204" pitchFamily="34" charset="0"/>
+              <a:buChar char="•"/>
+              <a:defRPr sz="1350" kern="1200">
+                <a:solidFill>
+                  <a:schemeClr val="tx1"/>
+                </a:solidFill>
+                <a:latin typeface="+mn-lt"/>
+                <a:ea typeface="+mn-ea"/>
+                <a:cs typeface="+mn-cs"/>
+              </a:defRPr>
+            </a:lvl8pPr>
+            <a:lvl9pPr marL="2914650" indent="-171450" algn="l" defTabSz="685800" rtl="0" eaLnBrk="1" latinLnBrk="0" hangingPunct="1">
+              <a:lnSpc>
+                <a:spcPct val="90000"/>
+              </a:lnSpc>
+              <a:spcBef>
+                <a:spcPts val="375"/>
+              </a:spcBef>
+              <a:buFont typeface="Arial" panose="020B0604020202020204" pitchFamily="34" charset="0"/>
+              <a:buChar char="•"/>
+              <a:defRPr sz="1350" kern="1200">
+                <a:solidFill>
+                  <a:schemeClr val="tx1"/>
+                </a:solidFill>
+                <a:latin typeface="+mn-lt"/>
+                <a:ea typeface="+mn-ea"/>
+                <a:cs typeface="+mn-cs"/>
+              </a:defRPr>
+            </a:lvl9pPr>
+          </a:lstStyle>
+          <a:p>
+            <a:pPr marL="0" indent="0" algn="r">
+              <a:lnSpc>
+                <a:spcPct val="100000"/>
+              </a:lnSpc>
+              <a:spcBef>
+                <a:spcPts val="0"/>
+              </a:spcBef>
+              <a:buNone/>
+            </a:pPr>
+            <a:endParaRPr lang="en-IN" sz="1400" dirty="0">
+              <a:solidFill>
+                <a:schemeClr val="tx1">
+                  <a:lumMod val="75000"/>
+                  <a:lumOff val="25000"/>
+                </a:schemeClr>
+              </a:solidFill>
+            </a:endParaRPr>
+          </a:p>
+        </p:txBody>
+      </p:sp>
+      <p:sp>
+        <p:nvSpPr>
+          <p:cNvPr id="47" name="Rounded Rectangle 46">
+            <a:extLst>
+              <a:ext uri="{FF2B5EF4-FFF2-40B4-BE49-F238E27FC236}">
+                <a16:creationId xmlns:a16="http://schemas.microsoft.com/office/drawing/2014/main" id="{F839BC8F-6D94-C046-A626-34BF2F520631}"/>
+              </a:ext>
+            </a:extLst>
+          </p:cNvPr>
+          <p:cNvSpPr/>
+          <p:nvPr/>
+        </p:nvSpPr>
+        <p:spPr>
+          <a:xfrm flipH="1">
+            <a:off x="4475252" y="2147302"/>
+            <a:ext cx="604695" cy="604695"/>
+          </a:xfrm>
+          <a:prstGeom prst="roundRect">
+            <a:avLst>
+              <a:gd name="adj" fmla="val 16554"/>
+            </a:avLst>
+          </a:prstGeom>
+          <a:solidFill>
+            <a:schemeClr val="accent2"/>
+          </a:solidFill>
+          <a:ln w="12700" cap="flat" cmpd="sng" algn="ctr">
+            <a:noFill/>
+            <a:prstDash val="solid"/>
+            <a:miter lim="800000"/>
+          </a:ln>
+          <a:effectLst/>
+        </p:spPr>
+        <p:txBody>
+          <a:bodyPr lIns="0" tIns="0" rIns="0" bIns="0" rtlCol="0" anchor="ctr"/>
+          <a:lstStyle/>
+          <a:p>
+            <a:pPr marL="0" marR="0" lvl="0" indent="0" algn="ctr" defTabSz="914340" eaLnBrk="1" fontAlgn="auto" latinLnBrk="0" hangingPunct="1">
+              <a:lnSpc>
+                <a:spcPct val="100000"/>
+              </a:lnSpc>
+              <a:spcBef>
+                <a:spcPts val="0"/>
+              </a:spcBef>
+              <a:spcAft>
+                <a:spcPts val="0"/>
+              </a:spcAft>
+              <a:buClrTx/>
+              <a:buSzTx/>
+              <a:buFontTx/>
+              <a:buNone/>
+              <a:tabLst/>
+              <a:defRPr/>
+            </a:pPr>
+            <a:endParaRPr kumimoji="0" lang="en-US" sz="1800" b="0" i="0" u="none" strike="noStrike" kern="0" cap="none" spc="0" normalizeH="0" baseline="0" noProof="0" dirty="0">
+              <a:ln>
+                <a:noFill/>
+              </a:ln>
+              <a:solidFill>
+                <a:srgbClr val="FFFFFF"/>
+              </a:solidFill>
+              <a:effectLst/>
+              <a:uLnTx/>
+              <a:uFillTx/>
+            </a:endParaRPr>
+          </a:p>
+        </p:txBody>
+      </p:sp>
+      <p:sp>
+        <p:nvSpPr>
+          <p:cNvPr id="48" name="Rounded Rectangle 47">
+            <a:extLst>
+              <a:ext uri="{FF2B5EF4-FFF2-40B4-BE49-F238E27FC236}">
+                <a16:creationId xmlns:a16="http://schemas.microsoft.com/office/drawing/2014/main" id="{671B71AE-29CE-084E-AAE6-B472F671BC5C}"/>
+              </a:ext>
+            </a:extLst>
+          </p:cNvPr>
+          <p:cNvSpPr/>
+          <p:nvPr/>
+        </p:nvSpPr>
+        <p:spPr>
+          <a:xfrm flipH="1">
+            <a:off x="4475252" y="3105415"/>
+            <a:ext cx="604695" cy="604695"/>
+          </a:xfrm>
+          <a:prstGeom prst="roundRect">
+            <a:avLst>
+              <a:gd name="adj" fmla="val 16554"/>
+            </a:avLst>
+          </a:prstGeom>
+          <a:solidFill>
+            <a:srgbClr val="C00000"/>
+          </a:solidFill>
+          <a:ln w="12700" cap="flat" cmpd="sng" algn="ctr">
+            <a:noFill/>
+            <a:prstDash val="solid"/>
+            <a:miter lim="800000"/>
+          </a:ln>
+          <a:effectLst/>
+        </p:spPr>
+        <p:txBody>
+          <a:bodyPr lIns="0" tIns="0" rIns="0" bIns="0" rtlCol="0" anchor="ctr"/>
+          <a:lstStyle/>
+          <a:p>
+            <a:pPr marL="0" marR="0" lvl="0" indent="0" algn="ctr" defTabSz="914340" eaLnBrk="1" fontAlgn="auto" latinLnBrk="0" hangingPunct="1">
+              <a:lnSpc>
+                <a:spcPct val="100000"/>
+              </a:lnSpc>
+              <a:spcBef>
+                <a:spcPts val="0"/>
+              </a:spcBef>
+              <a:spcAft>
+                <a:spcPts val="0"/>
+              </a:spcAft>
+              <a:buClrTx/>
+              <a:buSzTx/>
+              <a:buFontTx/>
+              <a:buNone/>
+              <a:tabLst/>
+              <a:defRPr/>
+            </a:pPr>
+            <a:endParaRPr kumimoji="0" lang="en-US" sz="1800" b="0" i="0" u="none" strike="noStrike" kern="0" cap="none" spc="0" normalizeH="0" baseline="0" noProof="0" dirty="0">
+              <a:ln>
+                <a:noFill/>
+              </a:ln>
+              <a:solidFill>
+                <a:srgbClr val="FFFFFF"/>
+              </a:solidFill>
+              <a:effectLst/>
+              <a:uLnTx/>
+              <a:uFillTx/>
+            </a:endParaRPr>
+          </a:p>
+        </p:txBody>
+      </p:sp>
+      <p:sp>
+        <p:nvSpPr>
+          <p:cNvPr id="49" name="TextBox 48">
+            <a:extLst>
+              <a:ext uri="{FF2B5EF4-FFF2-40B4-BE49-F238E27FC236}">
+                <a16:creationId xmlns:a16="http://schemas.microsoft.com/office/drawing/2014/main" id="{BE32E34B-7170-454B-9FC2-EF3A00697CCB}"/>
+              </a:ext>
+            </a:extLst>
+          </p:cNvPr>
+          <p:cNvSpPr txBox="1"/>
+          <p:nvPr/>
+        </p:nvSpPr>
+        <p:spPr>
+          <a:xfrm>
+            <a:off x="5768790" y="1391678"/>
+            <a:ext cx="3162981" cy="430887"/>
+          </a:xfrm>
+          <a:prstGeom prst="rect">
+            <a:avLst/>
+          </a:prstGeom>
+          <a:noFill/>
+        </p:spPr>
+        <p:txBody>
+          <a:bodyPr wrap="square" lIns="0" tIns="0" rIns="0" bIns="0" rtlCol="0" anchor="ctr">
+            <a:spAutoFit/>
+          </a:bodyPr>
+          <a:lstStyle/>
+          <a:p>
+            <a:pPr algn="ctr"/>
+            <a:r>
+              <a:rPr lang="en-US" sz="2800" b="1" dirty="0">
+                <a:solidFill>
+                  <a:schemeClr val="accent5">
+                    <a:lumMod val="75000"/>
+                  </a:schemeClr>
+                </a:solidFill>
+              </a:rPr>
+              <a:t>FOR MICROSOFT</a:t>
+            </a:r>
+          </a:p>
+        </p:txBody>
+      </p:sp>
+      <p:sp>
+        <p:nvSpPr>
+          <p:cNvPr id="50" name="Text Placeholder 32">
+            <a:extLst>
+              <a:ext uri="{FF2B5EF4-FFF2-40B4-BE49-F238E27FC236}">
+                <a16:creationId xmlns:a16="http://schemas.microsoft.com/office/drawing/2014/main" id="{74677835-962E-CD45-874F-445A5A8A145E}"/>
+              </a:ext>
+            </a:extLst>
+          </p:cNvPr>
+          <p:cNvSpPr txBox="1">
+            <a:spLocks/>
+          </p:cNvSpPr>
+          <p:nvPr/>
+        </p:nvSpPr>
+        <p:spPr>
+          <a:xfrm>
+            <a:off x="7021815" y="1413683"/>
+            <a:ext cx="2942186" cy="964686"/>
+          </a:xfrm>
+          <a:prstGeom prst="rect">
+            <a:avLst/>
+          </a:prstGeom>
+        </p:spPr>
+        <p:txBody>
+          <a:bodyPr lIns="0" tIns="0" rIns="0" bIns="0">
+            <a:noAutofit/>
+          </a:bodyPr>
+          <a:lstStyle>
+            <a:lvl1pPr marL="171450" indent="-171450" algn="l" defTabSz="685800" rtl="0" eaLnBrk="1" latinLnBrk="0" hangingPunct="1">
+              <a:lnSpc>
+                <a:spcPct val="90000"/>
+              </a:lnSpc>
+              <a:spcBef>
+                <a:spcPts val="750"/>
+              </a:spcBef>
+              <a:buFont typeface="Arial" panose="020B0604020202020204" pitchFamily="34" charset="0"/>
+              <a:buChar char="•"/>
+              <a:defRPr sz="2100" kern="1200">
+                <a:solidFill>
+                  <a:schemeClr val="tx1"/>
+                </a:solidFill>
+                <a:latin typeface="Neris Thin" panose="00000300000000000000" pitchFamily="50" charset="0"/>
+                <a:ea typeface="+mn-ea"/>
+                <a:cs typeface="+mn-cs"/>
+              </a:defRPr>
+            </a:lvl1pPr>
+            <a:lvl2pPr marL="514350" indent="-171450" algn="l" defTabSz="685800" rtl="0" eaLnBrk="1" latinLnBrk="0" hangingPunct="1">
+              <a:lnSpc>
+                <a:spcPct val="90000"/>
+              </a:lnSpc>
+              <a:spcBef>
+                <a:spcPts val="375"/>
+              </a:spcBef>
+              <a:buFont typeface="Arial" panose="020B0604020202020204" pitchFamily="34" charset="0"/>
+              <a:buChar char="•"/>
+              <a:defRPr sz="1800" kern="1200">
+                <a:solidFill>
+                  <a:schemeClr val="tx1"/>
+                </a:solidFill>
+                <a:latin typeface="Neris Thin" panose="00000300000000000000" pitchFamily="50" charset="0"/>
+                <a:ea typeface="+mn-ea"/>
+                <a:cs typeface="+mn-cs"/>
+              </a:defRPr>
+            </a:lvl2pPr>
+            <a:lvl3pPr marL="857250" indent="-171450" algn="l" defTabSz="685800" rtl="0" eaLnBrk="1" latinLnBrk="0" hangingPunct="1">
+              <a:lnSpc>
+                <a:spcPct val="90000"/>
+              </a:lnSpc>
+              <a:spcBef>
+                <a:spcPts val="375"/>
+              </a:spcBef>
+              <a:buFont typeface="Arial" panose="020B0604020202020204" pitchFamily="34" charset="0"/>
+              <a:buChar char="•"/>
+              <a:defRPr sz="1500" kern="1200">
+                <a:solidFill>
+                  <a:schemeClr val="tx1"/>
+                </a:solidFill>
+                <a:latin typeface="Neris Thin" panose="00000300000000000000" pitchFamily="50" charset="0"/>
+                <a:ea typeface="+mn-ea"/>
+                <a:cs typeface="+mn-cs"/>
+              </a:defRPr>
+            </a:lvl3pPr>
+            <a:lvl4pPr marL="1200150" indent="-171450" algn="l" defTabSz="685800" rtl="0" eaLnBrk="1" latinLnBrk="0" hangingPunct="1">
+              <a:lnSpc>
+                <a:spcPct val="90000"/>
+              </a:lnSpc>
+              <a:spcBef>
+                <a:spcPts val="375"/>
+              </a:spcBef>
+              <a:buFont typeface="Arial" panose="020B0604020202020204" pitchFamily="34" charset="0"/>
+              <a:buChar char="•"/>
+              <a:defRPr sz="1350" kern="1200">
+                <a:solidFill>
+                  <a:schemeClr val="tx1"/>
+                </a:solidFill>
+                <a:latin typeface="Neris Thin" panose="00000300000000000000" pitchFamily="50" charset="0"/>
+                <a:ea typeface="+mn-ea"/>
+                <a:cs typeface="+mn-cs"/>
+              </a:defRPr>
+            </a:lvl4pPr>
+            <a:lvl5pPr marL="1543050" indent="-171450" algn="l" defTabSz="685800" rtl="0" eaLnBrk="1" latinLnBrk="0" hangingPunct="1">
+              <a:lnSpc>
+                <a:spcPct val="90000"/>
+              </a:lnSpc>
+              <a:spcBef>
+                <a:spcPts val="375"/>
+              </a:spcBef>
+              <a:buFont typeface="Arial" panose="020B0604020202020204" pitchFamily="34" charset="0"/>
+              <a:buChar char="•"/>
+              <a:defRPr sz="1350" kern="1200">
+                <a:solidFill>
+                  <a:schemeClr val="tx1"/>
+                </a:solidFill>
+                <a:latin typeface="Neris Thin" panose="00000300000000000000" pitchFamily="50" charset="0"/>
+                <a:ea typeface="+mn-ea"/>
+                <a:cs typeface="+mn-cs"/>
+              </a:defRPr>
+            </a:lvl5pPr>
+            <a:lvl6pPr marL="1885950" indent="-171450" algn="l" defTabSz="685800" rtl="0" eaLnBrk="1" latinLnBrk="0" hangingPunct="1">
+              <a:lnSpc>
+                <a:spcPct val="90000"/>
+              </a:lnSpc>
+              <a:spcBef>
+                <a:spcPts val="375"/>
+              </a:spcBef>
+              <a:buFont typeface="Arial" panose="020B0604020202020204" pitchFamily="34" charset="0"/>
+              <a:buChar char="•"/>
+              <a:defRPr sz="1350" kern="1200">
+                <a:solidFill>
+                  <a:schemeClr val="tx1"/>
+                </a:solidFill>
+                <a:latin typeface="+mn-lt"/>
+                <a:ea typeface="+mn-ea"/>
+                <a:cs typeface="+mn-cs"/>
+              </a:defRPr>
+            </a:lvl6pPr>
+            <a:lvl7pPr marL="2228850" indent="-171450" algn="l" defTabSz="685800" rtl="0" eaLnBrk="1" latinLnBrk="0" hangingPunct="1">
+              <a:lnSpc>
+                <a:spcPct val="90000"/>
+              </a:lnSpc>
+              <a:spcBef>
+                <a:spcPts val="375"/>
+              </a:spcBef>
+              <a:buFont typeface="Arial" panose="020B0604020202020204" pitchFamily="34" charset="0"/>
+              <a:buChar char="•"/>
+              <a:defRPr sz="1350" kern="1200">
+                <a:solidFill>
+                  <a:schemeClr val="tx1"/>
+                </a:solidFill>
+                <a:latin typeface="+mn-lt"/>
+                <a:ea typeface="+mn-ea"/>
+                <a:cs typeface="+mn-cs"/>
+              </a:defRPr>
+            </a:lvl7pPr>
+            <a:lvl8pPr marL="2571750" indent="-171450" algn="l" defTabSz="685800" rtl="0" eaLnBrk="1" latinLnBrk="0" hangingPunct="1">
+              <a:lnSpc>
+                <a:spcPct val="90000"/>
+              </a:lnSpc>
+              <a:spcBef>
+                <a:spcPts val="375"/>
+              </a:spcBef>
+              <a:buFont typeface="Arial" panose="020B0604020202020204" pitchFamily="34" charset="0"/>
+              <a:buChar char="•"/>
+              <a:defRPr sz="1350" kern="1200">
+                <a:solidFill>
+                  <a:schemeClr val="tx1"/>
+                </a:solidFill>
+                <a:latin typeface="+mn-lt"/>
+                <a:ea typeface="+mn-ea"/>
+                <a:cs typeface="+mn-cs"/>
+              </a:defRPr>
+            </a:lvl8pPr>
+            <a:lvl9pPr marL="2914650" indent="-171450" algn="l" defTabSz="685800" rtl="0" eaLnBrk="1" latinLnBrk="0" hangingPunct="1">
+              <a:lnSpc>
+                <a:spcPct val="90000"/>
+              </a:lnSpc>
+              <a:spcBef>
+                <a:spcPts val="375"/>
+              </a:spcBef>
+              <a:buFont typeface="Arial" panose="020B0604020202020204" pitchFamily="34" charset="0"/>
+              <a:buChar char="•"/>
+              <a:defRPr sz="1350" kern="1200">
+                <a:solidFill>
+                  <a:schemeClr val="tx1"/>
+                </a:solidFill>
+                <a:latin typeface="+mn-lt"/>
+                <a:ea typeface="+mn-ea"/>
+                <a:cs typeface="+mn-cs"/>
+              </a:defRPr>
+            </a:lvl9pPr>
+          </a:lstStyle>
+          <a:p>
+            <a:pPr marL="0" indent="0">
+              <a:lnSpc>
+                <a:spcPct val="100000"/>
+              </a:lnSpc>
+              <a:spcBef>
+                <a:spcPts val="0"/>
+              </a:spcBef>
+              <a:buNone/>
+            </a:pPr>
+            <a:endParaRPr lang="en-US" sz="1400" dirty="0">
+              <a:solidFill>
+                <a:schemeClr val="tx1">
+                  <a:lumMod val="75000"/>
+                  <a:lumOff val="25000"/>
+                </a:schemeClr>
+              </a:solidFill>
+            </a:endParaRPr>
+          </a:p>
+        </p:txBody>
+      </p:sp>
+      <p:sp>
+        <p:nvSpPr>
+          <p:cNvPr id="52" name="Text Placeholder 32">
+            <a:extLst>
+              <a:ext uri="{FF2B5EF4-FFF2-40B4-BE49-F238E27FC236}">
+                <a16:creationId xmlns:a16="http://schemas.microsoft.com/office/drawing/2014/main" id="{6FDBDEFE-635E-C440-9178-85EBD4424BB2}"/>
+              </a:ext>
+            </a:extLst>
+          </p:cNvPr>
+          <p:cNvSpPr txBox="1">
+            <a:spLocks/>
+          </p:cNvSpPr>
+          <p:nvPr/>
+        </p:nvSpPr>
+        <p:spPr>
+          <a:xfrm>
+            <a:off x="7021815" y="2986596"/>
+            <a:ext cx="3113098" cy="1238934"/>
+          </a:xfrm>
+          <a:prstGeom prst="rect">
+            <a:avLst/>
+          </a:prstGeom>
+        </p:spPr>
+        <p:txBody>
+          <a:bodyPr lIns="0" tIns="0" rIns="0" bIns="0">
+            <a:noAutofit/>
+          </a:bodyPr>
+          <a:lstStyle>
+            <a:lvl1pPr marL="171450" indent="-171450" algn="l" defTabSz="685800" rtl="0" eaLnBrk="1" latinLnBrk="0" hangingPunct="1">
+              <a:lnSpc>
+                <a:spcPct val="90000"/>
+              </a:lnSpc>
+              <a:spcBef>
+                <a:spcPts val="750"/>
+              </a:spcBef>
+              <a:buFont typeface="Arial" panose="020B0604020202020204" pitchFamily="34" charset="0"/>
+              <a:buChar char="•"/>
+              <a:defRPr sz="2100" kern="1200">
+                <a:solidFill>
+                  <a:schemeClr val="tx1"/>
+                </a:solidFill>
+                <a:latin typeface="Neris Thin" panose="00000300000000000000" pitchFamily="50" charset="0"/>
+                <a:ea typeface="+mn-ea"/>
+                <a:cs typeface="+mn-cs"/>
+              </a:defRPr>
+            </a:lvl1pPr>
+            <a:lvl2pPr marL="514350" indent="-171450" algn="l" defTabSz="685800" rtl="0" eaLnBrk="1" latinLnBrk="0" hangingPunct="1">
+              <a:lnSpc>
+                <a:spcPct val="90000"/>
+              </a:lnSpc>
+              <a:spcBef>
+                <a:spcPts val="375"/>
+              </a:spcBef>
+              <a:buFont typeface="Arial" panose="020B0604020202020204" pitchFamily="34" charset="0"/>
+              <a:buChar char="•"/>
+              <a:defRPr sz="1800" kern="1200">
+                <a:solidFill>
+                  <a:schemeClr val="tx1"/>
+                </a:solidFill>
+                <a:latin typeface="Neris Thin" panose="00000300000000000000" pitchFamily="50" charset="0"/>
+                <a:ea typeface="+mn-ea"/>
+                <a:cs typeface="+mn-cs"/>
+              </a:defRPr>
+            </a:lvl2pPr>
+            <a:lvl3pPr marL="857250" indent="-171450" algn="l" defTabSz="685800" rtl="0" eaLnBrk="1" latinLnBrk="0" hangingPunct="1">
+              <a:lnSpc>
+                <a:spcPct val="90000"/>
+              </a:lnSpc>
+              <a:spcBef>
+                <a:spcPts val="375"/>
+              </a:spcBef>
+              <a:buFont typeface="Arial" panose="020B0604020202020204" pitchFamily="34" charset="0"/>
+              <a:buChar char="•"/>
+              <a:defRPr sz="1500" kern="1200">
+                <a:solidFill>
+                  <a:schemeClr val="tx1"/>
+                </a:solidFill>
+                <a:latin typeface="Neris Thin" panose="00000300000000000000" pitchFamily="50" charset="0"/>
+                <a:ea typeface="+mn-ea"/>
+                <a:cs typeface="+mn-cs"/>
+              </a:defRPr>
+            </a:lvl3pPr>
+            <a:lvl4pPr marL="1200150" indent="-171450" algn="l" defTabSz="685800" rtl="0" eaLnBrk="1" latinLnBrk="0" hangingPunct="1">
+              <a:lnSpc>
+                <a:spcPct val="90000"/>
+              </a:lnSpc>
+              <a:spcBef>
+                <a:spcPts val="375"/>
+              </a:spcBef>
+              <a:buFont typeface="Arial" panose="020B0604020202020204" pitchFamily="34" charset="0"/>
+              <a:buChar char="•"/>
+              <a:defRPr sz="1350" kern="1200">
+                <a:solidFill>
+                  <a:schemeClr val="tx1"/>
+                </a:solidFill>
+                <a:latin typeface="Neris Thin" panose="00000300000000000000" pitchFamily="50" charset="0"/>
+                <a:ea typeface="+mn-ea"/>
+                <a:cs typeface="+mn-cs"/>
+              </a:defRPr>
+            </a:lvl4pPr>
+            <a:lvl5pPr marL="1543050" indent="-171450" algn="l" defTabSz="685800" rtl="0" eaLnBrk="1" latinLnBrk="0" hangingPunct="1">
+              <a:lnSpc>
+                <a:spcPct val="90000"/>
+              </a:lnSpc>
+              <a:spcBef>
+                <a:spcPts val="375"/>
+              </a:spcBef>
+              <a:buFont typeface="Arial" panose="020B0604020202020204" pitchFamily="34" charset="0"/>
+              <a:buChar char="•"/>
+              <a:defRPr sz="1350" kern="1200">
+                <a:solidFill>
+                  <a:schemeClr val="tx1"/>
+                </a:solidFill>
+                <a:latin typeface="Neris Thin" panose="00000300000000000000" pitchFamily="50" charset="0"/>
+                <a:ea typeface="+mn-ea"/>
+                <a:cs typeface="+mn-cs"/>
+              </a:defRPr>
+            </a:lvl5pPr>
+            <a:lvl6pPr marL="1885950" indent="-171450" algn="l" defTabSz="685800" rtl="0" eaLnBrk="1" latinLnBrk="0" hangingPunct="1">
+              <a:lnSpc>
+                <a:spcPct val="90000"/>
+              </a:lnSpc>
+              <a:spcBef>
+                <a:spcPts val="375"/>
+              </a:spcBef>
+              <a:buFont typeface="Arial" panose="020B0604020202020204" pitchFamily="34" charset="0"/>
+              <a:buChar char="•"/>
+              <a:defRPr sz="1350" kern="1200">
+                <a:solidFill>
+                  <a:schemeClr val="tx1"/>
+                </a:solidFill>
+                <a:latin typeface="+mn-lt"/>
+                <a:ea typeface="+mn-ea"/>
+                <a:cs typeface="+mn-cs"/>
+              </a:defRPr>
+            </a:lvl6pPr>
+            <a:lvl7pPr marL="2228850" indent="-171450" algn="l" defTabSz="685800" rtl="0" eaLnBrk="1" latinLnBrk="0" hangingPunct="1">
+              <a:lnSpc>
+                <a:spcPct val="90000"/>
+              </a:lnSpc>
+              <a:spcBef>
+                <a:spcPts val="375"/>
+              </a:spcBef>
+              <a:buFont typeface="Arial" panose="020B0604020202020204" pitchFamily="34" charset="0"/>
+              <a:buChar char="•"/>
+              <a:defRPr sz="1350" kern="1200">
+                <a:solidFill>
+                  <a:schemeClr val="tx1"/>
+                </a:solidFill>
+                <a:latin typeface="+mn-lt"/>
+                <a:ea typeface="+mn-ea"/>
+                <a:cs typeface="+mn-cs"/>
+              </a:defRPr>
+            </a:lvl7pPr>
+            <a:lvl8pPr marL="2571750" indent="-171450" algn="l" defTabSz="685800" rtl="0" eaLnBrk="1" latinLnBrk="0" hangingPunct="1">
+              <a:lnSpc>
+                <a:spcPct val="90000"/>
+              </a:lnSpc>
+              <a:spcBef>
+                <a:spcPts val="375"/>
+              </a:spcBef>
+              <a:buFont typeface="Arial" panose="020B0604020202020204" pitchFamily="34" charset="0"/>
+              <a:buChar char="•"/>
+              <a:defRPr sz="1350" kern="1200">
+                <a:solidFill>
+                  <a:schemeClr val="tx1"/>
+                </a:solidFill>
+                <a:latin typeface="+mn-lt"/>
+                <a:ea typeface="+mn-ea"/>
+                <a:cs typeface="+mn-cs"/>
+              </a:defRPr>
+            </a:lvl8pPr>
+            <a:lvl9pPr marL="2914650" indent="-171450" algn="l" defTabSz="685800" rtl="0" eaLnBrk="1" latinLnBrk="0" hangingPunct="1">
+              <a:lnSpc>
+                <a:spcPct val="90000"/>
+              </a:lnSpc>
+              <a:spcBef>
+                <a:spcPts val="375"/>
+              </a:spcBef>
+              <a:buFont typeface="Arial" panose="020B0604020202020204" pitchFamily="34" charset="0"/>
+              <a:buChar char="•"/>
+              <a:defRPr sz="1350" kern="1200">
+                <a:solidFill>
+                  <a:schemeClr val="tx1"/>
+                </a:solidFill>
+                <a:latin typeface="+mn-lt"/>
+                <a:ea typeface="+mn-ea"/>
+                <a:cs typeface="+mn-cs"/>
+              </a:defRPr>
+            </a:lvl9pPr>
+          </a:lstStyle>
+          <a:p>
+            <a:pPr>
+              <a:lnSpc>
+                <a:spcPct val="100000"/>
+              </a:lnSpc>
+              <a:spcBef>
+                <a:spcPts val="0"/>
+              </a:spcBef>
+            </a:pPr>
+            <a:endParaRPr lang="en-IN" sz="1400" dirty="0">
+              <a:solidFill>
+                <a:schemeClr val="tx1">
+                  <a:lumMod val="75000"/>
+                  <a:lumOff val="25000"/>
+                </a:schemeClr>
+              </a:solidFill>
+            </a:endParaRPr>
+          </a:p>
+          <a:p>
+            <a:pPr marL="0" indent="0">
+              <a:lnSpc>
+                <a:spcPct val="100000"/>
+              </a:lnSpc>
+              <a:spcBef>
+                <a:spcPts val="0"/>
+              </a:spcBef>
+              <a:buNone/>
+            </a:pPr>
+            <a:endParaRPr lang="en-US" sz="1400" dirty="0">
+              <a:solidFill>
+                <a:schemeClr val="tx1">
+                  <a:lumMod val="75000"/>
+                  <a:lumOff val="25000"/>
+                </a:schemeClr>
+              </a:solidFill>
+            </a:endParaRPr>
+          </a:p>
+        </p:txBody>
+      </p:sp>
+      <p:sp>
+        <p:nvSpPr>
+          <p:cNvPr id="54" name="Rounded Rectangle 53">
+            <a:extLst>
+              <a:ext uri="{FF2B5EF4-FFF2-40B4-BE49-F238E27FC236}">
+                <a16:creationId xmlns:a16="http://schemas.microsoft.com/office/drawing/2014/main" id="{FDBB8EDE-A78B-224C-BE6E-E046C543903D}"/>
+              </a:ext>
+            </a:extLst>
+          </p:cNvPr>
+          <p:cNvSpPr/>
+          <p:nvPr/>
+        </p:nvSpPr>
+        <p:spPr>
+          <a:xfrm>
+            <a:off x="4475252" y="5142046"/>
+            <a:ext cx="604695" cy="604695"/>
+          </a:xfrm>
+          <a:prstGeom prst="roundRect">
+            <a:avLst>
+              <a:gd name="adj" fmla="val 16554"/>
+            </a:avLst>
+          </a:prstGeom>
+          <a:solidFill>
+            <a:schemeClr val="accent5"/>
+          </a:solidFill>
+          <a:ln w="12700" cap="flat" cmpd="sng" algn="ctr">
+            <a:noFill/>
+            <a:prstDash val="solid"/>
+            <a:miter lim="800000"/>
+          </a:ln>
+          <a:effectLst/>
+        </p:spPr>
+        <p:txBody>
+          <a:bodyPr lIns="0" tIns="0" rIns="0" bIns="0" rtlCol="0" anchor="ctr"/>
+          <a:lstStyle/>
+          <a:p>
+            <a:pPr marL="0" marR="0" lvl="0" indent="0" algn="ctr" defTabSz="914340" eaLnBrk="1" fontAlgn="auto" latinLnBrk="0" hangingPunct="1">
+              <a:lnSpc>
+                <a:spcPct val="100000"/>
+              </a:lnSpc>
+              <a:spcBef>
+                <a:spcPts val="0"/>
+              </a:spcBef>
+              <a:spcAft>
+                <a:spcPts val="0"/>
+              </a:spcAft>
+              <a:buClrTx/>
+              <a:buSzTx/>
+              <a:buFontTx/>
+              <a:buNone/>
+              <a:tabLst/>
+              <a:defRPr/>
+            </a:pPr>
+            <a:endParaRPr kumimoji="0" lang="en-US" sz="1800" b="0" i="0" u="none" strike="noStrike" kern="0" cap="none" spc="0" normalizeH="0" baseline="0" noProof="0" dirty="0">
+              <a:ln>
+                <a:noFill/>
+              </a:ln>
+              <a:solidFill>
+                <a:srgbClr val="FFFFFF"/>
+              </a:solidFill>
+              <a:effectLst/>
+              <a:uLnTx/>
+              <a:uFillTx/>
+            </a:endParaRPr>
+          </a:p>
+        </p:txBody>
+      </p:sp>
+      <p:sp>
+        <p:nvSpPr>
+          <p:cNvPr id="7" name="Rectangle 6">
+            <a:extLst>
+              <a:ext uri="{FF2B5EF4-FFF2-40B4-BE49-F238E27FC236}">
+                <a16:creationId xmlns:a16="http://schemas.microsoft.com/office/drawing/2014/main" id="{0439EEED-2DAD-B847-B962-82EDEED8B966}"/>
+              </a:ext>
+            </a:extLst>
+          </p:cNvPr>
+          <p:cNvSpPr/>
+          <p:nvPr/>
+        </p:nvSpPr>
+        <p:spPr>
+          <a:xfrm>
+            <a:off x="328498" y="6144768"/>
+            <a:ext cx="1634548" cy="597408"/>
+          </a:xfrm>
+          <a:prstGeom prst="rect">
+            <a:avLst/>
+          </a:prstGeom>
+          <a:solidFill>
+            <a:schemeClr val="bg1"/>
+          </a:solidFill>
+          <a:ln>
+            <a:solidFill>
+              <a:schemeClr val="bg1"/>
+            </a:solidFill>
+          </a:ln>
+        </p:spPr>
+        <p:style>
+          <a:lnRef idx="2">
+            <a:schemeClr val="accent1">
+              <a:shade val="50000"/>
+            </a:schemeClr>
+          </a:lnRef>
+          <a:fillRef idx="1">
+            <a:schemeClr val="accent1"/>
+          </a:fillRef>
+          <a:effectRef idx="0">
+            <a:schemeClr val="accent1"/>
+          </a:effectRef>
+          <a:fontRef idx="minor">
+            <a:schemeClr val="lt1"/>
+          </a:fontRef>
+        </p:style>
+        <p:txBody>
+          <a:bodyPr rtlCol="0" anchor="ctr"/>
+          <a:lstStyle/>
+          <a:p>
+            <a:pPr algn="ctr"/>
+            <a:endParaRPr lang="en-US"/>
+          </a:p>
+        </p:txBody>
+      </p:sp>
+      <p:sp>
+        <p:nvSpPr>
+          <p:cNvPr id="58" name="TextBox 57">
+            <a:extLst>
+              <a:ext uri="{FF2B5EF4-FFF2-40B4-BE49-F238E27FC236}">
+                <a16:creationId xmlns:a16="http://schemas.microsoft.com/office/drawing/2014/main" id="{368FC10C-2AD3-374A-A81A-BC39F3E5C36E}"/>
+              </a:ext>
+            </a:extLst>
+          </p:cNvPr>
+          <p:cNvSpPr txBox="1"/>
+          <p:nvPr/>
+        </p:nvSpPr>
+        <p:spPr>
+          <a:xfrm>
+            <a:off x="6833645" y="4175335"/>
+            <a:ext cx="3576170" cy="553998"/>
+          </a:xfrm>
+          <a:prstGeom prst="rect">
+            <a:avLst/>
+          </a:prstGeom>
+          <a:noFill/>
+        </p:spPr>
+        <p:txBody>
+          <a:bodyPr wrap="square" lIns="0" tIns="0" rIns="0" bIns="0" rtlCol="0" anchor="ctr">
+            <a:spAutoFit/>
+          </a:bodyPr>
+          <a:lstStyle/>
+          <a:p>
+            <a:pPr algn="ctr"/>
+            <a:r>
+              <a:rPr lang="en-IN" b="1" dirty="0">
+                <a:solidFill>
+                  <a:srgbClr val="FFC000"/>
+                </a:solidFill>
+              </a:rPr>
+              <a:t>Integration with  third party apps to enhance privacy and security </a:t>
+            </a:r>
+            <a:endParaRPr lang="en-US" b="1" dirty="0">
+              <a:solidFill>
+                <a:srgbClr val="FFC000"/>
+              </a:solidFill>
+            </a:endParaRPr>
+          </a:p>
+        </p:txBody>
+      </p:sp>
+      <p:sp>
+        <p:nvSpPr>
+          <p:cNvPr id="59" name="Text Placeholder 32">
+            <a:extLst>
+              <a:ext uri="{FF2B5EF4-FFF2-40B4-BE49-F238E27FC236}">
+                <a16:creationId xmlns:a16="http://schemas.microsoft.com/office/drawing/2014/main" id="{AB064D8F-8484-0C4C-B276-8EA22923C3CE}"/>
+              </a:ext>
+            </a:extLst>
+          </p:cNvPr>
+          <p:cNvSpPr txBox="1">
+            <a:spLocks/>
+          </p:cNvSpPr>
+          <p:nvPr/>
+        </p:nvSpPr>
+        <p:spPr>
+          <a:xfrm>
+            <a:off x="6980027" y="4323988"/>
+            <a:ext cx="3113098" cy="1238934"/>
+          </a:xfrm>
+          <a:prstGeom prst="rect">
+            <a:avLst/>
+          </a:prstGeom>
+        </p:spPr>
+        <p:txBody>
+          <a:bodyPr lIns="0" tIns="0" rIns="0" bIns="0">
+            <a:noAutofit/>
+          </a:bodyPr>
+          <a:lstStyle>
+            <a:lvl1pPr marL="171450" indent="-171450" algn="l" defTabSz="685800" rtl="0" eaLnBrk="1" latinLnBrk="0" hangingPunct="1">
+              <a:lnSpc>
+                <a:spcPct val="90000"/>
+              </a:lnSpc>
+              <a:spcBef>
+                <a:spcPts val="750"/>
+              </a:spcBef>
+              <a:buFont typeface="Arial" panose="020B0604020202020204" pitchFamily="34" charset="0"/>
+              <a:buChar char="•"/>
+              <a:defRPr sz="2100" kern="1200">
+                <a:solidFill>
+                  <a:schemeClr val="tx1"/>
+                </a:solidFill>
+                <a:latin typeface="Neris Thin" panose="00000300000000000000" pitchFamily="50" charset="0"/>
+                <a:ea typeface="+mn-ea"/>
+                <a:cs typeface="+mn-cs"/>
+              </a:defRPr>
+            </a:lvl1pPr>
+            <a:lvl2pPr marL="514350" indent="-171450" algn="l" defTabSz="685800" rtl="0" eaLnBrk="1" latinLnBrk="0" hangingPunct="1">
+              <a:lnSpc>
+                <a:spcPct val="90000"/>
+              </a:lnSpc>
+              <a:spcBef>
+                <a:spcPts val="375"/>
+              </a:spcBef>
+              <a:buFont typeface="Arial" panose="020B0604020202020204" pitchFamily="34" charset="0"/>
+              <a:buChar char="•"/>
+              <a:defRPr sz="1800" kern="1200">
+                <a:solidFill>
+                  <a:schemeClr val="tx1"/>
+                </a:solidFill>
+                <a:latin typeface="Neris Thin" panose="00000300000000000000" pitchFamily="50" charset="0"/>
+                <a:ea typeface="+mn-ea"/>
+                <a:cs typeface="+mn-cs"/>
+              </a:defRPr>
+            </a:lvl2pPr>
+            <a:lvl3pPr marL="857250" indent="-171450" algn="l" defTabSz="685800" rtl="0" eaLnBrk="1" latinLnBrk="0" hangingPunct="1">
+              <a:lnSpc>
+                <a:spcPct val="90000"/>
+              </a:lnSpc>
+              <a:spcBef>
+                <a:spcPts val="375"/>
+              </a:spcBef>
+              <a:buFont typeface="Arial" panose="020B0604020202020204" pitchFamily="34" charset="0"/>
+              <a:buChar char="•"/>
+              <a:defRPr sz="1500" kern="1200">
+                <a:solidFill>
+                  <a:schemeClr val="tx1"/>
+                </a:solidFill>
+                <a:latin typeface="Neris Thin" panose="00000300000000000000" pitchFamily="50" charset="0"/>
+                <a:ea typeface="+mn-ea"/>
+                <a:cs typeface="+mn-cs"/>
+              </a:defRPr>
+            </a:lvl3pPr>
+            <a:lvl4pPr marL="1200150" indent="-171450" algn="l" defTabSz="685800" rtl="0" eaLnBrk="1" latinLnBrk="0" hangingPunct="1">
+              <a:lnSpc>
+                <a:spcPct val="90000"/>
+              </a:lnSpc>
+              <a:spcBef>
+                <a:spcPts val="375"/>
+              </a:spcBef>
+              <a:buFont typeface="Arial" panose="020B0604020202020204" pitchFamily="34" charset="0"/>
+              <a:buChar char="•"/>
+              <a:defRPr sz="1350" kern="1200">
+                <a:solidFill>
+                  <a:schemeClr val="tx1"/>
+                </a:solidFill>
+                <a:latin typeface="Neris Thin" panose="00000300000000000000" pitchFamily="50" charset="0"/>
+                <a:ea typeface="+mn-ea"/>
+                <a:cs typeface="+mn-cs"/>
+              </a:defRPr>
+            </a:lvl4pPr>
+            <a:lvl5pPr marL="1543050" indent="-171450" algn="l" defTabSz="685800" rtl="0" eaLnBrk="1" latinLnBrk="0" hangingPunct="1">
+              <a:lnSpc>
+                <a:spcPct val="90000"/>
+              </a:lnSpc>
+              <a:spcBef>
+                <a:spcPts val="375"/>
+              </a:spcBef>
+              <a:buFont typeface="Arial" panose="020B0604020202020204" pitchFamily="34" charset="0"/>
+              <a:buChar char="•"/>
+              <a:defRPr sz="1350" kern="1200">
+                <a:solidFill>
+                  <a:schemeClr val="tx1"/>
+                </a:solidFill>
+                <a:latin typeface="Neris Thin" panose="00000300000000000000" pitchFamily="50" charset="0"/>
+                <a:ea typeface="+mn-ea"/>
+                <a:cs typeface="+mn-cs"/>
+              </a:defRPr>
+            </a:lvl5pPr>
+            <a:lvl6pPr marL="1885950" indent="-171450" algn="l" defTabSz="685800" rtl="0" eaLnBrk="1" latinLnBrk="0" hangingPunct="1">
+              <a:lnSpc>
+                <a:spcPct val="90000"/>
+              </a:lnSpc>
+              <a:spcBef>
+                <a:spcPts val="375"/>
+              </a:spcBef>
+              <a:buFont typeface="Arial" panose="020B0604020202020204" pitchFamily="34" charset="0"/>
+              <a:buChar char="•"/>
+              <a:defRPr sz="1350" kern="1200">
+                <a:solidFill>
+                  <a:schemeClr val="tx1"/>
+                </a:solidFill>
+                <a:latin typeface="+mn-lt"/>
+                <a:ea typeface="+mn-ea"/>
+                <a:cs typeface="+mn-cs"/>
+              </a:defRPr>
+            </a:lvl6pPr>
+            <a:lvl7pPr marL="2228850" indent="-171450" algn="l" defTabSz="685800" rtl="0" eaLnBrk="1" latinLnBrk="0" hangingPunct="1">
+              <a:lnSpc>
+                <a:spcPct val="90000"/>
+              </a:lnSpc>
+              <a:spcBef>
+                <a:spcPts val="375"/>
+              </a:spcBef>
+              <a:buFont typeface="Arial" panose="020B0604020202020204" pitchFamily="34" charset="0"/>
+              <a:buChar char="•"/>
+              <a:defRPr sz="1350" kern="1200">
+                <a:solidFill>
+                  <a:schemeClr val="tx1"/>
+                </a:solidFill>
+                <a:latin typeface="+mn-lt"/>
+                <a:ea typeface="+mn-ea"/>
+                <a:cs typeface="+mn-cs"/>
+              </a:defRPr>
+            </a:lvl7pPr>
+            <a:lvl8pPr marL="2571750" indent="-171450" algn="l" defTabSz="685800" rtl="0" eaLnBrk="1" latinLnBrk="0" hangingPunct="1">
+              <a:lnSpc>
+                <a:spcPct val="90000"/>
+              </a:lnSpc>
+              <a:spcBef>
+                <a:spcPts val="375"/>
+              </a:spcBef>
+              <a:buFont typeface="Arial" panose="020B0604020202020204" pitchFamily="34" charset="0"/>
+              <a:buChar char="•"/>
+              <a:defRPr sz="1350" kern="1200">
+                <a:solidFill>
+                  <a:schemeClr val="tx1"/>
+                </a:solidFill>
+                <a:latin typeface="+mn-lt"/>
+                <a:ea typeface="+mn-ea"/>
+                <a:cs typeface="+mn-cs"/>
+              </a:defRPr>
+            </a:lvl8pPr>
+            <a:lvl9pPr marL="2914650" indent="-171450" algn="l" defTabSz="685800" rtl="0" eaLnBrk="1" latinLnBrk="0" hangingPunct="1">
+              <a:lnSpc>
+                <a:spcPct val="90000"/>
+              </a:lnSpc>
+              <a:spcBef>
+                <a:spcPts val="375"/>
+              </a:spcBef>
+              <a:buFont typeface="Arial" panose="020B0604020202020204" pitchFamily="34" charset="0"/>
+              <a:buChar char="•"/>
+              <a:defRPr sz="1350" kern="1200">
+                <a:solidFill>
+                  <a:schemeClr val="tx1"/>
+                </a:solidFill>
+                <a:latin typeface="+mn-lt"/>
+                <a:ea typeface="+mn-ea"/>
+                <a:cs typeface="+mn-cs"/>
+              </a:defRPr>
+            </a:lvl9pPr>
+          </a:lstStyle>
+          <a:p>
+            <a:pPr marL="0" indent="0">
+              <a:lnSpc>
+                <a:spcPct val="100000"/>
+              </a:lnSpc>
+              <a:spcBef>
+                <a:spcPts val="0"/>
+              </a:spcBef>
+              <a:buNone/>
+            </a:pPr>
+            <a:endParaRPr lang="en-US" sz="1400" dirty="0">
+              <a:solidFill>
+                <a:schemeClr val="tx1">
+                  <a:lumMod val="75000"/>
+                  <a:lumOff val="25000"/>
+                </a:schemeClr>
+              </a:solidFill>
+            </a:endParaRPr>
+          </a:p>
+        </p:txBody>
+      </p:sp>
+      <p:sp>
+        <p:nvSpPr>
+          <p:cNvPr id="60" name="Rounded Rectangle 59">
+            <a:extLst>
+              <a:ext uri="{FF2B5EF4-FFF2-40B4-BE49-F238E27FC236}">
+                <a16:creationId xmlns:a16="http://schemas.microsoft.com/office/drawing/2014/main" id="{168D99F7-7583-5B48-B010-0B8D5EC5E8E9}"/>
+              </a:ext>
+            </a:extLst>
+          </p:cNvPr>
+          <p:cNvSpPr/>
+          <p:nvPr/>
+        </p:nvSpPr>
+        <p:spPr>
+          <a:xfrm>
+            <a:off x="6113197" y="4094142"/>
+            <a:ext cx="604695" cy="604695"/>
+          </a:xfrm>
+          <a:prstGeom prst="roundRect">
+            <a:avLst>
+              <a:gd name="adj" fmla="val 16554"/>
+            </a:avLst>
+          </a:prstGeom>
+          <a:solidFill>
+            <a:srgbClr val="FFC000"/>
+          </a:solidFill>
+          <a:ln w="12700" cap="flat" cmpd="sng" algn="ctr">
+            <a:noFill/>
+            <a:prstDash val="solid"/>
+            <a:miter lim="800000"/>
+          </a:ln>
+          <a:effectLst/>
+        </p:spPr>
+        <p:txBody>
+          <a:bodyPr lIns="0" tIns="0" rIns="0" bIns="0" rtlCol="0" anchor="ctr"/>
+          <a:lstStyle/>
+          <a:p>
+            <a:pPr marL="0" marR="0" lvl="0" indent="0" algn="ctr" defTabSz="914340" eaLnBrk="1" fontAlgn="auto" latinLnBrk="0" hangingPunct="1">
+              <a:lnSpc>
+                <a:spcPct val="100000"/>
+              </a:lnSpc>
+              <a:spcBef>
+                <a:spcPts val="0"/>
+              </a:spcBef>
+              <a:spcAft>
+                <a:spcPts val="0"/>
+              </a:spcAft>
+              <a:buClrTx/>
+              <a:buSzTx/>
+              <a:buFontTx/>
+              <a:buNone/>
+              <a:tabLst/>
+              <a:defRPr/>
+            </a:pPr>
+            <a:endParaRPr kumimoji="0" lang="en-US" sz="1800" b="0" i="0" u="none" strike="noStrike" kern="0" cap="none" spc="0" normalizeH="0" baseline="0" noProof="0" dirty="0">
+              <a:ln>
+                <a:noFill/>
+              </a:ln>
+              <a:solidFill>
+                <a:srgbClr val="FFFFFF"/>
+              </a:solidFill>
+              <a:effectLst/>
+              <a:uLnTx/>
+              <a:uFillTx/>
+            </a:endParaRPr>
+          </a:p>
+        </p:txBody>
+      </p:sp>
+      <p:sp>
+        <p:nvSpPr>
+          <p:cNvPr id="61" name="TextBox 60">
+            <a:extLst>
+              <a:ext uri="{FF2B5EF4-FFF2-40B4-BE49-F238E27FC236}">
+                <a16:creationId xmlns:a16="http://schemas.microsoft.com/office/drawing/2014/main" id="{9297DA04-A251-914A-9E58-9163E14E3DC5}"/>
+              </a:ext>
+            </a:extLst>
+          </p:cNvPr>
+          <p:cNvSpPr txBox="1"/>
+          <p:nvPr/>
+        </p:nvSpPr>
+        <p:spPr>
+          <a:xfrm flipH="1">
+            <a:off x="1810081" y="4106047"/>
+            <a:ext cx="2238949" cy="553998"/>
+          </a:xfrm>
+          <a:prstGeom prst="rect">
+            <a:avLst/>
+          </a:prstGeom>
+          <a:noFill/>
+        </p:spPr>
+        <p:txBody>
+          <a:bodyPr wrap="square" lIns="0" tIns="0" rIns="0" bIns="0" rtlCol="0" anchor="ctr">
+            <a:spAutoFit/>
+          </a:bodyPr>
+          <a:lstStyle/>
+          <a:p>
+            <a:pPr algn="ctr"/>
+            <a:r>
+              <a:rPr lang="en-US" b="1" dirty="0">
+                <a:solidFill>
+                  <a:srgbClr val="00B050"/>
+                </a:solidFill>
+              </a:rPr>
+              <a:t>Safeguard from cyber violence</a:t>
+            </a:r>
+          </a:p>
+        </p:txBody>
+      </p:sp>
+      <p:sp>
+        <p:nvSpPr>
+          <p:cNvPr id="62" name="Text Placeholder 32">
+            <a:extLst>
+              <a:ext uri="{FF2B5EF4-FFF2-40B4-BE49-F238E27FC236}">
+                <a16:creationId xmlns:a16="http://schemas.microsoft.com/office/drawing/2014/main" id="{5C1DD2BE-5B80-AD42-AFA7-7267BA47A07F}"/>
+              </a:ext>
+            </a:extLst>
+          </p:cNvPr>
+          <p:cNvSpPr txBox="1">
+            <a:spLocks/>
+          </p:cNvSpPr>
+          <p:nvPr/>
+        </p:nvSpPr>
+        <p:spPr>
+          <a:xfrm flipH="1">
+            <a:off x="1424154" y="5955420"/>
+            <a:ext cx="3212572" cy="970924"/>
+          </a:xfrm>
+          <a:prstGeom prst="rect">
+            <a:avLst/>
+          </a:prstGeom>
+        </p:spPr>
+        <p:txBody>
+          <a:bodyPr lIns="0" tIns="0" rIns="0" bIns="0">
+            <a:noAutofit/>
+          </a:bodyPr>
+          <a:lstStyle>
+            <a:lvl1pPr marL="171450" indent="-171450" algn="l" defTabSz="685800" rtl="0" eaLnBrk="1" latinLnBrk="0" hangingPunct="1">
+              <a:lnSpc>
+                <a:spcPct val="90000"/>
+              </a:lnSpc>
+              <a:spcBef>
+                <a:spcPts val="750"/>
+              </a:spcBef>
+              <a:buFont typeface="Arial" panose="020B0604020202020204" pitchFamily="34" charset="0"/>
+              <a:buChar char="•"/>
+              <a:defRPr sz="2100" kern="1200">
+                <a:solidFill>
+                  <a:schemeClr val="tx1"/>
+                </a:solidFill>
+                <a:latin typeface="Neris Thin" panose="00000300000000000000" pitchFamily="50" charset="0"/>
+                <a:ea typeface="+mn-ea"/>
+                <a:cs typeface="+mn-cs"/>
+              </a:defRPr>
+            </a:lvl1pPr>
+            <a:lvl2pPr marL="514350" indent="-171450" algn="l" defTabSz="685800" rtl="0" eaLnBrk="1" latinLnBrk="0" hangingPunct="1">
+              <a:lnSpc>
+                <a:spcPct val="90000"/>
+              </a:lnSpc>
+              <a:spcBef>
+                <a:spcPts val="375"/>
+              </a:spcBef>
+              <a:buFont typeface="Arial" panose="020B0604020202020204" pitchFamily="34" charset="0"/>
+              <a:buChar char="•"/>
+              <a:defRPr sz="1800" kern="1200">
+                <a:solidFill>
+                  <a:schemeClr val="tx1"/>
+                </a:solidFill>
+                <a:latin typeface="Neris Thin" panose="00000300000000000000" pitchFamily="50" charset="0"/>
+                <a:ea typeface="+mn-ea"/>
+                <a:cs typeface="+mn-cs"/>
+              </a:defRPr>
+            </a:lvl2pPr>
+            <a:lvl3pPr marL="857250" indent="-171450" algn="l" defTabSz="685800" rtl="0" eaLnBrk="1" latinLnBrk="0" hangingPunct="1">
+              <a:lnSpc>
+                <a:spcPct val="90000"/>
+              </a:lnSpc>
+              <a:spcBef>
+                <a:spcPts val="375"/>
+              </a:spcBef>
+              <a:buFont typeface="Arial" panose="020B0604020202020204" pitchFamily="34" charset="0"/>
+              <a:buChar char="•"/>
+              <a:defRPr sz="1500" kern="1200">
+                <a:solidFill>
+                  <a:schemeClr val="tx1"/>
+                </a:solidFill>
+                <a:latin typeface="Neris Thin" panose="00000300000000000000" pitchFamily="50" charset="0"/>
+                <a:ea typeface="+mn-ea"/>
+                <a:cs typeface="+mn-cs"/>
+              </a:defRPr>
+            </a:lvl3pPr>
+            <a:lvl4pPr marL="1200150" indent="-171450" algn="l" defTabSz="685800" rtl="0" eaLnBrk="1" latinLnBrk="0" hangingPunct="1">
+              <a:lnSpc>
+                <a:spcPct val="90000"/>
+              </a:lnSpc>
+              <a:spcBef>
+                <a:spcPts val="375"/>
+              </a:spcBef>
+              <a:buFont typeface="Arial" panose="020B0604020202020204" pitchFamily="34" charset="0"/>
+              <a:buChar char="•"/>
+              <a:defRPr sz="1350" kern="1200">
+                <a:solidFill>
+                  <a:schemeClr val="tx1"/>
+                </a:solidFill>
+                <a:latin typeface="Neris Thin" panose="00000300000000000000" pitchFamily="50" charset="0"/>
+                <a:ea typeface="+mn-ea"/>
+                <a:cs typeface="+mn-cs"/>
+              </a:defRPr>
+            </a:lvl4pPr>
+            <a:lvl5pPr marL="1543050" indent="-171450" algn="l" defTabSz="685800" rtl="0" eaLnBrk="1" latinLnBrk="0" hangingPunct="1">
+              <a:lnSpc>
+                <a:spcPct val="90000"/>
+              </a:lnSpc>
+              <a:spcBef>
+                <a:spcPts val="375"/>
+              </a:spcBef>
+              <a:buFont typeface="Arial" panose="020B0604020202020204" pitchFamily="34" charset="0"/>
+              <a:buChar char="•"/>
+              <a:defRPr sz="1350" kern="1200">
+                <a:solidFill>
+                  <a:schemeClr val="tx1"/>
+                </a:solidFill>
+                <a:latin typeface="Neris Thin" panose="00000300000000000000" pitchFamily="50" charset="0"/>
+                <a:ea typeface="+mn-ea"/>
+                <a:cs typeface="+mn-cs"/>
+              </a:defRPr>
+            </a:lvl5pPr>
+            <a:lvl6pPr marL="1885950" indent="-171450" algn="l" defTabSz="685800" rtl="0" eaLnBrk="1" latinLnBrk="0" hangingPunct="1">
+              <a:lnSpc>
+                <a:spcPct val="90000"/>
+              </a:lnSpc>
+              <a:spcBef>
+                <a:spcPts val="375"/>
+              </a:spcBef>
+              <a:buFont typeface="Arial" panose="020B0604020202020204" pitchFamily="34" charset="0"/>
+              <a:buChar char="•"/>
+              <a:defRPr sz="1350" kern="1200">
+                <a:solidFill>
+                  <a:schemeClr val="tx1"/>
+                </a:solidFill>
+                <a:latin typeface="+mn-lt"/>
+                <a:ea typeface="+mn-ea"/>
+                <a:cs typeface="+mn-cs"/>
+              </a:defRPr>
+            </a:lvl6pPr>
+            <a:lvl7pPr marL="2228850" indent="-171450" algn="l" defTabSz="685800" rtl="0" eaLnBrk="1" latinLnBrk="0" hangingPunct="1">
+              <a:lnSpc>
+                <a:spcPct val="90000"/>
+              </a:lnSpc>
+              <a:spcBef>
+                <a:spcPts val="375"/>
+              </a:spcBef>
+              <a:buFont typeface="Arial" panose="020B0604020202020204" pitchFamily="34" charset="0"/>
+              <a:buChar char="•"/>
+              <a:defRPr sz="1350" kern="1200">
+                <a:solidFill>
+                  <a:schemeClr val="tx1"/>
+                </a:solidFill>
+                <a:latin typeface="+mn-lt"/>
+                <a:ea typeface="+mn-ea"/>
+                <a:cs typeface="+mn-cs"/>
+              </a:defRPr>
+            </a:lvl7pPr>
+            <a:lvl8pPr marL="2571750" indent="-171450" algn="l" defTabSz="685800" rtl="0" eaLnBrk="1" latinLnBrk="0" hangingPunct="1">
+              <a:lnSpc>
+                <a:spcPct val="90000"/>
+              </a:lnSpc>
+              <a:spcBef>
+                <a:spcPts val="375"/>
+              </a:spcBef>
+              <a:buFont typeface="Arial" panose="020B0604020202020204" pitchFamily="34" charset="0"/>
+              <a:buChar char="•"/>
+              <a:defRPr sz="1350" kern="1200">
+                <a:solidFill>
+                  <a:schemeClr val="tx1"/>
+                </a:solidFill>
+                <a:latin typeface="+mn-lt"/>
+                <a:ea typeface="+mn-ea"/>
+                <a:cs typeface="+mn-cs"/>
+              </a:defRPr>
+            </a:lvl8pPr>
+            <a:lvl9pPr marL="2914650" indent="-171450" algn="l" defTabSz="685800" rtl="0" eaLnBrk="1" latinLnBrk="0" hangingPunct="1">
+              <a:lnSpc>
+                <a:spcPct val="90000"/>
+              </a:lnSpc>
+              <a:spcBef>
+                <a:spcPts val="375"/>
+              </a:spcBef>
+              <a:buFont typeface="Arial" panose="020B0604020202020204" pitchFamily="34" charset="0"/>
+              <a:buChar char="•"/>
+              <a:defRPr sz="1350" kern="1200">
+                <a:solidFill>
+                  <a:schemeClr val="tx1"/>
+                </a:solidFill>
+                <a:latin typeface="+mn-lt"/>
+                <a:ea typeface="+mn-ea"/>
+                <a:cs typeface="+mn-cs"/>
+              </a:defRPr>
+            </a:lvl9pPr>
+          </a:lstStyle>
+          <a:p>
+            <a:endParaRPr lang="en-IN" sz="1400" dirty="0">
+              <a:solidFill>
+                <a:schemeClr val="tx1">
+                  <a:lumMod val="75000"/>
+                  <a:lumOff val="25000"/>
+                </a:schemeClr>
+              </a:solidFill>
+            </a:endParaRPr>
+          </a:p>
+          <a:p>
+            <a:pPr marL="0" indent="0" algn="r">
+              <a:lnSpc>
+                <a:spcPct val="100000"/>
+              </a:lnSpc>
+              <a:spcBef>
+                <a:spcPts val="0"/>
+              </a:spcBef>
+              <a:buNone/>
+            </a:pPr>
+            <a:endParaRPr lang="en-IN" sz="1400" dirty="0">
+              <a:solidFill>
+                <a:schemeClr val="tx1">
+                  <a:lumMod val="75000"/>
+                  <a:lumOff val="25000"/>
+                </a:schemeClr>
+              </a:solidFill>
+            </a:endParaRPr>
+          </a:p>
+        </p:txBody>
+      </p:sp>
+      <p:sp>
+        <p:nvSpPr>
+          <p:cNvPr id="63" name="Rounded Rectangle 62">
+            <a:extLst>
+              <a:ext uri="{FF2B5EF4-FFF2-40B4-BE49-F238E27FC236}">
+                <a16:creationId xmlns:a16="http://schemas.microsoft.com/office/drawing/2014/main" id="{7CFAA3A7-8B1A-3F47-9BEF-B2C4391F9458}"/>
+              </a:ext>
+            </a:extLst>
+          </p:cNvPr>
+          <p:cNvSpPr/>
+          <p:nvPr/>
+        </p:nvSpPr>
+        <p:spPr>
+          <a:xfrm flipH="1">
+            <a:off x="4483330" y="4111501"/>
+            <a:ext cx="604695" cy="604695"/>
+          </a:xfrm>
+          <a:prstGeom prst="roundRect">
+            <a:avLst>
+              <a:gd name="adj" fmla="val 16554"/>
+            </a:avLst>
+          </a:prstGeom>
+          <a:solidFill>
+            <a:srgbClr val="00B050"/>
+          </a:solidFill>
+          <a:ln w="12700" cap="flat" cmpd="sng" algn="ctr">
+            <a:noFill/>
+            <a:prstDash val="solid"/>
+            <a:miter lim="800000"/>
+          </a:ln>
+          <a:effectLst/>
+        </p:spPr>
+        <p:txBody>
+          <a:bodyPr lIns="0" tIns="0" rIns="0" bIns="0" rtlCol="0" anchor="ctr"/>
+          <a:lstStyle/>
+          <a:p>
+            <a:pPr marL="0" marR="0" lvl="0" indent="0" algn="ctr" defTabSz="914340" eaLnBrk="1" fontAlgn="auto" latinLnBrk="0" hangingPunct="1">
+              <a:lnSpc>
+                <a:spcPct val="100000"/>
+              </a:lnSpc>
+              <a:spcBef>
+                <a:spcPts val="0"/>
+              </a:spcBef>
+              <a:spcAft>
+                <a:spcPts val="0"/>
+              </a:spcAft>
+              <a:buClrTx/>
+              <a:buSzTx/>
+              <a:buFontTx/>
+              <a:buNone/>
+              <a:tabLst/>
+              <a:defRPr/>
+            </a:pPr>
+            <a:endParaRPr kumimoji="0" lang="en-US" sz="1800" b="0" i="0" u="none" strike="noStrike" kern="0" cap="none" spc="0" normalizeH="0" baseline="0" noProof="0" dirty="0">
+              <a:ln>
+                <a:noFill/>
+              </a:ln>
+              <a:solidFill>
+                <a:srgbClr val="FFFFFF"/>
+              </a:solidFill>
+              <a:effectLst/>
+              <a:uLnTx/>
+              <a:uFillTx/>
+            </a:endParaRPr>
+          </a:p>
+        </p:txBody>
+      </p:sp>
+      <p:sp>
+        <p:nvSpPr>
+          <p:cNvPr id="64" name="TextBox 63">
+            <a:extLst>
+              <a:ext uri="{FF2B5EF4-FFF2-40B4-BE49-F238E27FC236}">
+                <a16:creationId xmlns:a16="http://schemas.microsoft.com/office/drawing/2014/main" id="{FFDDEEC8-6E82-C844-9D4D-363A90E396E5}"/>
+              </a:ext>
+            </a:extLst>
+          </p:cNvPr>
+          <p:cNvSpPr txBox="1"/>
+          <p:nvPr/>
+        </p:nvSpPr>
+        <p:spPr>
+          <a:xfrm>
+            <a:off x="6862666" y="5061772"/>
+            <a:ext cx="3576170" cy="553998"/>
+          </a:xfrm>
+          <a:prstGeom prst="rect">
+            <a:avLst/>
+          </a:prstGeom>
+          <a:noFill/>
+        </p:spPr>
+        <p:txBody>
+          <a:bodyPr wrap="square" lIns="0" tIns="0" rIns="0" bIns="0" rtlCol="0" anchor="ctr">
+            <a:spAutoFit/>
+          </a:bodyPr>
+          <a:lstStyle/>
+          <a:p>
+            <a:pPr algn="ctr"/>
+            <a:r>
+              <a:rPr lang="en-US" b="1" dirty="0">
+                <a:solidFill>
+                  <a:srgbClr val="666666"/>
+                </a:solidFill>
+              </a:rPr>
+              <a:t>Demonstrates Microsoft’s social responsibility to address global issues</a:t>
+            </a:r>
+          </a:p>
+        </p:txBody>
+      </p:sp>
+      <p:sp>
+        <p:nvSpPr>
+          <p:cNvPr id="65" name="Text Placeholder 32">
+            <a:extLst>
+              <a:ext uri="{FF2B5EF4-FFF2-40B4-BE49-F238E27FC236}">
+                <a16:creationId xmlns:a16="http://schemas.microsoft.com/office/drawing/2014/main" id="{C29F7C4C-C4C7-5542-B2BA-BE2CC24A1433}"/>
+              </a:ext>
+            </a:extLst>
+          </p:cNvPr>
+          <p:cNvSpPr txBox="1">
+            <a:spLocks/>
+          </p:cNvSpPr>
+          <p:nvPr/>
+        </p:nvSpPr>
+        <p:spPr>
+          <a:xfrm>
+            <a:off x="6980026" y="5726651"/>
+            <a:ext cx="3113098" cy="1238934"/>
+          </a:xfrm>
+          <a:prstGeom prst="rect">
+            <a:avLst/>
+          </a:prstGeom>
+        </p:spPr>
+        <p:txBody>
+          <a:bodyPr lIns="0" tIns="0" rIns="0" bIns="0">
+            <a:noAutofit/>
+          </a:bodyPr>
+          <a:lstStyle>
+            <a:lvl1pPr marL="171450" indent="-171450" algn="l" defTabSz="685800" rtl="0" eaLnBrk="1" latinLnBrk="0" hangingPunct="1">
+              <a:lnSpc>
+                <a:spcPct val="90000"/>
+              </a:lnSpc>
+              <a:spcBef>
+                <a:spcPts val="750"/>
+              </a:spcBef>
+              <a:buFont typeface="Arial" panose="020B0604020202020204" pitchFamily="34" charset="0"/>
+              <a:buChar char="•"/>
+              <a:defRPr sz="2100" kern="1200">
+                <a:solidFill>
+                  <a:schemeClr val="tx1"/>
+                </a:solidFill>
+                <a:latin typeface="Neris Thin" panose="00000300000000000000" pitchFamily="50" charset="0"/>
+                <a:ea typeface="+mn-ea"/>
+                <a:cs typeface="+mn-cs"/>
+              </a:defRPr>
+            </a:lvl1pPr>
+            <a:lvl2pPr marL="514350" indent="-171450" algn="l" defTabSz="685800" rtl="0" eaLnBrk="1" latinLnBrk="0" hangingPunct="1">
+              <a:lnSpc>
+                <a:spcPct val="90000"/>
+              </a:lnSpc>
+              <a:spcBef>
+                <a:spcPts val="375"/>
+              </a:spcBef>
+              <a:buFont typeface="Arial" panose="020B0604020202020204" pitchFamily="34" charset="0"/>
+              <a:buChar char="•"/>
+              <a:defRPr sz="1800" kern="1200">
+                <a:solidFill>
+                  <a:schemeClr val="tx1"/>
+                </a:solidFill>
+                <a:latin typeface="Neris Thin" panose="00000300000000000000" pitchFamily="50" charset="0"/>
+                <a:ea typeface="+mn-ea"/>
+                <a:cs typeface="+mn-cs"/>
+              </a:defRPr>
+            </a:lvl2pPr>
+            <a:lvl3pPr marL="857250" indent="-171450" algn="l" defTabSz="685800" rtl="0" eaLnBrk="1" latinLnBrk="0" hangingPunct="1">
+              <a:lnSpc>
+                <a:spcPct val="90000"/>
+              </a:lnSpc>
+              <a:spcBef>
+                <a:spcPts val="375"/>
+              </a:spcBef>
+              <a:buFont typeface="Arial" panose="020B0604020202020204" pitchFamily="34" charset="0"/>
+              <a:buChar char="•"/>
+              <a:defRPr sz="1500" kern="1200">
+                <a:solidFill>
+                  <a:schemeClr val="tx1"/>
+                </a:solidFill>
+                <a:latin typeface="Neris Thin" panose="00000300000000000000" pitchFamily="50" charset="0"/>
+                <a:ea typeface="+mn-ea"/>
+                <a:cs typeface="+mn-cs"/>
+              </a:defRPr>
+            </a:lvl3pPr>
+            <a:lvl4pPr marL="1200150" indent="-171450" algn="l" defTabSz="685800" rtl="0" eaLnBrk="1" latinLnBrk="0" hangingPunct="1">
+              <a:lnSpc>
+                <a:spcPct val="90000"/>
+              </a:lnSpc>
+              <a:spcBef>
+                <a:spcPts val="375"/>
+              </a:spcBef>
+              <a:buFont typeface="Arial" panose="020B0604020202020204" pitchFamily="34" charset="0"/>
+              <a:buChar char="•"/>
+              <a:defRPr sz="1350" kern="1200">
+                <a:solidFill>
+                  <a:schemeClr val="tx1"/>
+                </a:solidFill>
+                <a:latin typeface="Neris Thin" panose="00000300000000000000" pitchFamily="50" charset="0"/>
+                <a:ea typeface="+mn-ea"/>
+                <a:cs typeface="+mn-cs"/>
+              </a:defRPr>
+            </a:lvl4pPr>
+            <a:lvl5pPr marL="1543050" indent="-171450" algn="l" defTabSz="685800" rtl="0" eaLnBrk="1" latinLnBrk="0" hangingPunct="1">
+              <a:lnSpc>
+                <a:spcPct val="90000"/>
+              </a:lnSpc>
+              <a:spcBef>
+                <a:spcPts val="375"/>
+              </a:spcBef>
+              <a:buFont typeface="Arial" panose="020B0604020202020204" pitchFamily="34" charset="0"/>
+              <a:buChar char="•"/>
+              <a:defRPr sz="1350" kern="1200">
+                <a:solidFill>
+                  <a:schemeClr val="tx1"/>
+                </a:solidFill>
+                <a:latin typeface="Neris Thin" panose="00000300000000000000" pitchFamily="50" charset="0"/>
+                <a:ea typeface="+mn-ea"/>
+                <a:cs typeface="+mn-cs"/>
+              </a:defRPr>
+            </a:lvl5pPr>
+            <a:lvl6pPr marL="1885950" indent="-171450" algn="l" defTabSz="685800" rtl="0" eaLnBrk="1" latinLnBrk="0" hangingPunct="1">
+              <a:lnSpc>
+                <a:spcPct val="90000"/>
+              </a:lnSpc>
+              <a:spcBef>
+                <a:spcPts val="375"/>
+              </a:spcBef>
+              <a:buFont typeface="Arial" panose="020B0604020202020204" pitchFamily="34" charset="0"/>
+              <a:buChar char="•"/>
+              <a:defRPr sz="1350" kern="1200">
+                <a:solidFill>
+                  <a:schemeClr val="tx1"/>
+                </a:solidFill>
+                <a:latin typeface="+mn-lt"/>
+                <a:ea typeface="+mn-ea"/>
+                <a:cs typeface="+mn-cs"/>
+              </a:defRPr>
+            </a:lvl6pPr>
+            <a:lvl7pPr marL="2228850" indent="-171450" algn="l" defTabSz="685800" rtl="0" eaLnBrk="1" latinLnBrk="0" hangingPunct="1">
+              <a:lnSpc>
+                <a:spcPct val="90000"/>
+              </a:lnSpc>
+              <a:spcBef>
+                <a:spcPts val="375"/>
+              </a:spcBef>
+              <a:buFont typeface="Arial" panose="020B0604020202020204" pitchFamily="34" charset="0"/>
+              <a:buChar char="•"/>
+              <a:defRPr sz="1350" kern="1200">
+                <a:solidFill>
+                  <a:schemeClr val="tx1"/>
+                </a:solidFill>
+                <a:latin typeface="+mn-lt"/>
+                <a:ea typeface="+mn-ea"/>
+                <a:cs typeface="+mn-cs"/>
+              </a:defRPr>
+            </a:lvl7pPr>
+            <a:lvl8pPr marL="2571750" indent="-171450" algn="l" defTabSz="685800" rtl="0" eaLnBrk="1" latinLnBrk="0" hangingPunct="1">
+              <a:lnSpc>
+                <a:spcPct val="90000"/>
+              </a:lnSpc>
+              <a:spcBef>
+                <a:spcPts val="375"/>
+              </a:spcBef>
+              <a:buFont typeface="Arial" panose="020B0604020202020204" pitchFamily="34" charset="0"/>
+              <a:buChar char="•"/>
+              <a:defRPr sz="1350" kern="1200">
+                <a:solidFill>
+                  <a:schemeClr val="tx1"/>
+                </a:solidFill>
+                <a:latin typeface="+mn-lt"/>
+                <a:ea typeface="+mn-ea"/>
+                <a:cs typeface="+mn-cs"/>
+              </a:defRPr>
+            </a:lvl8pPr>
+            <a:lvl9pPr marL="2914650" indent="-171450" algn="l" defTabSz="685800" rtl="0" eaLnBrk="1" latinLnBrk="0" hangingPunct="1">
+              <a:lnSpc>
+                <a:spcPct val="90000"/>
+              </a:lnSpc>
+              <a:spcBef>
+                <a:spcPts val="375"/>
+              </a:spcBef>
+              <a:buFont typeface="Arial" panose="020B0604020202020204" pitchFamily="34" charset="0"/>
+              <a:buChar char="•"/>
+              <a:defRPr sz="1350" kern="1200">
+                <a:solidFill>
+                  <a:schemeClr val="tx1"/>
+                </a:solidFill>
+                <a:latin typeface="+mn-lt"/>
+                <a:ea typeface="+mn-ea"/>
+                <a:cs typeface="+mn-cs"/>
+              </a:defRPr>
+            </a:lvl9pPr>
+          </a:lstStyle>
+          <a:p>
+            <a:pPr>
+              <a:lnSpc>
+                <a:spcPct val="100000"/>
+              </a:lnSpc>
+              <a:spcBef>
+                <a:spcPts val="0"/>
+              </a:spcBef>
+            </a:pPr>
+            <a:endParaRPr lang="en-IN" sz="1400" dirty="0">
+              <a:solidFill>
+                <a:schemeClr val="tx1">
+                  <a:lumMod val="75000"/>
+                  <a:lumOff val="25000"/>
+                </a:schemeClr>
+              </a:solidFill>
+            </a:endParaRPr>
+          </a:p>
+          <a:p>
+            <a:pPr marL="0" indent="0">
+              <a:lnSpc>
+                <a:spcPct val="100000"/>
+              </a:lnSpc>
+              <a:spcBef>
+                <a:spcPts val="0"/>
+              </a:spcBef>
+              <a:buNone/>
+            </a:pPr>
+            <a:endParaRPr lang="en-US" sz="1400" dirty="0">
+              <a:solidFill>
+                <a:schemeClr val="tx1">
+                  <a:lumMod val="75000"/>
+                  <a:lumOff val="25000"/>
+                </a:schemeClr>
+              </a:solidFill>
+            </a:endParaRPr>
+          </a:p>
+        </p:txBody>
+      </p:sp>
+      <p:sp>
+        <p:nvSpPr>
+          <p:cNvPr id="66" name="Rounded Rectangle 65">
+            <a:extLst>
+              <a:ext uri="{FF2B5EF4-FFF2-40B4-BE49-F238E27FC236}">
+                <a16:creationId xmlns:a16="http://schemas.microsoft.com/office/drawing/2014/main" id="{76FFECE2-2348-0E4D-85E4-D7E845649706}"/>
+              </a:ext>
+            </a:extLst>
+          </p:cNvPr>
+          <p:cNvSpPr/>
+          <p:nvPr/>
+        </p:nvSpPr>
+        <p:spPr>
+          <a:xfrm>
+            <a:off x="6124985" y="5141870"/>
+            <a:ext cx="604695" cy="604695"/>
+          </a:xfrm>
+          <a:prstGeom prst="roundRect">
+            <a:avLst>
+              <a:gd name="adj" fmla="val 16554"/>
+            </a:avLst>
+          </a:prstGeom>
+          <a:solidFill>
+            <a:schemeClr val="accent4">
+              <a:lumMod val="60000"/>
+              <a:lumOff val="40000"/>
+            </a:schemeClr>
+          </a:solidFill>
+          <a:ln w="12700" cap="flat" cmpd="sng" algn="ctr">
+            <a:noFill/>
+            <a:prstDash val="solid"/>
+            <a:miter lim="800000"/>
+          </a:ln>
+          <a:effectLst/>
+        </p:spPr>
+        <p:txBody>
+          <a:bodyPr lIns="0" tIns="0" rIns="0" bIns="0" rtlCol="0" anchor="ctr"/>
+          <a:lstStyle/>
+          <a:p>
+            <a:pPr marL="0" marR="0" lvl="0" indent="0" algn="ctr" defTabSz="914340" eaLnBrk="1" fontAlgn="auto" latinLnBrk="0" hangingPunct="1">
+              <a:lnSpc>
+                <a:spcPct val="100000"/>
+              </a:lnSpc>
+              <a:spcBef>
+                <a:spcPts val="0"/>
+              </a:spcBef>
+              <a:spcAft>
+                <a:spcPts val="0"/>
+              </a:spcAft>
+              <a:buClrTx/>
+              <a:buSzTx/>
+              <a:buFontTx/>
+              <a:buNone/>
+              <a:tabLst/>
+              <a:defRPr/>
+            </a:pPr>
+            <a:endParaRPr kumimoji="0" lang="en-US" sz="1800" b="0" i="0" u="none" strike="noStrike" kern="0" cap="none" spc="0" normalizeH="0" baseline="0" noProof="0" dirty="0">
+              <a:ln>
+                <a:noFill/>
+              </a:ln>
+              <a:solidFill>
+                <a:srgbClr val="FFFFFF"/>
+              </a:solidFill>
+              <a:effectLst/>
+              <a:uLnTx/>
+              <a:uFillTx/>
+            </a:endParaRPr>
+          </a:p>
+        </p:txBody>
+      </p:sp>
+      <p:sp>
+        <p:nvSpPr>
+          <p:cNvPr id="2" name="TextBox 1">
+            <a:extLst>
+              <a:ext uri="{FF2B5EF4-FFF2-40B4-BE49-F238E27FC236}">
+                <a16:creationId xmlns:a16="http://schemas.microsoft.com/office/drawing/2014/main" id="{BF7FFB0C-3AB2-1501-CF70-12293F03A184}"/>
+              </a:ext>
+            </a:extLst>
+          </p:cNvPr>
+          <p:cNvSpPr txBox="1"/>
+          <p:nvPr/>
+        </p:nvSpPr>
+        <p:spPr>
+          <a:xfrm>
+            <a:off x="1624209" y="5167218"/>
+            <a:ext cx="2775252" cy="553998"/>
+          </a:xfrm>
+          <a:prstGeom prst="rect">
+            <a:avLst/>
+          </a:prstGeom>
+          <a:noFill/>
+        </p:spPr>
+        <p:txBody>
+          <a:bodyPr wrap="square" lIns="0" tIns="0" rIns="0" bIns="0" rtlCol="0" anchor="ctr">
+            <a:spAutoFit/>
+          </a:bodyPr>
+          <a:lstStyle/>
+          <a:p>
+            <a:pPr algn="ctr"/>
+            <a:r>
+              <a:rPr lang="en-IN" b="1" dirty="0">
+                <a:solidFill>
+                  <a:schemeClr val="accent5"/>
+                </a:solidFill>
+              </a:rPr>
+              <a:t>Sense of community and solidarity</a:t>
+            </a:r>
+            <a:endParaRPr lang="en-US" b="1" dirty="0">
+              <a:solidFill>
+                <a:schemeClr val="accent5"/>
+              </a:solidFill>
+            </a:endParaRPr>
+          </a:p>
+        </p:txBody>
+      </p:sp>
+      <p:sp>
+        <p:nvSpPr>
+          <p:cNvPr id="3" name="TextBox 2">
+            <a:extLst>
+              <a:ext uri="{FF2B5EF4-FFF2-40B4-BE49-F238E27FC236}">
+                <a16:creationId xmlns:a16="http://schemas.microsoft.com/office/drawing/2014/main" id="{A05F00A6-B6D1-09E3-4683-E311FD923C9A}"/>
+              </a:ext>
+            </a:extLst>
+          </p:cNvPr>
+          <p:cNvSpPr txBox="1"/>
+          <p:nvPr/>
+        </p:nvSpPr>
+        <p:spPr>
+          <a:xfrm>
+            <a:off x="6516954" y="2090344"/>
+            <a:ext cx="3576170" cy="553998"/>
+          </a:xfrm>
+          <a:prstGeom prst="rect">
+            <a:avLst/>
+          </a:prstGeom>
+          <a:noFill/>
+          <a:ln>
+            <a:noFill/>
+          </a:ln>
+        </p:spPr>
+        <p:txBody>
+          <a:bodyPr wrap="square" lIns="0" tIns="0" rIns="0" bIns="0" rtlCol="0" anchor="ctr">
+            <a:spAutoFit/>
+          </a:bodyPr>
+          <a:lstStyle/>
+          <a:p>
+            <a:pPr algn="ctr"/>
+            <a:r>
+              <a:rPr lang="en-IN" b="1" dirty="0">
+                <a:solidFill>
+                  <a:srgbClr val="CC6600"/>
+                </a:solidFill>
+              </a:rPr>
+              <a:t>Integration with Microsoft’s operating system</a:t>
+            </a:r>
+            <a:endParaRPr lang="en-US" b="1" dirty="0">
+              <a:solidFill>
+                <a:srgbClr val="CC6600"/>
+              </a:solidFill>
+            </a:endParaRPr>
+          </a:p>
+        </p:txBody>
+      </p:sp>
+      <p:sp>
+        <p:nvSpPr>
+          <p:cNvPr id="4" name="Rounded Rectangle 59">
+            <a:extLst>
+              <a:ext uri="{FF2B5EF4-FFF2-40B4-BE49-F238E27FC236}">
+                <a16:creationId xmlns:a16="http://schemas.microsoft.com/office/drawing/2014/main" id="{2EBE417E-5A40-E535-252D-19B949328B1E}"/>
+              </a:ext>
+            </a:extLst>
+          </p:cNvPr>
+          <p:cNvSpPr/>
+          <p:nvPr/>
+        </p:nvSpPr>
+        <p:spPr>
+          <a:xfrm>
+            <a:off x="6124985" y="2099206"/>
+            <a:ext cx="604695" cy="604695"/>
+          </a:xfrm>
+          <a:prstGeom prst="roundRect">
+            <a:avLst>
+              <a:gd name="adj" fmla="val 16554"/>
+            </a:avLst>
+          </a:prstGeom>
+          <a:solidFill>
+            <a:srgbClr val="CC6600"/>
+          </a:solidFill>
+          <a:ln w="12700" cap="flat" cmpd="sng" algn="ctr">
+            <a:noFill/>
+            <a:prstDash val="solid"/>
+            <a:miter lim="800000"/>
+          </a:ln>
+          <a:effectLst/>
+        </p:spPr>
+        <p:txBody>
+          <a:bodyPr lIns="0" tIns="0" rIns="0" bIns="0" rtlCol="0" anchor="ctr"/>
+          <a:lstStyle/>
+          <a:p>
+            <a:pPr marL="0" marR="0" lvl="0" indent="0" algn="ctr" defTabSz="914340" eaLnBrk="1" fontAlgn="auto" latinLnBrk="0" hangingPunct="1">
+              <a:lnSpc>
+                <a:spcPct val="100000"/>
+              </a:lnSpc>
+              <a:spcBef>
+                <a:spcPts val="0"/>
+              </a:spcBef>
+              <a:spcAft>
+                <a:spcPts val="0"/>
+              </a:spcAft>
+              <a:buClrTx/>
+              <a:buSzTx/>
+              <a:buFontTx/>
+              <a:buNone/>
+              <a:tabLst/>
+              <a:defRPr/>
+            </a:pPr>
+            <a:endParaRPr kumimoji="0" lang="en-US" sz="1800" b="0" i="0" u="none" strike="noStrike" kern="0" cap="none" spc="0" normalizeH="0" baseline="0" noProof="0" dirty="0">
+              <a:ln>
+                <a:noFill/>
+              </a:ln>
+              <a:solidFill>
+                <a:srgbClr val="FFFFFF"/>
+              </a:solidFill>
+              <a:effectLst/>
+              <a:highlight>
+                <a:srgbClr val="CC6600"/>
+              </a:highlight>
+              <a:uLnTx/>
+              <a:uFillTx/>
+            </a:endParaRPr>
+          </a:p>
+        </p:txBody>
+      </p:sp>
+      <p:sp>
+        <p:nvSpPr>
+          <p:cNvPr id="5" name="TextBox 4">
+            <a:extLst>
+              <a:ext uri="{FF2B5EF4-FFF2-40B4-BE49-F238E27FC236}">
+                <a16:creationId xmlns:a16="http://schemas.microsoft.com/office/drawing/2014/main" id="{5B364886-AAF3-238D-0D46-158B15D2432E}"/>
+              </a:ext>
+            </a:extLst>
+          </p:cNvPr>
+          <p:cNvSpPr txBox="1"/>
+          <p:nvPr/>
+        </p:nvSpPr>
+        <p:spPr>
+          <a:xfrm>
+            <a:off x="6813624" y="3062878"/>
+            <a:ext cx="4236294" cy="553998"/>
+          </a:xfrm>
+          <a:prstGeom prst="rect">
+            <a:avLst/>
+          </a:prstGeom>
+          <a:noFill/>
+          <a:ln>
+            <a:noFill/>
+          </a:ln>
+        </p:spPr>
+        <p:txBody>
+          <a:bodyPr wrap="square" lIns="0" tIns="0" rIns="0" bIns="0" rtlCol="0" anchor="ctr">
+            <a:spAutoFit/>
+          </a:bodyPr>
+          <a:lstStyle/>
+          <a:p>
+            <a:pPr algn="ctr"/>
+            <a:r>
+              <a:rPr lang="en-US" b="1" dirty="0">
+                <a:solidFill>
+                  <a:srgbClr val="972F8B"/>
+                </a:solidFill>
+                <a:latin typeface="-apple-system"/>
+              </a:rPr>
+              <a:t>Showcases Innovation</a:t>
+            </a:r>
+            <a:r>
+              <a:rPr lang="en-US" b="1" i="0" dirty="0">
+                <a:solidFill>
+                  <a:srgbClr val="972F8B"/>
+                </a:solidFill>
+                <a:effectLst/>
+                <a:latin typeface="-apple-system"/>
+              </a:rPr>
+              <a:t> and leadership in developing cutting-edge technologies</a:t>
+            </a:r>
+            <a:endParaRPr lang="en-US" b="1" dirty="0">
+              <a:solidFill>
+                <a:srgbClr val="972F8B"/>
+              </a:solidFill>
+            </a:endParaRPr>
+          </a:p>
+        </p:txBody>
+      </p:sp>
+      <p:sp>
+        <p:nvSpPr>
+          <p:cNvPr id="6" name="Rounded Rectangle 59">
+            <a:extLst>
+              <a:ext uri="{FF2B5EF4-FFF2-40B4-BE49-F238E27FC236}">
+                <a16:creationId xmlns:a16="http://schemas.microsoft.com/office/drawing/2014/main" id="{C03785D5-A117-B5EA-F555-1937D3B11158}"/>
+              </a:ext>
+            </a:extLst>
+          </p:cNvPr>
+          <p:cNvSpPr/>
+          <p:nvPr/>
+        </p:nvSpPr>
+        <p:spPr>
+          <a:xfrm>
+            <a:off x="6118466" y="3032454"/>
+            <a:ext cx="604695" cy="604695"/>
+          </a:xfrm>
+          <a:prstGeom prst="roundRect">
+            <a:avLst>
+              <a:gd name="adj" fmla="val 16554"/>
+            </a:avLst>
+          </a:prstGeom>
+          <a:solidFill>
+            <a:srgbClr val="972F8B"/>
+          </a:solidFill>
+          <a:ln w="12700" cap="flat" cmpd="sng" algn="ctr">
+            <a:solidFill>
+              <a:srgbClr val="972F8B"/>
+            </a:solidFill>
+            <a:prstDash val="solid"/>
+            <a:miter lim="800000"/>
+          </a:ln>
+          <a:effectLst/>
+        </p:spPr>
+        <p:txBody>
+          <a:bodyPr lIns="0" tIns="0" rIns="0" bIns="0" rtlCol="0" anchor="ctr"/>
+          <a:lstStyle/>
+          <a:p>
+            <a:pPr marL="0" marR="0" lvl="0" indent="0" algn="ctr" defTabSz="914340" eaLnBrk="1" fontAlgn="auto" latinLnBrk="0" hangingPunct="1">
+              <a:lnSpc>
+                <a:spcPct val="100000"/>
+              </a:lnSpc>
+              <a:spcBef>
+                <a:spcPts val="0"/>
+              </a:spcBef>
+              <a:spcAft>
+                <a:spcPts val="0"/>
+              </a:spcAft>
+              <a:buClrTx/>
+              <a:buSzTx/>
+              <a:buFontTx/>
+              <a:buNone/>
+              <a:tabLst/>
+              <a:defRPr/>
+            </a:pPr>
+            <a:endParaRPr kumimoji="0" lang="en-US" sz="1800" b="0" i="0" u="none" strike="noStrike" kern="0" cap="none" spc="0" normalizeH="0" baseline="0" noProof="0" dirty="0">
+              <a:ln>
+                <a:noFill/>
+              </a:ln>
+              <a:solidFill>
+                <a:srgbClr val="FFFFFF"/>
+              </a:solidFill>
+              <a:effectLst/>
+              <a:uLnTx/>
+              <a:uFillTx/>
+            </a:endParaRPr>
+          </a:p>
+        </p:txBody>
+      </p:sp>
+    </p:spTree>
+    <p:extLst>
+      <p:ext uri="{BB962C8B-B14F-4D97-AF65-F5344CB8AC3E}">
+        <p14:creationId xmlns:p14="http://schemas.microsoft.com/office/powerpoint/2010/main" val="1543530135"/>
+      </p:ext>
+    </p:extLst>
+  </p:cSld>
+  <p:clrMapOvr>
+    <a:masterClrMapping/>
+  </p:clrMapOvr>
+</p:sld>
+</file>
+
+<file path=ppt/slides/slide11.xml><?xml version="1.0" encoding="utf-8"?>
 <p:sld xmlns:a="http://schemas.openxmlformats.org/drawingml/2006/main" xmlns:r="http://schemas.openxmlformats.org/officeDocument/2006/relationships" xmlns:p="http://schemas.openxmlformats.org/presentationml/2006/main">
   <p:cSld>
     <p:spTree>
@@ -19704,7 +22603,7 @@
                 <a:latin typeface="Times New Roman" panose="02020603050405020304" pitchFamily="18" charset="0"/>
                 <a:cs typeface="Times New Roman" panose="02020603050405020304" pitchFamily="18" charset="0"/>
               </a:rPr>
-              <a:t>It is an AI-based system which will help to safeguard women against cyber violence such as harassment, bullying, hate speech, threats, blackmail, misuse of images, and exploitation etc.</a:t>
+              <a:t>It is an AI-based system that can be integrated with third party applications or OS to safeguard women against cyber violence such as harassment, bullying, hate speech, threats, blackmail, misuse of images, and exploitation etc.</a:t>
             </a:r>
           </a:p>
           <a:p>
@@ -19885,7 +22784,7 @@
                 <a:latin typeface="Times New Roman" panose="02020603050405020304" pitchFamily="18" charset="0"/>
                 <a:cs typeface="Times New Roman" panose="02020603050405020304" pitchFamily="18" charset="0"/>
               </a:rPr>
-              <a:t>CYBERSHE is a useful app for women who want to feel more secure and confident in cyberspace.</a:t>
+              <a:t>CYBERSHE is an useful app for women who want to feel more secure and confident in cyberspace.</a:t>
             </a:r>
           </a:p>
           <a:p>
@@ -21853,54 +24752,10 @@
       </p:grpSpPr>
       <p:sp>
         <p:nvSpPr>
-          <p:cNvPr id="10" name="Slide Number Placeholder 1">
+          <p:cNvPr id="2" name="Title 1">
             <a:extLst>
               <a:ext uri="{FF2B5EF4-FFF2-40B4-BE49-F238E27FC236}">
-                <a16:creationId xmlns:a16="http://schemas.microsoft.com/office/drawing/2014/main" id="{3E58E6AF-CBC7-1E0D-CEB0-EF9E78B27036}"/>
-              </a:ext>
-            </a:extLst>
-          </p:cNvPr>
-          <p:cNvSpPr>
-            <a:spLocks noGrp="1"/>
-          </p:cNvSpPr>
-          <p:nvPr>
-            <p:ph type="sldNum" sz="quarter" idx="4294967295"/>
-          </p:nvPr>
-        </p:nvSpPr>
-        <p:spPr>
-          <a:xfrm>
-            <a:off x="11363696" y="6455739"/>
-            <a:ext cx="294460" cy="187367"/>
-          </a:xfrm>
-        </p:spPr>
-        <p:txBody>
-          <a:bodyPr/>
-          <a:lstStyle/>
-          <a:p>
-            <a:pPr rtl="0">
-              <a:spcAft>
-                <a:spcPts val="600"/>
-              </a:spcAft>
-            </a:pPr>
-            <a:fld id="{9EC71654-96A5-4280-94F3-931C61A9F92C}" type="slidenum">
-              <a:rPr lang="en-GB" noProof="0" smtClean="0"/>
-              <a:pPr rtl="0">
-                <a:spcAft>
-                  <a:spcPts val="600"/>
-                </a:spcAft>
-              </a:pPr>
-              <a:t>9</a:t>
-            </a:fld>
-            <a:endParaRPr lang="en-GB" noProof="0"/>
-          </a:p>
-        </p:txBody>
-      </p:sp>
-      <p:sp>
-        <p:nvSpPr>
-          <p:cNvPr id="12" name="Title 3">
-            <a:extLst>
-              <a:ext uri="{FF2B5EF4-FFF2-40B4-BE49-F238E27FC236}">
-                <a16:creationId xmlns:a16="http://schemas.microsoft.com/office/drawing/2014/main" id="{C807E795-A937-C79E-A0B9-465C94A96CAE}"/>
+                <a16:creationId xmlns:a16="http://schemas.microsoft.com/office/drawing/2014/main" id="{D22BA375-05E0-0526-9E47-8F18DC21C58B}"/>
               </a:ext>
             </a:extLst>
           </p:cNvPr>
@@ -21913,7 +24768,7 @@
         </p:nvSpPr>
         <p:spPr>
           <a:xfrm>
-            <a:off x="515938" y="246621"/>
+            <a:off x="520700" y="57797"/>
             <a:ext cx="11150600" cy="920336"/>
           </a:xfrm>
         </p:spPr>
@@ -21928,16 +24783,9 @@
                 </a:solidFill>
                 <a:cs typeface="Futura" panose="020B0602020204020303" pitchFamily="34" charset="-79"/>
               </a:rPr>
-              <a:t>PROPOSED value</a:t>
+              <a:t>Research paper</a:t>
             </a:r>
-            <a:br>
-              <a:rPr lang="en-US" dirty="0"/>
-            </a:br>
-            <a:r>
-              <a:rPr lang="en-US" dirty="0"/>
-              <a:t>				</a:t>
-            </a:r>
-            <a:endParaRPr lang="en-US" sz="2800" dirty="0">
+            <a:endParaRPr lang="en-IN" sz="3600" dirty="0">
               <a:solidFill>
                 <a:schemeClr val="accent1"/>
               </a:solidFill>
@@ -21948,10 +24796,10 @@
       </p:sp>
       <p:sp>
         <p:nvSpPr>
-          <p:cNvPr id="40" name="TextBox 39">
+          <p:cNvPr id="5" name="TextBox 4">
             <a:extLst>
               <a:ext uri="{FF2B5EF4-FFF2-40B4-BE49-F238E27FC236}">
-                <a16:creationId xmlns:a16="http://schemas.microsoft.com/office/drawing/2014/main" id="{A7D5706E-1D11-CC40-A83D-559A7D185285}"/>
+                <a16:creationId xmlns:a16="http://schemas.microsoft.com/office/drawing/2014/main" id="{D64AE881-ABCB-2AB0-2595-348430274B5A}"/>
               </a:ext>
             </a:extLst>
           </p:cNvPr>
@@ -21959,9 +24807,9 @@
           <p:nvPr/>
         </p:nvSpPr>
         <p:spPr>
-          <a:xfrm flipH="1">
-            <a:off x="2272763" y="1397361"/>
-            <a:ext cx="3081615" cy="430887"/>
+          <a:xfrm>
+            <a:off x="363538" y="6094214"/>
+            <a:ext cx="10840720" cy="338554"/>
           </a:xfrm>
           <a:prstGeom prst="rect">
             <a:avLst/>
@@ -21969,2777 +24817,70 @@
           <a:noFill/>
         </p:spPr>
         <p:txBody>
-          <a:bodyPr wrap="square" lIns="0" tIns="0" rIns="0" bIns="0" rtlCol="0" anchor="ctr">
+          <a:bodyPr wrap="square" rtlCol="0">
             <a:spAutoFit/>
           </a:bodyPr>
           <a:lstStyle/>
           <a:p>
-            <a:pPr algn="ctr"/>
             <a:r>
-              <a:rPr lang="en-IN" sz="2800" b="1" dirty="0">
-                <a:solidFill>
-                  <a:schemeClr val="accent5">
+              <a:rPr lang="en-US" sz="1600" dirty="0">
+                <a:solidFill>
+                  <a:schemeClr val="accent2">
                     <a:lumMod val="75000"/>
                   </a:schemeClr>
                 </a:solidFill>
               </a:rPr>
-              <a:t>FOR CUSTOMERS</a:t>
+              <a:t>Link: </a:t>
             </a:r>
-            <a:endParaRPr lang="en-US" sz="2800" b="1" dirty="0">
-              <a:solidFill>
-                <a:schemeClr val="accent5">
-                  <a:lumMod val="75000"/>
-                </a:schemeClr>
-              </a:solidFill>
-            </a:endParaRPr>
+            <a:r>
+              <a:rPr lang="en-IN" sz="1600" b="0" i="0" u="none" strike="noStrike" dirty="0">
+                <a:solidFill>
+                  <a:srgbClr val="0078D4"/>
+                </a:solidFill>
+                <a:effectLst/>
+                <a:latin typeface="Segoe UI Web (West European)"/>
+                <a:hlinkClick r:id="rId2"/>
+              </a:rPr>
+              <a:t>https://github.com/RinitaSarkar/CyberSHE</a:t>
+            </a:r>
+            <a:endParaRPr lang="en-IN" sz="1600" dirty="0"/>
           </a:p>
         </p:txBody>
       </p:sp>
-      <p:sp>
-        <p:nvSpPr>
-          <p:cNvPr id="41" name="Text Placeholder 32">
+      <p:pic>
+        <p:nvPicPr>
+          <p:cNvPr id="8" name="Picture 7">
             <a:extLst>
               <a:ext uri="{FF2B5EF4-FFF2-40B4-BE49-F238E27FC236}">
-                <a16:creationId xmlns:a16="http://schemas.microsoft.com/office/drawing/2014/main" id="{8ACE3A06-089F-FB4F-8158-1F012DD98442}"/>
+                <a16:creationId xmlns:a16="http://schemas.microsoft.com/office/drawing/2014/main" id="{E732D213-9037-E59F-36F8-2E07278B9FE9}"/>
               </a:ext>
             </a:extLst>
           </p:cNvPr>
-          <p:cNvSpPr txBox="1">
-            <a:spLocks/>
-          </p:cNvSpPr>
+          <p:cNvPicPr>
+            <a:picLocks noChangeAspect="1"/>
+          </p:cNvPicPr>
           <p:nvPr/>
-        </p:nvSpPr>
+        </p:nvPicPr>
+        <p:blipFill>
+          <a:blip r:embed="rId3"/>
+          <a:stretch>
+            <a:fillRect/>
+          </a:stretch>
+        </p:blipFill>
         <p:spPr>
-          <a:xfrm flipH="1">
-            <a:off x="1497172" y="1482543"/>
-            <a:ext cx="2612100" cy="791985"/>
+          <a:xfrm>
+            <a:off x="320378" y="917328"/>
+            <a:ext cx="11658262" cy="5210560"/>
           </a:xfrm>
           <a:prstGeom prst="rect">
             <a:avLst/>
           </a:prstGeom>
         </p:spPr>
-        <p:txBody>
-          <a:bodyPr lIns="0" tIns="0" rIns="0" bIns="0">
-            <a:noAutofit/>
-          </a:bodyPr>
-          <a:lstStyle>
-            <a:lvl1pPr marL="171450" indent="-171450" algn="l" defTabSz="685800" rtl="0" eaLnBrk="1" latinLnBrk="0" hangingPunct="1">
-              <a:lnSpc>
-                <a:spcPct val="90000"/>
-              </a:lnSpc>
-              <a:spcBef>
-                <a:spcPts val="750"/>
-              </a:spcBef>
-              <a:buFont typeface="Arial" panose="020B0604020202020204" pitchFamily="34" charset="0"/>
-              <a:buChar char="•"/>
-              <a:defRPr sz="2100" kern="1200">
-                <a:solidFill>
-                  <a:schemeClr val="tx1"/>
-                </a:solidFill>
-                <a:latin typeface="Neris Thin" panose="00000300000000000000" pitchFamily="50" charset="0"/>
-                <a:ea typeface="+mn-ea"/>
-                <a:cs typeface="+mn-cs"/>
-              </a:defRPr>
-            </a:lvl1pPr>
-            <a:lvl2pPr marL="514350" indent="-171450" algn="l" defTabSz="685800" rtl="0" eaLnBrk="1" latinLnBrk="0" hangingPunct="1">
-              <a:lnSpc>
-                <a:spcPct val="90000"/>
-              </a:lnSpc>
-              <a:spcBef>
-                <a:spcPts val="375"/>
-              </a:spcBef>
-              <a:buFont typeface="Arial" panose="020B0604020202020204" pitchFamily="34" charset="0"/>
-              <a:buChar char="•"/>
-              <a:defRPr sz="1800" kern="1200">
-                <a:solidFill>
-                  <a:schemeClr val="tx1"/>
-                </a:solidFill>
-                <a:latin typeface="Neris Thin" panose="00000300000000000000" pitchFamily="50" charset="0"/>
-                <a:ea typeface="+mn-ea"/>
-                <a:cs typeface="+mn-cs"/>
-              </a:defRPr>
-            </a:lvl2pPr>
-            <a:lvl3pPr marL="857250" indent="-171450" algn="l" defTabSz="685800" rtl="0" eaLnBrk="1" latinLnBrk="0" hangingPunct="1">
-              <a:lnSpc>
-                <a:spcPct val="90000"/>
-              </a:lnSpc>
-              <a:spcBef>
-                <a:spcPts val="375"/>
-              </a:spcBef>
-              <a:buFont typeface="Arial" panose="020B0604020202020204" pitchFamily="34" charset="0"/>
-              <a:buChar char="•"/>
-              <a:defRPr sz="1500" kern="1200">
-                <a:solidFill>
-                  <a:schemeClr val="tx1"/>
-                </a:solidFill>
-                <a:latin typeface="Neris Thin" panose="00000300000000000000" pitchFamily="50" charset="0"/>
-                <a:ea typeface="+mn-ea"/>
-                <a:cs typeface="+mn-cs"/>
-              </a:defRPr>
-            </a:lvl3pPr>
-            <a:lvl4pPr marL="1200150" indent="-171450" algn="l" defTabSz="685800" rtl="0" eaLnBrk="1" latinLnBrk="0" hangingPunct="1">
-              <a:lnSpc>
-                <a:spcPct val="90000"/>
-              </a:lnSpc>
-              <a:spcBef>
-                <a:spcPts val="375"/>
-              </a:spcBef>
-              <a:buFont typeface="Arial" panose="020B0604020202020204" pitchFamily="34" charset="0"/>
-              <a:buChar char="•"/>
-              <a:defRPr sz="1350" kern="1200">
-                <a:solidFill>
-                  <a:schemeClr val="tx1"/>
-                </a:solidFill>
-                <a:latin typeface="Neris Thin" panose="00000300000000000000" pitchFamily="50" charset="0"/>
-                <a:ea typeface="+mn-ea"/>
-                <a:cs typeface="+mn-cs"/>
-              </a:defRPr>
-            </a:lvl4pPr>
-            <a:lvl5pPr marL="1543050" indent="-171450" algn="l" defTabSz="685800" rtl="0" eaLnBrk="1" latinLnBrk="0" hangingPunct="1">
-              <a:lnSpc>
-                <a:spcPct val="90000"/>
-              </a:lnSpc>
-              <a:spcBef>
-                <a:spcPts val="375"/>
-              </a:spcBef>
-              <a:buFont typeface="Arial" panose="020B0604020202020204" pitchFamily="34" charset="0"/>
-              <a:buChar char="•"/>
-              <a:defRPr sz="1350" kern="1200">
-                <a:solidFill>
-                  <a:schemeClr val="tx1"/>
-                </a:solidFill>
-                <a:latin typeface="Neris Thin" panose="00000300000000000000" pitchFamily="50" charset="0"/>
-                <a:ea typeface="+mn-ea"/>
-                <a:cs typeface="+mn-cs"/>
-              </a:defRPr>
-            </a:lvl5pPr>
-            <a:lvl6pPr marL="1885950" indent="-171450" algn="l" defTabSz="685800" rtl="0" eaLnBrk="1" latinLnBrk="0" hangingPunct="1">
-              <a:lnSpc>
-                <a:spcPct val="90000"/>
-              </a:lnSpc>
-              <a:spcBef>
-                <a:spcPts val="375"/>
-              </a:spcBef>
-              <a:buFont typeface="Arial" panose="020B0604020202020204" pitchFamily="34" charset="0"/>
-              <a:buChar char="•"/>
-              <a:defRPr sz="1350" kern="1200">
-                <a:solidFill>
-                  <a:schemeClr val="tx1"/>
-                </a:solidFill>
-                <a:latin typeface="+mn-lt"/>
-                <a:ea typeface="+mn-ea"/>
-                <a:cs typeface="+mn-cs"/>
-              </a:defRPr>
-            </a:lvl6pPr>
-            <a:lvl7pPr marL="2228850" indent="-171450" algn="l" defTabSz="685800" rtl="0" eaLnBrk="1" latinLnBrk="0" hangingPunct="1">
-              <a:lnSpc>
-                <a:spcPct val="90000"/>
-              </a:lnSpc>
-              <a:spcBef>
-                <a:spcPts val="375"/>
-              </a:spcBef>
-              <a:buFont typeface="Arial" panose="020B0604020202020204" pitchFamily="34" charset="0"/>
-              <a:buChar char="•"/>
-              <a:defRPr sz="1350" kern="1200">
-                <a:solidFill>
-                  <a:schemeClr val="tx1"/>
-                </a:solidFill>
-                <a:latin typeface="+mn-lt"/>
-                <a:ea typeface="+mn-ea"/>
-                <a:cs typeface="+mn-cs"/>
-              </a:defRPr>
-            </a:lvl7pPr>
-            <a:lvl8pPr marL="2571750" indent="-171450" algn="l" defTabSz="685800" rtl="0" eaLnBrk="1" latinLnBrk="0" hangingPunct="1">
-              <a:lnSpc>
-                <a:spcPct val="90000"/>
-              </a:lnSpc>
-              <a:spcBef>
-                <a:spcPts val="375"/>
-              </a:spcBef>
-              <a:buFont typeface="Arial" panose="020B0604020202020204" pitchFamily="34" charset="0"/>
-              <a:buChar char="•"/>
-              <a:defRPr sz="1350" kern="1200">
-                <a:solidFill>
-                  <a:schemeClr val="tx1"/>
-                </a:solidFill>
-                <a:latin typeface="+mn-lt"/>
-                <a:ea typeface="+mn-ea"/>
-                <a:cs typeface="+mn-cs"/>
-              </a:defRPr>
-            </a:lvl8pPr>
-            <a:lvl9pPr marL="2914650" indent="-171450" algn="l" defTabSz="685800" rtl="0" eaLnBrk="1" latinLnBrk="0" hangingPunct="1">
-              <a:lnSpc>
-                <a:spcPct val="90000"/>
-              </a:lnSpc>
-              <a:spcBef>
-                <a:spcPts val="375"/>
-              </a:spcBef>
-              <a:buFont typeface="Arial" panose="020B0604020202020204" pitchFamily="34" charset="0"/>
-              <a:buChar char="•"/>
-              <a:defRPr sz="1350" kern="1200">
-                <a:solidFill>
-                  <a:schemeClr val="tx1"/>
-                </a:solidFill>
-                <a:latin typeface="+mn-lt"/>
-                <a:ea typeface="+mn-ea"/>
-                <a:cs typeface="+mn-cs"/>
-              </a:defRPr>
-            </a:lvl9pPr>
-          </a:lstStyle>
-          <a:p>
-            <a:pPr marL="0" indent="0" algn="r">
-              <a:lnSpc>
-                <a:spcPct val="100000"/>
-              </a:lnSpc>
-              <a:spcBef>
-                <a:spcPts val="0"/>
-              </a:spcBef>
-              <a:buNone/>
-            </a:pPr>
-            <a:endParaRPr lang="en-US" sz="1400" dirty="0">
-              <a:solidFill>
-                <a:schemeClr val="tx1">
-                  <a:lumMod val="75000"/>
-                  <a:lumOff val="25000"/>
-                </a:schemeClr>
-              </a:solidFill>
-            </a:endParaRPr>
-          </a:p>
-        </p:txBody>
-      </p:sp>
-      <p:sp>
-        <p:nvSpPr>
-          <p:cNvPr id="42" name="TextBox 41">
-            <a:extLst>
-              <a:ext uri="{FF2B5EF4-FFF2-40B4-BE49-F238E27FC236}">
-                <a16:creationId xmlns:a16="http://schemas.microsoft.com/office/drawing/2014/main" id="{A88CA4F4-3C5B-EF49-8BE6-FEDE740A540E}"/>
-              </a:ext>
-            </a:extLst>
-          </p:cNvPr>
-          <p:cNvSpPr txBox="1"/>
-          <p:nvPr/>
-        </p:nvSpPr>
-        <p:spPr>
-          <a:xfrm flipH="1">
-            <a:off x="1741777" y="2184237"/>
-            <a:ext cx="2799081" cy="553998"/>
-          </a:xfrm>
-          <a:prstGeom prst="rect">
-            <a:avLst/>
-          </a:prstGeom>
-          <a:noFill/>
-        </p:spPr>
-        <p:txBody>
-          <a:bodyPr wrap="square" lIns="0" tIns="0" rIns="0" bIns="0" rtlCol="0" anchor="ctr">
-            <a:spAutoFit/>
-          </a:bodyPr>
-          <a:lstStyle/>
-          <a:p>
-            <a:pPr algn="ctr"/>
-            <a:r>
-              <a:rPr lang="en-US" b="1" dirty="0">
-                <a:solidFill>
-                  <a:schemeClr val="accent2">
-                    <a:lumMod val="75000"/>
-                  </a:schemeClr>
-                </a:solidFill>
-              </a:rPr>
-              <a:t>Sense of security and confidence</a:t>
-            </a:r>
-          </a:p>
-        </p:txBody>
-      </p:sp>
-      <p:sp>
-        <p:nvSpPr>
-          <p:cNvPr id="43" name="Text Placeholder 32">
-            <a:extLst>
-              <a:ext uri="{FF2B5EF4-FFF2-40B4-BE49-F238E27FC236}">
-                <a16:creationId xmlns:a16="http://schemas.microsoft.com/office/drawing/2014/main" id="{6AED9A6D-6AD8-4146-9D76-3CBC293883B4}"/>
-              </a:ext>
-            </a:extLst>
-          </p:cNvPr>
-          <p:cNvSpPr txBox="1">
-            <a:spLocks/>
-          </p:cNvSpPr>
-          <p:nvPr/>
-        </p:nvSpPr>
-        <p:spPr>
-          <a:xfrm flipH="1">
-            <a:off x="1497172" y="2979695"/>
-            <a:ext cx="2612100" cy="791985"/>
-          </a:xfrm>
-          <a:prstGeom prst="rect">
-            <a:avLst/>
-          </a:prstGeom>
-        </p:spPr>
-        <p:txBody>
-          <a:bodyPr lIns="0" tIns="0" rIns="0" bIns="0">
-            <a:noAutofit/>
-          </a:bodyPr>
-          <a:lstStyle>
-            <a:lvl1pPr marL="171450" indent="-171450" algn="l" defTabSz="685800" rtl="0" eaLnBrk="1" latinLnBrk="0" hangingPunct="1">
-              <a:lnSpc>
-                <a:spcPct val="90000"/>
-              </a:lnSpc>
-              <a:spcBef>
-                <a:spcPts val="750"/>
-              </a:spcBef>
-              <a:buFont typeface="Arial" panose="020B0604020202020204" pitchFamily="34" charset="0"/>
-              <a:buChar char="•"/>
-              <a:defRPr sz="2100" kern="1200">
-                <a:solidFill>
-                  <a:schemeClr val="tx1"/>
-                </a:solidFill>
-                <a:latin typeface="Neris Thin" panose="00000300000000000000" pitchFamily="50" charset="0"/>
-                <a:ea typeface="+mn-ea"/>
-                <a:cs typeface="+mn-cs"/>
-              </a:defRPr>
-            </a:lvl1pPr>
-            <a:lvl2pPr marL="514350" indent="-171450" algn="l" defTabSz="685800" rtl="0" eaLnBrk="1" latinLnBrk="0" hangingPunct="1">
-              <a:lnSpc>
-                <a:spcPct val="90000"/>
-              </a:lnSpc>
-              <a:spcBef>
-                <a:spcPts val="375"/>
-              </a:spcBef>
-              <a:buFont typeface="Arial" panose="020B0604020202020204" pitchFamily="34" charset="0"/>
-              <a:buChar char="•"/>
-              <a:defRPr sz="1800" kern="1200">
-                <a:solidFill>
-                  <a:schemeClr val="tx1"/>
-                </a:solidFill>
-                <a:latin typeface="Neris Thin" panose="00000300000000000000" pitchFamily="50" charset="0"/>
-                <a:ea typeface="+mn-ea"/>
-                <a:cs typeface="+mn-cs"/>
-              </a:defRPr>
-            </a:lvl2pPr>
-            <a:lvl3pPr marL="857250" indent="-171450" algn="l" defTabSz="685800" rtl="0" eaLnBrk="1" latinLnBrk="0" hangingPunct="1">
-              <a:lnSpc>
-                <a:spcPct val="90000"/>
-              </a:lnSpc>
-              <a:spcBef>
-                <a:spcPts val="375"/>
-              </a:spcBef>
-              <a:buFont typeface="Arial" panose="020B0604020202020204" pitchFamily="34" charset="0"/>
-              <a:buChar char="•"/>
-              <a:defRPr sz="1500" kern="1200">
-                <a:solidFill>
-                  <a:schemeClr val="tx1"/>
-                </a:solidFill>
-                <a:latin typeface="Neris Thin" panose="00000300000000000000" pitchFamily="50" charset="0"/>
-                <a:ea typeface="+mn-ea"/>
-                <a:cs typeface="+mn-cs"/>
-              </a:defRPr>
-            </a:lvl3pPr>
-            <a:lvl4pPr marL="1200150" indent="-171450" algn="l" defTabSz="685800" rtl="0" eaLnBrk="1" latinLnBrk="0" hangingPunct="1">
-              <a:lnSpc>
-                <a:spcPct val="90000"/>
-              </a:lnSpc>
-              <a:spcBef>
-                <a:spcPts val="375"/>
-              </a:spcBef>
-              <a:buFont typeface="Arial" panose="020B0604020202020204" pitchFamily="34" charset="0"/>
-              <a:buChar char="•"/>
-              <a:defRPr sz="1350" kern="1200">
-                <a:solidFill>
-                  <a:schemeClr val="tx1"/>
-                </a:solidFill>
-                <a:latin typeface="Neris Thin" panose="00000300000000000000" pitchFamily="50" charset="0"/>
-                <a:ea typeface="+mn-ea"/>
-                <a:cs typeface="+mn-cs"/>
-              </a:defRPr>
-            </a:lvl4pPr>
-            <a:lvl5pPr marL="1543050" indent="-171450" algn="l" defTabSz="685800" rtl="0" eaLnBrk="1" latinLnBrk="0" hangingPunct="1">
-              <a:lnSpc>
-                <a:spcPct val="90000"/>
-              </a:lnSpc>
-              <a:spcBef>
-                <a:spcPts val="375"/>
-              </a:spcBef>
-              <a:buFont typeface="Arial" panose="020B0604020202020204" pitchFamily="34" charset="0"/>
-              <a:buChar char="•"/>
-              <a:defRPr sz="1350" kern="1200">
-                <a:solidFill>
-                  <a:schemeClr val="tx1"/>
-                </a:solidFill>
-                <a:latin typeface="Neris Thin" panose="00000300000000000000" pitchFamily="50" charset="0"/>
-                <a:ea typeface="+mn-ea"/>
-                <a:cs typeface="+mn-cs"/>
-              </a:defRPr>
-            </a:lvl5pPr>
-            <a:lvl6pPr marL="1885950" indent="-171450" algn="l" defTabSz="685800" rtl="0" eaLnBrk="1" latinLnBrk="0" hangingPunct="1">
-              <a:lnSpc>
-                <a:spcPct val="90000"/>
-              </a:lnSpc>
-              <a:spcBef>
-                <a:spcPts val="375"/>
-              </a:spcBef>
-              <a:buFont typeface="Arial" panose="020B0604020202020204" pitchFamily="34" charset="0"/>
-              <a:buChar char="•"/>
-              <a:defRPr sz="1350" kern="1200">
-                <a:solidFill>
-                  <a:schemeClr val="tx1"/>
-                </a:solidFill>
-                <a:latin typeface="+mn-lt"/>
-                <a:ea typeface="+mn-ea"/>
-                <a:cs typeface="+mn-cs"/>
-              </a:defRPr>
-            </a:lvl6pPr>
-            <a:lvl7pPr marL="2228850" indent="-171450" algn="l" defTabSz="685800" rtl="0" eaLnBrk="1" latinLnBrk="0" hangingPunct="1">
-              <a:lnSpc>
-                <a:spcPct val="90000"/>
-              </a:lnSpc>
-              <a:spcBef>
-                <a:spcPts val="375"/>
-              </a:spcBef>
-              <a:buFont typeface="Arial" panose="020B0604020202020204" pitchFamily="34" charset="0"/>
-              <a:buChar char="•"/>
-              <a:defRPr sz="1350" kern="1200">
-                <a:solidFill>
-                  <a:schemeClr val="tx1"/>
-                </a:solidFill>
-                <a:latin typeface="+mn-lt"/>
-                <a:ea typeface="+mn-ea"/>
-                <a:cs typeface="+mn-cs"/>
-              </a:defRPr>
-            </a:lvl7pPr>
-            <a:lvl8pPr marL="2571750" indent="-171450" algn="l" defTabSz="685800" rtl="0" eaLnBrk="1" latinLnBrk="0" hangingPunct="1">
-              <a:lnSpc>
-                <a:spcPct val="90000"/>
-              </a:lnSpc>
-              <a:spcBef>
-                <a:spcPts val="375"/>
-              </a:spcBef>
-              <a:buFont typeface="Arial" panose="020B0604020202020204" pitchFamily="34" charset="0"/>
-              <a:buChar char="•"/>
-              <a:defRPr sz="1350" kern="1200">
-                <a:solidFill>
-                  <a:schemeClr val="tx1"/>
-                </a:solidFill>
-                <a:latin typeface="+mn-lt"/>
-                <a:ea typeface="+mn-ea"/>
-                <a:cs typeface="+mn-cs"/>
-              </a:defRPr>
-            </a:lvl8pPr>
-            <a:lvl9pPr marL="2914650" indent="-171450" algn="l" defTabSz="685800" rtl="0" eaLnBrk="1" latinLnBrk="0" hangingPunct="1">
-              <a:lnSpc>
-                <a:spcPct val="90000"/>
-              </a:lnSpc>
-              <a:spcBef>
-                <a:spcPts val="375"/>
-              </a:spcBef>
-              <a:buFont typeface="Arial" panose="020B0604020202020204" pitchFamily="34" charset="0"/>
-              <a:buChar char="•"/>
-              <a:defRPr sz="1350" kern="1200">
-                <a:solidFill>
-                  <a:schemeClr val="tx1"/>
-                </a:solidFill>
-                <a:latin typeface="+mn-lt"/>
-                <a:ea typeface="+mn-ea"/>
-                <a:cs typeface="+mn-cs"/>
-              </a:defRPr>
-            </a:lvl9pPr>
-          </a:lstStyle>
-          <a:p>
-            <a:pPr marL="0" indent="0" algn="r">
-              <a:lnSpc>
-                <a:spcPct val="100000"/>
-              </a:lnSpc>
-              <a:spcBef>
-                <a:spcPts val="0"/>
-              </a:spcBef>
-              <a:buNone/>
-            </a:pPr>
-            <a:endParaRPr lang="en-US" sz="1400" dirty="0">
-              <a:solidFill>
-                <a:schemeClr val="tx1">
-                  <a:lumMod val="75000"/>
-                  <a:lumOff val="25000"/>
-                </a:schemeClr>
-              </a:solidFill>
-            </a:endParaRPr>
-          </a:p>
-        </p:txBody>
-      </p:sp>
-      <p:sp>
-        <p:nvSpPr>
-          <p:cNvPr id="44" name="TextBox 43">
-            <a:extLst>
-              <a:ext uri="{FF2B5EF4-FFF2-40B4-BE49-F238E27FC236}">
-                <a16:creationId xmlns:a16="http://schemas.microsoft.com/office/drawing/2014/main" id="{7D23B698-012A-5B49-86D5-25B58C96B100}"/>
-              </a:ext>
-            </a:extLst>
-          </p:cNvPr>
-          <p:cNvSpPr txBox="1"/>
-          <p:nvPr/>
-        </p:nvSpPr>
-        <p:spPr>
-          <a:xfrm flipH="1">
-            <a:off x="1935929" y="2922914"/>
-            <a:ext cx="2238949" cy="830997"/>
-          </a:xfrm>
-          <a:prstGeom prst="rect">
-            <a:avLst/>
-          </a:prstGeom>
-          <a:noFill/>
-        </p:spPr>
-        <p:txBody>
-          <a:bodyPr wrap="square" lIns="0" tIns="0" rIns="0" bIns="0" rtlCol="0" anchor="ctr">
-            <a:spAutoFit/>
-          </a:bodyPr>
-          <a:lstStyle/>
-          <a:p>
-            <a:pPr algn="ctr"/>
-            <a:r>
-              <a:rPr lang="en-US" b="1" dirty="0">
-                <a:solidFill>
-                  <a:srgbClr val="FF0000"/>
-                </a:solidFill>
-              </a:rPr>
-              <a:t>Empowering women to assert their rights and seek justice</a:t>
-            </a:r>
-          </a:p>
-        </p:txBody>
-      </p:sp>
-      <p:sp>
-        <p:nvSpPr>
-          <p:cNvPr id="45" name="Text Placeholder 32">
-            <a:extLst>
-              <a:ext uri="{FF2B5EF4-FFF2-40B4-BE49-F238E27FC236}">
-                <a16:creationId xmlns:a16="http://schemas.microsoft.com/office/drawing/2014/main" id="{BB7546B4-3CA2-FE4F-B327-6FC64401587A}"/>
-              </a:ext>
-            </a:extLst>
-          </p:cNvPr>
-          <p:cNvSpPr txBox="1">
-            <a:spLocks/>
-          </p:cNvSpPr>
-          <p:nvPr/>
-        </p:nvSpPr>
-        <p:spPr>
-          <a:xfrm flipH="1">
-            <a:off x="1476392" y="4567138"/>
-            <a:ext cx="3212572" cy="970924"/>
-          </a:xfrm>
-          <a:prstGeom prst="rect">
-            <a:avLst/>
-          </a:prstGeom>
-        </p:spPr>
-        <p:txBody>
-          <a:bodyPr lIns="0" tIns="0" rIns="0" bIns="0">
-            <a:noAutofit/>
-          </a:bodyPr>
-          <a:lstStyle>
-            <a:lvl1pPr marL="171450" indent="-171450" algn="l" defTabSz="685800" rtl="0" eaLnBrk="1" latinLnBrk="0" hangingPunct="1">
-              <a:lnSpc>
-                <a:spcPct val="90000"/>
-              </a:lnSpc>
-              <a:spcBef>
-                <a:spcPts val="750"/>
-              </a:spcBef>
-              <a:buFont typeface="Arial" panose="020B0604020202020204" pitchFamily="34" charset="0"/>
-              <a:buChar char="•"/>
-              <a:defRPr sz="2100" kern="1200">
-                <a:solidFill>
-                  <a:schemeClr val="tx1"/>
-                </a:solidFill>
-                <a:latin typeface="Neris Thin" panose="00000300000000000000" pitchFamily="50" charset="0"/>
-                <a:ea typeface="+mn-ea"/>
-                <a:cs typeface="+mn-cs"/>
-              </a:defRPr>
-            </a:lvl1pPr>
-            <a:lvl2pPr marL="514350" indent="-171450" algn="l" defTabSz="685800" rtl="0" eaLnBrk="1" latinLnBrk="0" hangingPunct="1">
-              <a:lnSpc>
-                <a:spcPct val="90000"/>
-              </a:lnSpc>
-              <a:spcBef>
-                <a:spcPts val="375"/>
-              </a:spcBef>
-              <a:buFont typeface="Arial" panose="020B0604020202020204" pitchFamily="34" charset="0"/>
-              <a:buChar char="•"/>
-              <a:defRPr sz="1800" kern="1200">
-                <a:solidFill>
-                  <a:schemeClr val="tx1"/>
-                </a:solidFill>
-                <a:latin typeface="Neris Thin" panose="00000300000000000000" pitchFamily="50" charset="0"/>
-                <a:ea typeface="+mn-ea"/>
-                <a:cs typeface="+mn-cs"/>
-              </a:defRPr>
-            </a:lvl2pPr>
-            <a:lvl3pPr marL="857250" indent="-171450" algn="l" defTabSz="685800" rtl="0" eaLnBrk="1" latinLnBrk="0" hangingPunct="1">
-              <a:lnSpc>
-                <a:spcPct val="90000"/>
-              </a:lnSpc>
-              <a:spcBef>
-                <a:spcPts val="375"/>
-              </a:spcBef>
-              <a:buFont typeface="Arial" panose="020B0604020202020204" pitchFamily="34" charset="0"/>
-              <a:buChar char="•"/>
-              <a:defRPr sz="1500" kern="1200">
-                <a:solidFill>
-                  <a:schemeClr val="tx1"/>
-                </a:solidFill>
-                <a:latin typeface="Neris Thin" panose="00000300000000000000" pitchFamily="50" charset="0"/>
-                <a:ea typeface="+mn-ea"/>
-                <a:cs typeface="+mn-cs"/>
-              </a:defRPr>
-            </a:lvl3pPr>
-            <a:lvl4pPr marL="1200150" indent="-171450" algn="l" defTabSz="685800" rtl="0" eaLnBrk="1" latinLnBrk="0" hangingPunct="1">
-              <a:lnSpc>
-                <a:spcPct val="90000"/>
-              </a:lnSpc>
-              <a:spcBef>
-                <a:spcPts val="375"/>
-              </a:spcBef>
-              <a:buFont typeface="Arial" panose="020B0604020202020204" pitchFamily="34" charset="0"/>
-              <a:buChar char="•"/>
-              <a:defRPr sz="1350" kern="1200">
-                <a:solidFill>
-                  <a:schemeClr val="tx1"/>
-                </a:solidFill>
-                <a:latin typeface="Neris Thin" panose="00000300000000000000" pitchFamily="50" charset="0"/>
-                <a:ea typeface="+mn-ea"/>
-                <a:cs typeface="+mn-cs"/>
-              </a:defRPr>
-            </a:lvl4pPr>
-            <a:lvl5pPr marL="1543050" indent="-171450" algn="l" defTabSz="685800" rtl="0" eaLnBrk="1" latinLnBrk="0" hangingPunct="1">
-              <a:lnSpc>
-                <a:spcPct val="90000"/>
-              </a:lnSpc>
-              <a:spcBef>
-                <a:spcPts val="375"/>
-              </a:spcBef>
-              <a:buFont typeface="Arial" panose="020B0604020202020204" pitchFamily="34" charset="0"/>
-              <a:buChar char="•"/>
-              <a:defRPr sz="1350" kern="1200">
-                <a:solidFill>
-                  <a:schemeClr val="tx1"/>
-                </a:solidFill>
-                <a:latin typeface="Neris Thin" panose="00000300000000000000" pitchFamily="50" charset="0"/>
-                <a:ea typeface="+mn-ea"/>
-                <a:cs typeface="+mn-cs"/>
-              </a:defRPr>
-            </a:lvl5pPr>
-            <a:lvl6pPr marL="1885950" indent="-171450" algn="l" defTabSz="685800" rtl="0" eaLnBrk="1" latinLnBrk="0" hangingPunct="1">
-              <a:lnSpc>
-                <a:spcPct val="90000"/>
-              </a:lnSpc>
-              <a:spcBef>
-                <a:spcPts val="375"/>
-              </a:spcBef>
-              <a:buFont typeface="Arial" panose="020B0604020202020204" pitchFamily="34" charset="0"/>
-              <a:buChar char="•"/>
-              <a:defRPr sz="1350" kern="1200">
-                <a:solidFill>
-                  <a:schemeClr val="tx1"/>
-                </a:solidFill>
-                <a:latin typeface="+mn-lt"/>
-                <a:ea typeface="+mn-ea"/>
-                <a:cs typeface="+mn-cs"/>
-              </a:defRPr>
-            </a:lvl6pPr>
-            <a:lvl7pPr marL="2228850" indent="-171450" algn="l" defTabSz="685800" rtl="0" eaLnBrk="1" latinLnBrk="0" hangingPunct="1">
-              <a:lnSpc>
-                <a:spcPct val="90000"/>
-              </a:lnSpc>
-              <a:spcBef>
-                <a:spcPts val="375"/>
-              </a:spcBef>
-              <a:buFont typeface="Arial" panose="020B0604020202020204" pitchFamily="34" charset="0"/>
-              <a:buChar char="•"/>
-              <a:defRPr sz="1350" kern="1200">
-                <a:solidFill>
-                  <a:schemeClr val="tx1"/>
-                </a:solidFill>
-                <a:latin typeface="+mn-lt"/>
-                <a:ea typeface="+mn-ea"/>
-                <a:cs typeface="+mn-cs"/>
-              </a:defRPr>
-            </a:lvl7pPr>
-            <a:lvl8pPr marL="2571750" indent="-171450" algn="l" defTabSz="685800" rtl="0" eaLnBrk="1" latinLnBrk="0" hangingPunct="1">
-              <a:lnSpc>
-                <a:spcPct val="90000"/>
-              </a:lnSpc>
-              <a:spcBef>
-                <a:spcPts val="375"/>
-              </a:spcBef>
-              <a:buFont typeface="Arial" panose="020B0604020202020204" pitchFamily="34" charset="0"/>
-              <a:buChar char="•"/>
-              <a:defRPr sz="1350" kern="1200">
-                <a:solidFill>
-                  <a:schemeClr val="tx1"/>
-                </a:solidFill>
-                <a:latin typeface="+mn-lt"/>
-                <a:ea typeface="+mn-ea"/>
-                <a:cs typeface="+mn-cs"/>
-              </a:defRPr>
-            </a:lvl8pPr>
-            <a:lvl9pPr marL="2914650" indent="-171450" algn="l" defTabSz="685800" rtl="0" eaLnBrk="1" latinLnBrk="0" hangingPunct="1">
-              <a:lnSpc>
-                <a:spcPct val="90000"/>
-              </a:lnSpc>
-              <a:spcBef>
-                <a:spcPts val="375"/>
-              </a:spcBef>
-              <a:buFont typeface="Arial" panose="020B0604020202020204" pitchFamily="34" charset="0"/>
-              <a:buChar char="•"/>
-              <a:defRPr sz="1350" kern="1200">
-                <a:solidFill>
-                  <a:schemeClr val="tx1"/>
-                </a:solidFill>
-                <a:latin typeface="+mn-lt"/>
-                <a:ea typeface="+mn-ea"/>
-                <a:cs typeface="+mn-cs"/>
-              </a:defRPr>
-            </a:lvl9pPr>
-          </a:lstStyle>
-          <a:p>
-            <a:pPr marL="0" indent="0" algn="r">
-              <a:lnSpc>
-                <a:spcPct val="100000"/>
-              </a:lnSpc>
-              <a:spcBef>
-                <a:spcPts val="0"/>
-              </a:spcBef>
-              <a:buNone/>
-            </a:pPr>
-            <a:endParaRPr lang="en-IN" sz="1400" dirty="0">
-              <a:solidFill>
-                <a:schemeClr val="tx1">
-                  <a:lumMod val="75000"/>
-                  <a:lumOff val="25000"/>
-                </a:schemeClr>
-              </a:solidFill>
-            </a:endParaRPr>
-          </a:p>
-        </p:txBody>
-      </p:sp>
-      <p:sp>
-        <p:nvSpPr>
-          <p:cNvPr id="47" name="Rounded Rectangle 46">
-            <a:extLst>
-              <a:ext uri="{FF2B5EF4-FFF2-40B4-BE49-F238E27FC236}">
-                <a16:creationId xmlns:a16="http://schemas.microsoft.com/office/drawing/2014/main" id="{F839BC8F-6D94-C046-A626-34BF2F520631}"/>
-              </a:ext>
-            </a:extLst>
-          </p:cNvPr>
-          <p:cNvSpPr/>
-          <p:nvPr/>
-        </p:nvSpPr>
-        <p:spPr>
-          <a:xfrm flipH="1">
-            <a:off x="4475252" y="2147302"/>
-            <a:ext cx="604695" cy="604695"/>
-          </a:xfrm>
-          <a:prstGeom prst="roundRect">
-            <a:avLst>
-              <a:gd name="adj" fmla="val 16554"/>
-            </a:avLst>
-          </a:prstGeom>
-          <a:solidFill>
-            <a:schemeClr val="accent2"/>
-          </a:solidFill>
-          <a:ln w="12700" cap="flat" cmpd="sng" algn="ctr">
-            <a:noFill/>
-            <a:prstDash val="solid"/>
-            <a:miter lim="800000"/>
-          </a:ln>
-          <a:effectLst/>
-        </p:spPr>
-        <p:txBody>
-          <a:bodyPr lIns="0" tIns="0" rIns="0" bIns="0" rtlCol="0" anchor="ctr"/>
-          <a:lstStyle/>
-          <a:p>
-            <a:pPr marL="0" marR="0" lvl="0" indent="0" algn="ctr" defTabSz="914340" eaLnBrk="1" fontAlgn="auto" latinLnBrk="0" hangingPunct="1">
-              <a:lnSpc>
-                <a:spcPct val="100000"/>
-              </a:lnSpc>
-              <a:spcBef>
-                <a:spcPts val="0"/>
-              </a:spcBef>
-              <a:spcAft>
-                <a:spcPts val="0"/>
-              </a:spcAft>
-              <a:buClrTx/>
-              <a:buSzTx/>
-              <a:buFontTx/>
-              <a:buNone/>
-              <a:tabLst/>
-              <a:defRPr/>
-            </a:pPr>
-            <a:endParaRPr kumimoji="0" lang="en-US" sz="1800" b="0" i="0" u="none" strike="noStrike" kern="0" cap="none" spc="0" normalizeH="0" baseline="0" noProof="0" dirty="0">
-              <a:ln>
-                <a:noFill/>
-              </a:ln>
-              <a:solidFill>
-                <a:srgbClr val="FFFFFF"/>
-              </a:solidFill>
-              <a:effectLst/>
-              <a:uLnTx/>
-              <a:uFillTx/>
-            </a:endParaRPr>
-          </a:p>
-        </p:txBody>
-      </p:sp>
-      <p:sp>
-        <p:nvSpPr>
-          <p:cNvPr id="48" name="Rounded Rectangle 47">
-            <a:extLst>
-              <a:ext uri="{FF2B5EF4-FFF2-40B4-BE49-F238E27FC236}">
-                <a16:creationId xmlns:a16="http://schemas.microsoft.com/office/drawing/2014/main" id="{671B71AE-29CE-084E-AAE6-B472F671BC5C}"/>
-              </a:ext>
-            </a:extLst>
-          </p:cNvPr>
-          <p:cNvSpPr/>
-          <p:nvPr/>
-        </p:nvSpPr>
-        <p:spPr>
-          <a:xfrm flipH="1">
-            <a:off x="4475252" y="3105415"/>
-            <a:ext cx="604695" cy="604695"/>
-          </a:xfrm>
-          <a:prstGeom prst="roundRect">
-            <a:avLst>
-              <a:gd name="adj" fmla="val 16554"/>
-            </a:avLst>
-          </a:prstGeom>
-          <a:solidFill>
-            <a:srgbClr val="C00000"/>
-          </a:solidFill>
-          <a:ln w="12700" cap="flat" cmpd="sng" algn="ctr">
-            <a:noFill/>
-            <a:prstDash val="solid"/>
-            <a:miter lim="800000"/>
-          </a:ln>
-          <a:effectLst/>
-        </p:spPr>
-        <p:txBody>
-          <a:bodyPr lIns="0" tIns="0" rIns="0" bIns="0" rtlCol="0" anchor="ctr"/>
-          <a:lstStyle/>
-          <a:p>
-            <a:pPr marL="0" marR="0" lvl="0" indent="0" algn="ctr" defTabSz="914340" eaLnBrk="1" fontAlgn="auto" latinLnBrk="0" hangingPunct="1">
-              <a:lnSpc>
-                <a:spcPct val="100000"/>
-              </a:lnSpc>
-              <a:spcBef>
-                <a:spcPts val="0"/>
-              </a:spcBef>
-              <a:spcAft>
-                <a:spcPts val="0"/>
-              </a:spcAft>
-              <a:buClrTx/>
-              <a:buSzTx/>
-              <a:buFontTx/>
-              <a:buNone/>
-              <a:tabLst/>
-              <a:defRPr/>
-            </a:pPr>
-            <a:endParaRPr kumimoji="0" lang="en-US" sz="1800" b="0" i="0" u="none" strike="noStrike" kern="0" cap="none" spc="0" normalizeH="0" baseline="0" noProof="0" dirty="0">
-              <a:ln>
-                <a:noFill/>
-              </a:ln>
-              <a:solidFill>
-                <a:srgbClr val="FFFFFF"/>
-              </a:solidFill>
-              <a:effectLst/>
-              <a:uLnTx/>
-              <a:uFillTx/>
-            </a:endParaRPr>
-          </a:p>
-        </p:txBody>
-      </p:sp>
-      <p:sp>
-        <p:nvSpPr>
-          <p:cNvPr id="49" name="TextBox 48">
-            <a:extLst>
-              <a:ext uri="{FF2B5EF4-FFF2-40B4-BE49-F238E27FC236}">
-                <a16:creationId xmlns:a16="http://schemas.microsoft.com/office/drawing/2014/main" id="{BE32E34B-7170-454B-9FC2-EF3A00697CCB}"/>
-              </a:ext>
-            </a:extLst>
-          </p:cNvPr>
-          <p:cNvSpPr txBox="1"/>
-          <p:nvPr/>
-        </p:nvSpPr>
-        <p:spPr>
-          <a:xfrm>
-            <a:off x="5768790" y="1391678"/>
-            <a:ext cx="3162981" cy="430887"/>
-          </a:xfrm>
-          <a:prstGeom prst="rect">
-            <a:avLst/>
-          </a:prstGeom>
-          <a:noFill/>
-        </p:spPr>
-        <p:txBody>
-          <a:bodyPr wrap="square" lIns="0" tIns="0" rIns="0" bIns="0" rtlCol="0" anchor="ctr">
-            <a:spAutoFit/>
-          </a:bodyPr>
-          <a:lstStyle/>
-          <a:p>
-            <a:pPr algn="ctr"/>
-            <a:r>
-              <a:rPr lang="en-US" sz="2800" b="1" dirty="0">
-                <a:solidFill>
-                  <a:schemeClr val="accent5">
-                    <a:lumMod val="75000"/>
-                  </a:schemeClr>
-                </a:solidFill>
-              </a:rPr>
-              <a:t>FOR MICROSOFT</a:t>
-            </a:r>
-          </a:p>
-        </p:txBody>
-      </p:sp>
-      <p:sp>
-        <p:nvSpPr>
-          <p:cNvPr id="50" name="Text Placeholder 32">
-            <a:extLst>
-              <a:ext uri="{FF2B5EF4-FFF2-40B4-BE49-F238E27FC236}">
-                <a16:creationId xmlns:a16="http://schemas.microsoft.com/office/drawing/2014/main" id="{74677835-962E-CD45-874F-445A5A8A145E}"/>
-              </a:ext>
-            </a:extLst>
-          </p:cNvPr>
-          <p:cNvSpPr txBox="1">
-            <a:spLocks/>
-          </p:cNvSpPr>
-          <p:nvPr/>
-        </p:nvSpPr>
-        <p:spPr>
-          <a:xfrm>
-            <a:off x="7021815" y="1413683"/>
-            <a:ext cx="2942186" cy="964686"/>
-          </a:xfrm>
-          <a:prstGeom prst="rect">
-            <a:avLst/>
-          </a:prstGeom>
-        </p:spPr>
-        <p:txBody>
-          <a:bodyPr lIns="0" tIns="0" rIns="0" bIns="0">
-            <a:noAutofit/>
-          </a:bodyPr>
-          <a:lstStyle>
-            <a:lvl1pPr marL="171450" indent="-171450" algn="l" defTabSz="685800" rtl="0" eaLnBrk="1" latinLnBrk="0" hangingPunct="1">
-              <a:lnSpc>
-                <a:spcPct val="90000"/>
-              </a:lnSpc>
-              <a:spcBef>
-                <a:spcPts val="750"/>
-              </a:spcBef>
-              <a:buFont typeface="Arial" panose="020B0604020202020204" pitchFamily="34" charset="0"/>
-              <a:buChar char="•"/>
-              <a:defRPr sz="2100" kern="1200">
-                <a:solidFill>
-                  <a:schemeClr val="tx1"/>
-                </a:solidFill>
-                <a:latin typeface="Neris Thin" panose="00000300000000000000" pitchFamily="50" charset="0"/>
-                <a:ea typeface="+mn-ea"/>
-                <a:cs typeface="+mn-cs"/>
-              </a:defRPr>
-            </a:lvl1pPr>
-            <a:lvl2pPr marL="514350" indent="-171450" algn="l" defTabSz="685800" rtl="0" eaLnBrk="1" latinLnBrk="0" hangingPunct="1">
-              <a:lnSpc>
-                <a:spcPct val="90000"/>
-              </a:lnSpc>
-              <a:spcBef>
-                <a:spcPts val="375"/>
-              </a:spcBef>
-              <a:buFont typeface="Arial" panose="020B0604020202020204" pitchFamily="34" charset="0"/>
-              <a:buChar char="•"/>
-              <a:defRPr sz="1800" kern="1200">
-                <a:solidFill>
-                  <a:schemeClr val="tx1"/>
-                </a:solidFill>
-                <a:latin typeface="Neris Thin" panose="00000300000000000000" pitchFamily="50" charset="0"/>
-                <a:ea typeface="+mn-ea"/>
-                <a:cs typeface="+mn-cs"/>
-              </a:defRPr>
-            </a:lvl2pPr>
-            <a:lvl3pPr marL="857250" indent="-171450" algn="l" defTabSz="685800" rtl="0" eaLnBrk="1" latinLnBrk="0" hangingPunct="1">
-              <a:lnSpc>
-                <a:spcPct val="90000"/>
-              </a:lnSpc>
-              <a:spcBef>
-                <a:spcPts val="375"/>
-              </a:spcBef>
-              <a:buFont typeface="Arial" panose="020B0604020202020204" pitchFamily="34" charset="0"/>
-              <a:buChar char="•"/>
-              <a:defRPr sz="1500" kern="1200">
-                <a:solidFill>
-                  <a:schemeClr val="tx1"/>
-                </a:solidFill>
-                <a:latin typeface="Neris Thin" panose="00000300000000000000" pitchFamily="50" charset="0"/>
-                <a:ea typeface="+mn-ea"/>
-                <a:cs typeface="+mn-cs"/>
-              </a:defRPr>
-            </a:lvl3pPr>
-            <a:lvl4pPr marL="1200150" indent="-171450" algn="l" defTabSz="685800" rtl="0" eaLnBrk="1" latinLnBrk="0" hangingPunct="1">
-              <a:lnSpc>
-                <a:spcPct val="90000"/>
-              </a:lnSpc>
-              <a:spcBef>
-                <a:spcPts val="375"/>
-              </a:spcBef>
-              <a:buFont typeface="Arial" panose="020B0604020202020204" pitchFamily="34" charset="0"/>
-              <a:buChar char="•"/>
-              <a:defRPr sz="1350" kern="1200">
-                <a:solidFill>
-                  <a:schemeClr val="tx1"/>
-                </a:solidFill>
-                <a:latin typeface="Neris Thin" panose="00000300000000000000" pitchFamily="50" charset="0"/>
-                <a:ea typeface="+mn-ea"/>
-                <a:cs typeface="+mn-cs"/>
-              </a:defRPr>
-            </a:lvl4pPr>
-            <a:lvl5pPr marL="1543050" indent="-171450" algn="l" defTabSz="685800" rtl="0" eaLnBrk="1" latinLnBrk="0" hangingPunct="1">
-              <a:lnSpc>
-                <a:spcPct val="90000"/>
-              </a:lnSpc>
-              <a:spcBef>
-                <a:spcPts val="375"/>
-              </a:spcBef>
-              <a:buFont typeface="Arial" panose="020B0604020202020204" pitchFamily="34" charset="0"/>
-              <a:buChar char="•"/>
-              <a:defRPr sz="1350" kern="1200">
-                <a:solidFill>
-                  <a:schemeClr val="tx1"/>
-                </a:solidFill>
-                <a:latin typeface="Neris Thin" panose="00000300000000000000" pitchFamily="50" charset="0"/>
-                <a:ea typeface="+mn-ea"/>
-                <a:cs typeface="+mn-cs"/>
-              </a:defRPr>
-            </a:lvl5pPr>
-            <a:lvl6pPr marL="1885950" indent="-171450" algn="l" defTabSz="685800" rtl="0" eaLnBrk="1" latinLnBrk="0" hangingPunct="1">
-              <a:lnSpc>
-                <a:spcPct val="90000"/>
-              </a:lnSpc>
-              <a:spcBef>
-                <a:spcPts val="375"/>
-              </a:spcBef>
-              <a:buFont typeface="Arial" panose="020B0604020202020204" pitchFamily="34" charset="0"/>
-              <a:buChar char="•"/>
-              <a:defRPr sz="1350" kern="1200">
-                <a:solidFill>
-                  <a:schemeClr val="tx1"/>
-                </a:solidFill>
-                <a:latin typeface="+mn-lt"/>
-                <a:ea typeface="+mn-ea"/>
-                <a:cs typeface="+mn-cs"/>
-              </a:defRPr>
-            </a:lvl6pPr>
-            <a:lvl7pPr marL="2228850" indent="-171450" algn="l" defTabSz="685800" rtl="0" eaLnBrk="1" latinLnBrk="0" hangingPunct="1">
-              <a:lnSpc>
-                <a:spcPct val="90000"/>
-              </a:lnSpc>
-              <a:spcBef>
-                <a:spcPts val="375"/>
-              </a:spcBef>
-              <a:buFont typeface="Arial" panose="020B0604020202020204" pitchFamily="34" charset="0"/>
-              <a:buChar char="•"/>
-              <a:defRPr sz="1350" kern="1200">
-                <a:solidFill>
-                  <a:schemeClr val="tx1"/>
-                </a:solidFill>
-                <a:latin typeface="+mn-lt"/>
-                <a:ea typeface="+mn-ea"/>
-                <a:cs typeface="+mn-cs"/>
-              </a:defRPr>
-            </a:lvl7pPr>
-            <a:lvl8pPr marL="2571750" indent="-171450" algn="l" defTabSz="685800" rtl="0" eaLnBrk="1" latinLnBrk="0" hangingPunct="1">
-              <a:lnSpc>
-                <a:spcPct val="90000"/>
-              </a:lnSpc>
-              <a:spcBef>
-                <a:spcPts val="375"/>
-              </a:spcBef>
-              <a:buFont typeface="Arial" panose="020B0604020202020204" pitchFamily="34" charset="0"/>
-              <a:buChar char="•"/>
-              <a:defRPr sz="1350" kern="1200">
-                <a:solidFill>
-                  <a:schemeClr val="tx1"/>
-                </a:solidFill>
-                <a:latin typeface="+mn-lt"/>
-                <a:ea typeface="+mn-ea"/>
-                <a:cs typeface="+mn-cs"/>
-              </a:defRPr>
-            </a:lvl8pPr>
-            <a:lvl9pPr marL="2914650" indent="-171450" algn="l" defTabSz="685800" rtl="0" eaLnBrk="1" latinLnBrk="0" hangingPunct="1">
-              <a:lnSpc>
-                <a:spcPct val="90000"/>
-              </a:lnSpc>
-              <a:spcBef>
-                <a:spcPts val="375"/>
-              </a:spcBef>
-              <a:buFont typeface="Arial" panose="020B0604020202020204" pitchFamily="34" charset="0"/>
-              <a:buChar char="•"/>
-              <a:defRPr sz="1350" kern="1200">
-                <a:solidFill>
-                  <a:schemeClr val="tx1"/>
-                </a:solidFill>
-                <a:latin typeface="+mn-lt"/>
-                <a:ea typeface="+mn-ea"/>
-                <a:cs typeface="+mn-cs"/>
-              </a:defRPr>
-            </a:lvl9pPr>
-          </a:lstStyle>
-          <a:p>
-            <a:pPr marL="0" indent="0">
-              <a:lnSpc>
-                <a:spcPct val="100000"/>
-              </a:lnSpc>
-              <a:spcBef>
-                <a:spcPts val="0"/>
-              </a:spcBef>
-              <a:buNone/>
-            </a:pPr>
-            <a:endParaRPr lang="en-US" sz="1400" dirty="0">
-              <a:solidFill>
-                <a:schemeClr val="tx1">
-                  <a:lumMod val="75000"/>
-                  <a:lumOff val="25000"/>
-                </a:schemeClr>
-              </a:solidFill>
-            </a:endParaRPr>
-          </a:p>
-        </p:txBody>
-      </p:sp>
-      <p:sp>
-        <p:nvSpPr>
-          <p:cNvPr id="52" name="Text Placeholder 32">
-            <a:extLst>
-              <a:ext uri="{FF2B5EF4-FFF2-40B4-BE49-F238E27FC236}">
-                <a16:creationId xmlns:a16="http://schemas.microsoft.com/office/drawing/2014/main" id="{6FDBDEFE-635E-C440-9178-85EBD4424BB2}"/>
-              </a:ext>
-            </a:extLst>
-          </p:cNvPr>
-          <p:cNvSpPr txBox="1">
-            <a:spLocks/>
-          </p:cNvSpPr>
-          <p:nvPr/>
-        </p:nvSpPr>
-        <p:spPr>
-          <a:xfrm>
-            <a:off x="7021815" y="2986596"/>
-            <a:ext cx="3113098" cy="1238934"/>
-          </a:xfrm>
-          <a:prstGeom prst="rect">
-            <a:avLst/>
-          </a:prstGeom>
-        </p:spPr>
-        <p:txBody>
-          <a:bodyPr lIns="0" tIns="0" rIns="0" bIns="0">
-            <a:noAutofit/>
-          </a:bodyPr>
-          <a:lstStyle>
-            <a:lvl1pPr marL="171450" indent="-171450" algn="l" defTabSz="685800" rtl="0" eaLnBrk="1" latinLnBrk="0" hangingPunct="1">
-              <a:lnSpc>
-                <a:spcPct val="90000"/>
-              </a:lnSpc>
-              <a:spcBef>
-                <a:spcPts val="750"/>
-              </a:spcBef>
-              <a:buFont typeface="Arial" panose="020B0604020202020204" pitchFamily="34" charset="0"/>
-              <a:buChar char="•"/>
-              <a:defRPr sz="2100" kern="1200">
-                <a:solidFill>
-                  <a:schemeClr val="tx1"/>
-                </a:solidFill>
-                <a:latin typeface="Neris Thin" panose="00000300000000000000" pitchFamily="50" charset="0"/>
-                <a:ea typeface="+mn-ea"/>
-                <a:cs typeface="+mn-cs"/>
-              </a:defRPr>
-            </a:lvl1pPr>
-            <a:lvl2pPr marL="514350" indent="-171450" algn="l" defTabSz="685800" rtl="0" eaLnBrk="1" latinLnBrk="0" hangingPunct="1">
-              <a:lnSpc>
-                <a:spcPct val="90000"/>
-              </a:lnSpc>
-              <a:spcBef>
-                <a:spcPts val="375"/>
-              </a:spcBef>
-              <a:buFont typeface="Arial" panose="020B0604020202020204" pitchFamily="34" charset="0"/>
-              <a:buChar char="•"/>
-              <a:defRPr sz="1800" kern="1200">
-                <a:solidFill>
-                  <a:schemeClr val="tx1"/>
-                </a:solidFill>
-                <a:latin typeface="Neris Thin" panose="00000300000000000000" pitchFamily="50" charset="0"/>
-                <a:ea typeface="+mn-ea"/>
-                <a:cs typeface="+mn-cs"/>
-              </a:defRPr>
-            </a:lvl2pPr>
-            <a:lvl3pPr marL="857250" indent="-171450" algn="l" defTabSz="685800" rtl="0" eaLnBrk="1" latinLnBrk="0" hangingPunct="1">
-              <a:lnSpc>
-                <a:spcPct val="90000"/>
-              </a:lnSpc>
-              <a:spcBef>
-                <a:spcPts val="375"/>
-              </a:spcBef>
-              <a:buFont typeface="Arial" panose="020B0604020202020204" pitchFamily="34" charset="0"/>
-              <a:buChar char="•"/>
-              <a:defRPr sz="1500" kern="1200">
-                <a:solidFill>
-                  <a:schemeClr val="tx1"/>
-                </a:solidFill>
-                <a:latin typeface="Neris Thin" panose="00000300000000000000" pitchFamily="50" charset="0"/>
-                <a:ea typeface="+mn-ea"/>
-                <a:cs typeface="+mn-cs"/>
-              </a:defRPr>
-            </a:lvl3pPr>
-            <a:lvl4pPr marL="1200150" indent="-171450" algn="l" defTabSz="685800" rtl="0" eaLnBrk="1" latinLnBrk="0" hangingPunct="1">
-              <a:lnSpc>
-                <a:spcPct val="90000"/>
-              </a:lnSpc>
-              <a:spcBef>
-                <a:spcPts val="375"/>
-              </a:spcBef>
-              <a:buFont typeface="Arial" panose="020B0604020202020204" pitchFamily="34" charset="0"/>
-              <a:buChar char="•"/>
-              <a:defRPr sz="1350" kern="1200">
-                <a:solidFill>
-                  <a:schemeClr val="tx1"/>
-                </a:solidFill>
-                <a:latin typeface="Neris Thin" panose="00000300000000000000" pitchFamily="50" charset="0"/>
-                <a:ea typeface="+mn-ea"/>
-                <a:cs typeface="+mn-cs"/>
-              </a:defRPr>
-            </a:lvl4pPr>
-            <a:lvl5pPr marL="1543050" indent="-171450" algn="l" defTabSz="685800" rtl="0" eaLnBrk="1" latinLnBrk="0" hangingPunct="1">
-              <a:lnSpc>
-                <a:spcPct val="90000"/>
-              </a:lnSpc>
-              <a:spcBef>
-                <a:spcPts val="375"/>
-              </a:spcBef>
-              <a:buFont typeface="Arial" panose="020B0604020202020204" pitchFamily="34" charset="0"/>
-              <a:buChar char="•"/>
-              <a:defRPr sz="1350" kern="1200">
-                <a:solidFill>
-                  <a:schemeClr val="tx1"/>
-                </a:solidFill>
-                <a:latin typeface="Neris Thin" panose="00000300000000000000" pitchFamily="50" charset="0"/>
-                <a:ea typeface="+mn-ea"/>
-                <a:cs typeface="+mn-cs"/>
-              </a:defRPr>
-            </a:lvl5pPr>
-            <a:lvl6pPr marL="1885950" indent="-171450" algn="l" defTabSz="685800" rtl="0" eaLnBrk="1" latinLnBrk="0" hangingPunct="1">
-              <a:lnSpc>
-                <a:spcPct val="90000"/>
-              </a:lnSpc>
-              <a:spcBef>
-                <a:spcPts val="375"/>
-              </a:spcBef>
-              <a:buFont typeface="Arial" panose="020B0604020202020204" pitchFamily="34" charset="0"/>
-              <a:buChar char="•"/>
-              <a:defRPr sz="1350" kern="1200">
-                <a:solidFill>
-                  <a:schemeClr val="tx1"/>
-                </a:solidFill>
-                <a:latin typeface="+mn-lt"/>
-                <a:ea typeface="+mn-ea"/>
-                <a:cs typeface="+mn-cs"/>
-              </a:defRPr>
-            </a:lvl6pPr>
-            <a:lvl7pPr marL="2228850" indent="-171450" algn="l" defTabSz="685800" rtl="0" eaLnBrk="1" latinLnBrk="0" hangingPunct="1">
-              <a:lnSpc>
-                <a:spcPct val="90000"/>
-              </a:lnSpc>
-              <a:spcBef>
-                <a:spcPts val="375"/>
-              </a:spcBef>
-              <a:buFont typeface="Arial" panose="020B0604020202020204" pitchFamily="34" charset="0"/>
-              <a:buChar char="•"/>
-              <a:defRPr sz="1350" kern="1200">
-                <a:solidFill>
-                  <a:schemeClr val="tx1"/>
-                </a:solidFill>
-                <a:latin typeface="+mn-lt"/>
-                <a:ea typeface="+mn-ea"/>
-                <a:cs typeface="+mn-cs"/>
-              </a:defRPr>
-            </a:lvl7pPr>
-            <a:lvl8pPr marL="2571750" indent="-171450" algn="l" defTabSz="685800" rtl="0" eaLnBrk="1" latinLnBrk="0" hangingPunct="1">
-              <a:lnSpc>
-                <a:spcPct val="90000"/>
-              </a:lnSpc>
-              <a:spcBef>
-                <a:spcPts val="375"/>
-              </a:spcBef>
-              <a:buFont typeface="Arial" panose="020B0604020202020204" pitchFamily="34" charset="0"/>
-              <a:buChar char="•"/>
-              <a:defRPr sz="1350" kern="1200">
-                <a:solidFill>
-                  <a:schemeClr val="tx1"/>
-                </a:solidFill>
-                <a:latin typeface="+mn-lt"/>
-                <a:ea typeface="+mn-ea"/>
-                <a:cs typeface="+mn-cs"/>
-              </a:defRPr>
-            </a:lvl8pPr>
-            <a:lvl9pPr marL="2914650" indent="-171450" algn="l" defTabSz="685800" rtl="0" eaLnBrk="1" latinLnBrk="0" hangingPunct="1">
-              <a:lnSpc>
-                <a:spcPct val="90000"/>
-              </a:lnSpc>
-              <a:spcBef>
-                <a:spcPts val="375"/>
-              </a:spcBef>
-              <a:buFont typeface="Arial" panose="020B0604020202020204" pitchFamily="34" charset="0"/>
-              <a:buChar char="•"/>
-              <a:defRPr sz="1350" kern="1200">
-                <a:solidFill>
-                  <a:schemeClr val="tx1"/>
-                </a:solidFill>
-                <a:latin typeface="+mn-lt"/>
-                <a:ea typeface="+mn-ea"/>
-                <a:cs typeface="+mn-cs"/>
-              </a:defRPr>
-            </a:lvl9pPr>
-          </a:lstStyle>
-          <a:p>
-            <a:pPr>
-              <a:lnSpc>
-                <a:spcPct val="100000"/>
-              </a:lnSpc>
-              <a:spcBef>
-                <a:spcPts val="0"/>
-              </a:spcBef>
-            </a:pPr>
-            <a:endParaRPr lang="en-IN" sz="1400" dirty="0">
-              <a:solidFill>
-                <a:schemeClr val="tx1">
-                  <a:lumMod val="75000"/>
-                  <a:lumOff val="25000"/>
-                </a:schemeClr>
-              </a:solidFill>
-            </a:endParaRPr>
-          </a:p>
-          <a:p>
-            <a:pPr marL="0" indent="0">
-              <a:lnSpc>
-                <a:spcPct val="100000"/>
-              </a:lnSpc>
-              <a:spcBef>
-                <a:spcPts val="0"/>
-              </a:spcBef>
-              <a:buNone/>
-            </a:pPr>
-            <a:endParaRPr lang="en-US" sz="1400" dirty="0">
-              <a:solidFill>
-                <a:schemeClr val="tx1">
-                  <a:lumMod val="75000"/>
-                  <a:lumOff val="25000"/>
-                </a:schemeClr>
-              </a:solidFill>
-            </a:endParaRPr>
-          </a:p>
-        </p:txBody>
-      </p:sp>
-      <p:sp>
-        <p:nvSpPr>
-          <p:cNvPr id="54" name="Rounded Rectangle 53">
-            <a:extLst>
-              <a:ext uri="{FF2B5EF4-FFF2-40B4-BE49-F238E27FC236}">
-                <a16:creationId xmlns:a16="http://schemas.microsoft.com/office/drawing/2014/main" id="{FDBB8EDE-A78B-224C-BE6E-E046C543903D}"/>
-              </a:ext>
-            </a:extLst>
-          </p:cNvPr>
-          <p:cNvSpPr/>
-          <p:nvPr/>
-        </p:nvSpPr>
-        <p:spPr>
-          <a:xfrm>
-            <a:off x="4475252" y="5142046"/>
-            <a:ext cx="604695" cy="604695"/>
-          </a:xfrm>
-          <a:prstGeom prst="roundRect">
-            <a:avLst>
-              <a:gd name="adj" fmla="val 16554"/>
-            </a:avLst>
-          </a:prstGeom>
-          <a:solidFill>
-            <a:schemeClr val="accent5"/>
-          </a:solidFill>
-          <a:ln w="12700" cap="flat" cmpd="sng" algn="ctr">
-            <a:noFill/>
-            <a:prstDash val="solid"/>
-            <a:miter lim="800000"/>
-          </a:ln>
-          <a:effectLst/>
-        </p:spPr>
-        <p:txBody>
-          <a:bodyPr lIns="0" tIns="0" rIns="0" bIns="0" rtlCol="0" anchor="ctr"/>
-          <a:lstStyle/>
-          <a:p>
-            <a:pPr marL="0" marR="0" lvl="0" indent="0" algn="ctr" defTabSz="914340" eaLnBrk="1" fontAlgn="auto" latinLnBrk="0" hangingPunct="1">
-              <a:lnSpc>
-                <a:spcPct val="100000"/>
-              </a:lnSpc>
-              <a:spcBef>
-                <a:spcPts val="0"/>
-              </a:spcBef>
-              <a:spcAft>
-                <a:spcPts val="0"/>
-              </a:spcAft>
-              <a:buClrTx/>
-              <a:buSzTx/>
-              <a:buFontTx/>
-              <a:buNone/>
-              <a:tabLst/>
-              <a:defRPr/>
-            </a:pPr>
-            <a:endParaRPr kumimoji="0" lang="en-US" sz="1800" b="0" i="0" u="none" strike="noStrike" kern="0" cap="none" spc="0" normalizeH="0" baseline="0" noProof="0" dirty="0">
-              <a:ln>
-                <a:noFill/>
-              </a:ln>
-              <a:solidFill>
-                <a:srgbClr val="FFFFFF"/>
-              </a:solidFill>
-              <a:effectLst/>
-              <a:uLnTx/>
-              <a:uFillTx/>
-            </a:endParaRPr>
-          </a:p>
-        </p:txBody>
-      </p:sp>
-      <p:sp>
-        <p:nvSpPr>
-          <p:cNvPr id="7" name="Rectangle 6">
-            <a:extLst>
-              <a:ext uri="{FF2B5EF4-FFF2-40B4-BE49-F238E27FC236}">
-                <a16:creationId xmlns:a16="http://schemas.microsoft.com/office/drawing/2014/main" id="{0439EEED-2DAD-B847-B962-82EDEED8B966}"/>
-              </a:ext>
-            </a:extLst>
-          </p:cNvPr>
-          <p:cNvSpPr/>
-          <p:nvPr/>
-        </p:nvSpPr>
-        <p:spPr>
-          <a:xfrm>
-            <a:off x="328498" y="6144768"/>
-            <a:ext cx="1634548" cy="597408"/>
-          </a:xfrm>
-          <a:prstGeom prst="rect">
-            <a:avLst/>
-          </a:prstGeom>
-          <a:solidFill>
-            <a:schemeClr val="bg1"/>
-          </a:solidFill>
-          <a:ln>
-            <a:solidFill>
-              <a:schemeClr val="bg1"/>
-            </a:solidFill>
-          </a:ln>
-        </p:spPr>
-        <p:style>
-          <a:lnRef idx="2">
-            <a:schemeClr val="accent1">
-              <a:shade val="50000"/>
-            </a:schemeClr>
-          </a:lnRef>
-          <a:fillRef idx="1">
-            <a:schemeClr val="accent1"/>
-          </a:fillRef>
-          <a:effectRef idx="0">
-            <a:schemeClr val="accent1"/>
-          </a:effectRef>
-          <a:fontRef idx="minor">
-            <a:schemeClr val="lt1"/>
-          </a:fontRef>
-        </p:style>
-        <p:txBody>
-          <a:bodyPr rtlCol="0" anchor="ctr"/>
-          <a:lstStyle/>
-          <a:p>
-            <a:pPr algn="ctr"/>
-            <a:endParaRPr lang="en-US"/>
-          </a:p>
-        </p:txBody>
-      </p:sp>
-      <p:sp>
-        <p:nvSpPr>
-          <p:cNvPr id="58" name="TextBox 57">
-            <a:extLst>
-              <a:ext uri="{FF2B5EF4-FFF2-40B4-BE49-F238E27FC236}">
-                <a16:creationId xmlns:a16="http://schemas.microsoft.com/office/drawing/2014/main" id="{368FC10C-2AD3-374A-A81A-BC39F3E5C36E}"/>
-              </a:ext>
-            </a:extLst>
-          </p:cNvPr>
-          <p:cNvSpPr txBox="1"/>
-          <p:nvPr/>
-        </p:nvSpPr>
-        <p:spPr>
-          <a:xfrm>
-            <a:off x="6833645" y="4175335"/>
-            <a:ext cx="3576170" cy="553998"/>
-          </a:xfrm>
-          <a:prstGeom prst="rect">
-            <a:avLst/>
-          </a:prstGeom>
-          <a:noFill/>
-        </p:spPr>
-        <p:txBody>
-          <a:bodyPr wrap="square" lIns="0" tIns="0" rIns="0" bIns="0" rtlCol="0" anchor="ctr">
-            <a:spAutoFit/>
-          </a:bodyPr>
-          <a:lstStyle/>
-          <a:p>
-            <a:pPr algn="ctr"/>
-            <a:r>
-              <a:rPr lang="en-IN" b="1" dirty="0">
-                <a:solidFill>
-                  <a:srgbClr val="FFC000"/>
-                </a:solidFill>
-              </a:rPr>
-              <a:t>Integration with  third party apps to enhance privacy and security </a:t>
-            </a:r>
-            <a:endParaRPr lang="en-US" b="1" dirty="0">
-              <a:solidFill>
-                <a:srgbClr val="FFC000"/>
-              </a:solidFill>
-            </a:endParaRPr>
-          </a:p>
-        </p:txBody>
-      </p:sp>
-      <p:sp>
-        <p:nvSpPr>
-          <p:cNvPr id="59" name="Text Placeholder 32">
-            <a:extLst>
-              <a:ext uri="{FF2B5EF4-FFF2-40B4-BE49-F238E27FC236}">
-                <a16:creationId xmlns:a16="http://schemas.microsoft.com/office/drawing/2014/main" id="{AB064D8F-8484-0C4C-B276-8EA22923C3CE}"/>
-              </a:ext>
-            </a:extLst>
-          </p:cNvPr>
-          <p:cNvSpPr txBox="1">
-            <a:spLocks/>
-          </p:cNvSpPr>
-          <p:nvPr/>
-        </p:nvSpPr>
-        <p:spPr>
-          <a:xfrm>
-            <a:off x="6980027" y="4323988"/>
-            <a:ext cx="3113098" cy="1238934"/>
-          </a:xfrm>
-          <a:prstGeom prst="rect">
-            <a:avLst/>
-          </a:prstGeom>
-        </p:spPr>
-        <p:txBody>
-          <a:bodyPr lIns="0" tIns="0" rIns="0" bIns="0">
-            <a:noAutofit/>
-          </a:bodyPr>
-          <a:lstStyle>
-            <a:lvl1pPr marL="171450" indent="-171450" algn="l" defTabSz="685800" rtl="0" eaLnBrk="1" latinLnBrk="0" hangingPunct="1">
-              <a:lnSpc>
-                <a:spcPct val="90000"/>
-              </a:lnSpc>
-              <a:spcBef>
-                <a:spcPts val="750"/>
-              </a:spcBef>
-              <a:buFont typeface="Arial" panose="020B0604020202020204" pitchFamily="34" charset="0"/>
-              <a:buChar char="•"/>
-              <a:defRPr sz="2100" kern="1200">
-                <a:solidFill>
-                  <a:schemeClr val="tx1"/>
-                </a:solidFill>
-                <a:latin typeface="Neris Thin" panose="00000300000000000000" pitchFamily="50" charset="0"/>
-                <a:ea typeface="+mn-ea"/>
-                <a:cs typeface="+mn-cs"/>
-              </a:defRPr>
-            </a:lvl1pPr>
-            <a:lvl2pPr marL="514350" indent="-171450" algn="l" defTabSz="685800" rtl="0" eaLnBrk="1" latinLnBrk="0" hangingPunct="1">
-              <a:lnSpc>
-                <a:spcPct val="90000"/>
-              </a:lnSpc>
-              <a:spcBef>
-                <a:spcPts val="375"/>
-              </a:spcBef>
-              <a:buFont typeface="Arial" panose="020B0604020202020204" pitchFamily="34" charset="0"/>
-              <a:buChar char="•"/>
-              <a:defRPr sz="1800" kern="1200">
-                <a:solidFill>
-                  <a:schemeClr val="tx1"/>
-                </a:solidFill>
-                <a:latin typeface="Neris Thin" panose="00000300000000000000" pitchFamily="50" charset="0"/>
-                <a:ea typeface="+mn-ea"/>
-                <a:cs typeface="+mn-cs"/>
-              </a:defRPr>
-            </a:lvl2pPr>
-            <a:lvl3pPr marL="857250" indent="-171450" algn="l" defTabSz="685800" rtl="0" eaLnBrk="1" latinLnBrk="0" hangingPunct="1">
-              <a:lnSpc>
-                <a:spcPct val="90000"/>
-              </a:lnSpc>
-              <a:spcBef>
-                <a:spcPts val="375"/>
-              </a:spcBef>
-              <a:buFont typeface="Arial" panose="020B0604020202020204" pitchFamily="34" charset="0"/>
-              <a:buChar char="•"/>
-              <a:defRPr sz="1500" kern="1200">
-                <a:solidFill>
-                  <a:schemeClr val="tx1"/>
-                </a:solidFill>
-                <a:latin typeface="Neris Thin" panose="00000300000000000000" pitchFamily="50" charset="0"/>
-                <a:ea typeface="+mn-ea"/>
-                <a:cs typeface="+mn-cs"/>
-              </a:defRPr>
-            </a:lvl3pPr>
-            <a:lvl4pPr marL="1200150" indent="-171450" algn="l" defTabSz="685800" rtl="0" eaLnBrk="1" latinLnBrk="0" hangingPunct="1">
-              <a:lnSpc>
-                <a:spcPct val="90000"/>
-              </a:lnSpc>
-              <a:spcBef>
-                <a:spcPts val="375"/>
-              </a:spcBef>
-              <a:buFont typeface="Arial" panose="020B0604020202020204" pitchFamily="34" charset="0"/>
-              <a:buChar char="•"/>
-              <a:defRPr sz="1350" kern="1200">
-                <a:solidFill>
-                  <a:schemeClr val="tx1"/>
-                </a:solidFill>
-                <a:latin typeface="Neris Thin" panose="00000300000000000000" pitchFamily="50" charset="0"/>
-                <a:ea typeface="+mn-ea"/>
-                <a:cs typeface="+mn-cs"/>
-              </a:defRPr>
-            </a:lvl4pPr>
-            <a:lvl5pPr marL="1543050" indent="-171450" algn="l" defTabSz="685800" rtl="0" eaLnBrk="1" latinLnBrk="0" hangingPunct="1">
-              <a:lnSpc>
-                <a:spcPct val="90000"/>
-              </a:lnSpc>
-              <a:spcBef>
-                <a:spcPts val="375"/>
-              </a:spcBef>
-              <a:buFont typeface="Arial" panose="020B0604020202020204" pitchFamily="34" charset="0"/>
-              <a:buChar char="•"/>
-              <a:defRPr sz="1350" kern="1200">
-                <a:solidFill>
-                  <a:schemeClr val="tx1"/>
-                </a:solidFill>
-                <a:latin typeface="Neris Thin" panose="00000300000000000000" pitchFamily="50" charset="0"/>
-                <a:ea typeface="+mn-ea"/>
-                <a:cs typeface="+mn-cs"/>
-              </a:defRPr>
-            </a:lvl5pPr>
-            <a:lvl6pPr marL="1885950" indent="-171450" algn="l" defTabSz="685800" rtl="0" eaLnBrk="1" latinLnBrk="0" hangingPunct="1">
-              <a:lnSpc>
-                <a:spcPct val="90000"/>
-              </a:lnSpc>
-              <a:spcBef>
-                <a:spcPts val="375"/>
-              </a:spcBef>
-              <a:buFont typeface="Arial" panose="020B0604020202020204" pitchFamily="34" charset="0"/>
-              <a:buChar char="•"/>
-              <a:defRPr sz="1350" kern="1200">
-                <a:solidFill>
-                  <a:schemeClr val="tx1"/>
-                </a:solidFill>
-                <a:latin typeface="+mn-lt"/>
-                <a:ea typeface="+mn-ea"/>
-                <a:cs typeface="+mn-cs"/>
-              </a:defRPr>
-            </a:lvl6pPr>
-            <a:lvl7pPr marL="2228850" indent="-171450" algn="l" defTabSz="685800" rtl="0" eaLnBrk="1" latinLnBrk="0" hangingPunct="1">
-              <a:lnSpc>
-                <a:spcPct val="90000"/>
-              </a:lnSpc>
-              <a:spcBef>
-                <a:spcPts val="375"/>
-              </a:spcBef>
-              <a:buFont typeface="Arial" panose="020B0604020202020204" pitchFamily="34" charset="0"/>
-              <a:buChar char="•"/>
-              <a:defRPr sz="1350" kern="1200">
-                <a:solidFill>
-                  <a:schemeClr val="tx1"/>
-                </a:solidFill>
-                <a:latin typeface="+mn-lt"/>
-                <a:ea typeface="+mn-ea"/>
-                <a:cs typeface="+mn-cs"/>
-              </a:defRPr>
-            </a:lvl7pPr>
-            <a:lvl8pPr marL="2571750" indent="-171450" algn="l" defTabSz="685800" rtl="0" eaLnBrk="1" latinLnBrk="0" hangingPunct="1">
-              <a:lnSpc>
-                <a:spcPct val="90000"/>
-              </a:lnSpc>
-              <a:spcBef>
-                <a:spcPts val="375"/>
-              </a:spcBef>
-              <a:buFont typeface="Arial" panose="020B0604020202020204" pitchFamily="34" charset="0"/>
-              <a:buChar char="•"/>
-              <a:defRPr sz="1350" kern="1200">
-                <a:solidFill>
-                  <a:schemeClr val="tx1"/>
-                </a:solidFill>
-                <a:latin typeface="+mn-lt"/>
-                <a:ea typeface="+mn-ea"/>
-                <a:cs typeface="+mn-cs"/>
-              </a:defRPr>
-            </a:lvl8pPr>
-            <a:lvl9pPr marL="2914650" indent="-171450" algn="l" defTabSz="685800" rtl="0" eaLnBrk="1" latinLnBrk="0" hangingPunct="1">
-              <a:lnSpc>
-                <a:spcPct val="90000"/>
-              </a:lnSpc>
-              <a:spcBef>
-                <a:spcPts val="375"/>
-              </a:spcBef>
-              <a:buFont typeface="Arial" panose="020B0604020202020204" pitchFamily="34" charset="0"/>
-              <a:buChar char="•"/>
-              <a:defRPr sz="1350" kern="1200">
-                <a:solidFill>
-                  <a:schemeClr val="tx1"/>
-                </a:solidFill>
-                <a:latin typeface="+mn-lt"/>
-                <a:ea typeface="+mn-ea"/>
-                <a:cs typeface="+mn-cs"/>
-              </a:defRPr>
-            </a:lvl9pPr>
-          </a:lstStyle>
-          <a:p>
-            <a:pPr marL="0" indent="0">
-              <a:lnSpc>
-                <a:spcPct val="100000"/>
-              </a:lnSpc>
-              <a:spcBef>
-                <a:spcPts val="0"/>
-              </a:spcBef>
-              <a:buNone/>
-            </a:pPr>
-            <a:endParaRPr lang="en-US" sz="1400" dirty="0">
-              <a:solidFill>
-                <a:schemeClr val="tx1">
-                  <a:lumMod val="75000"/>
-                  <a:lumOff val="25000"/>
-                </a:schemeClr>
-              </a:solidFill>
-            </a:endParaRPr>
-          </a:p>
-        </p:txBody>
-      </p:sp>
-      <p:sp>
-        <p:nvSpPr>
-          <p:cNvPr id="60" name="Rounded Rectangle 59">
-            <a:extLst>
-              <a:ext uri="{FF2B5EF4-FFF2-40B4-BE49-F238E27FC236}">
-                <a16:creationId xmlns:a16="http://schemas.microsoft.com/office/drawing/2014/main" id="{168D99F7-7583-5B48-B010-0B8D5EC5E8E9}"/>
-              </a:ext>
-            </a:extLst>
-          </p:cNvPr>
-          <p:cNvSpPr/>
-          <p:nvPr/>
-        </p:nvSpPr>
-        <p:spPr>
-          <a:xfrm>
-            <a:off x="6113197" y="4094142"/>
-            <a:ext cx="604695" cy="604695"/>
-          </a:xfrm>
-          <a:prstGeom prst="roundRect">
-            <a:avLst>
-              <a:gd name="adj" fmla="val 16554"/>
-            </a:avLst>
-          </a:prstGeom>
-          <a:solidFill>
-            <a:srgbClr val="FFC000"/>
-          </a:solidFill>
-          <a:ln w="12700" cap="flat" cmpd="sng" algn="ctr">
-            <a:noFill/>
-            <a:prstDash val="solid"/>
-            <a:miter lim="800000"/>
-          </a:ln>
-          <a:effectLst/>
-        </p:spPr>
-        <p:txBody>
-          <a:bodyPr lIns="0" tIns="0" rIns="0" bIns="0" rtlCol="0" anchor="ctr"/>
-          <a:lstStyle/>
-          <a:p>
-            <a:pPr marL="0" marR="0" lvl="0" indent="0" algn="ctr" defTabSz="914340" eaLnBrk="1" fontAlgn="auto" latinLnBrk="0" hangingPunct="1">
-              <a:lnSpc>
-                <a:spcPct val="100000"/>
-              </a:lnSpc>
-              <a:spcBef>
-                <a:spcPts val="0"/>
-              </a:spcBef>
-              <a:spcAft>
-                <a:spcPts val="0"/>
-              </a:spcAft>
-              <a:buClrTx/>
-              <a:buSzTx/>
-              <a:buFontTx/>
-              <a:buNone/>
-              <a:tabLst/>
-              <a:defRPr/>
-            </a:pPr>
-            <a:endParaRPr kumimoji="0" lang="en-US" sz="1800" b="0" i="0" u="none" strike="noStrike" kern="0" cap="none" spc="0" normalizeH="0" baseline="0" noProof="0" dirty="0">
-              <a:ln>
-                <a:noFill/>
-              </a:ln>
-              <a:solidFill>
-                <a:srgbClr val="FFFFFF"/>
-              </a:solidFill>
-              <a:effectLst/>
-              <a:uLnTx/>
-              <a:uFillTx/>
-            </a:endParaRPr>
-          </a:p>
-        </p:txBody>
-      </p:sp>
-      <p:sp>
-        <p:nvSpPr>
-          <p:cNvPr id="61" name="TextBox 60">
-            <a:extLst>
-              <a:ext uri="{FF2B5EF4-FFF2-40B4-BE49-F238E27FC236}">
-                <a16:creationId xmlns:a16="http://schemas.microsoft.com/office/drawing/2014/main" id="{9297DA04-A251-914A-9E58-9163E14E3DC5}"/>
-              </a:ext>
-            </a:extLst>
-          </p:cNvPr>
-          <p:cNvSpPr txBox="1"/>
-          <p:nvPr/>
-        </p:nvSpPr>
-        <p:spPr>
-          <a:xfrm flipH="1">
-            <a:off x="1810081" y="4106047"/>
-            <a:ext cx="2238949" cy="553998"/>
-          </a:xfrm>
-          <a:prstGeom prst="rect">
-            <a:avLst/>
-          </a:prstGeom>
-          <a:noFill/>
-        </p:spPr>
-        <p:txBody>
-          <a:bodyPr wrap="square" lIns="0" tIns="0" rIns="0" bIns="0" rtlCol="0" anchor="ctr">
-            <a:spAutoFit/>
-          </a:bodyPr>
-          <a:lstStyle/>
-          <a:p>
-            <a:pPr algn="ctr"/>
-            <a:r>
-              <a:rPr lang="en-US" b="1" dirty="0">
-                <a:solidFill>
-                  <a:srgbClr val="00B050"/>
-                </a:solidFill>
-              </a:rPr>
-              <a:t>Safeguard from cyber violence</a:t>
-            </a:r>
-          </a:p>
-        </p:txBody>
-      </p:sp>
-      <p:sp>
-        <p:nvSpPr>
-          <p:cNvPr id="62" name="Text Placeholder 32">
-            <a:extLst>
-              <a:ext uri="{FF2B5EF4-FFF2-40B4-BE49-F238E27FC236}">
-                <a16:creationId xmlns:a16="http://schemas.microsoft.com/office/drawing/2014/main" id="{5C1DD2BE-5B80-AD42-AFA7-7267BA47A07F}"/>
-              </a:ext>
-            </a:extLst>
-          </p:cNvPr>
-          <p:cNvSpPr txBox="1">
-            <a:spLocks/>
-          </p:cNvSpPr>
-          <p:nvPr/>
-        </p:nvSpPr>
-        <p:spPr>
-          <a:xfrm flipH="1">
-            <a:off x="1424154" y="5955420"/>
-            <a:ext cx="3212572" cy="970924"/>
-          </a:xfrm>
-          <a:prstGeom prst="rect">
-            <a:avLst/>
-          </a:prstGeom>
-        </p:spPr>
-        <p:txBody>
-          <a:bodyPr lIns="0" tIns="0" rIns="0" bIns="0">
-            <a:noAutofit/>
-          </a:bodyPr>
-          <a:lstStyle>
-            <a:lvl1pPr marL="171450" indent="-171450" algn="l" defTabSz="685800" rtl="0" eaLnBrk="1" latinLnBrk="0" hangingPunct="1">
-              <a:lnSpc>
-                <a:spcPct val="90000"/>
-              </a:lnSpc>
-              <a:spcBef>
-                <a:spcPts val="750"/>
-              </a:spcBef>
-              <a:buFont typeface="Arial" panose="020B0604020202020204" pitchFamily="34" charset="0"/>
-              <a:buChar char="•"/>
-              <a:defRPr sz="2100" kern="1200">
-                <a:solidFill>
-                  <a:schemeClr val="tx1"/>
-                </a:solidFill>
-                <a:latin typeface="Neris Thin" panose="00000300000000000000" pitchFamily="50" charset="0"/>
-                <a:ea typeface="+mn-ea"/>
-                <a:cs typeface="+mn-cs"/>
-              </a:defRPr>
-            </a:lvl1pPr>
-            <a:lvl2pPr marL="514350" indent="-171450" algn="l" defTabSz="685800" rtl="0" eaLnBrk="1" latinLnBrk="0" hangingPunct="1">
-              <a:lnSpc>
-                <a:spcPct val="90000"/>
-              </a:lnSpc>
-              <a:spcBef>
-                <a:spcPts val="375"/>
-              </a:spcBef>
-              <a:buFont typeface="Arial" panose="020B0604020202020204" pitchFamily="34" charset="0"/>
-              <a:buChar char="•"/>
-              <a:defRPr sz="1800" kern="1200">
-                <a:solidFill>
-                  <a:schemeClr val="tx1"/>
-                </a:solidFill>
-                <a:latin typeface="Neris Thin" panose="00000300000000000000" pitchFamily="50" charset="0"/>
-                <a:ea typeface="+mn-ea"/>
-                <a:cs typeface="+mn-cs"/>
-              </a:defRPr>
-            </a:lvl2pPr>
-            <a:lvl3pPr marL="857250" indent="-171450" algn="l" defTabSz="685800" rtl="0" eaLnBrk="1" latinLnBrk="0" hangingPunct="1">
-              <a:lnSpc>
-                <a:spcPct val="90000"/>
-              </a:lnSpc>
-              <a:spcBef>
-                <a:spcPts val="375"/>
-              </a:spcBef>
-              <a:buFont typeface="Arial" panose="020B0604020202020204" pitchFamily="34" charset="0"/>
-              <a:buChar char="•"/>
-              <a:defRPr sz="1500" kern="1200">
-                <a:solidFill>
-                  <a:schemeClr val="tx1"/>
-                </a:solidFill>
-                <a:latin typeface="Neris Thin" panose="00000300000000000000" pitchFamily="50" charset="0"/>
-                <a:ea typeface="+mn-ea"/>
-                <a:cs typeface="+mn-cs"/>
-              </a:defRPr>
-            </a:lvl3pPr>
-            <a:lvl4pPr marL="1200150" indent="-171450" algn="l" defTabSz="685800" rtl="0" eaLnBrk="1" latinLnBrk="0" hangingPunct="1">
-              <a:lnSpc>
-                <a:spcPct val="90000"/>
-              </a:lnSpc>
-              <a:spcBef>
-                <a:spcPts val="375"/>
-              </a:spcBef>
-              <a:buFont typeface="Arial" panose="020B0604020202020204" pitchFamily="34" charset="0"/>
-              <a:buChar char="•"/>
-              <a:defRPr sz="1350" kern="1200">
-                <a:solidFill>
-                  <a:schemeClr val="tx1"/>
-                </a:solidFill>
-                <a:latin typeface="Neris Thin" panose="00000300000000000000" pitchFamily="50" charset="0"/>
-                <a:ea typeface="+mn-ea"/>
-                <a:cs typeface="+mn-cs"/>
-              </a:defRPr>
-            </a:lvl4pPr>
-            <a:lvl5pPr marL="1543050" indent="-171450" algn="l" defTabSz="685800" rtl="0" eaLnBrk="1" latinLnBrk="0" hangingPunct="1">
-              <a:lnSpc>
-                <a:spcPct val="90000"/>
-              </a:lnSpc>
-              <a:spcBef>
-                <a:spcPts val="375"/>
-              </a:spcBef>
-              <a:buFont typeface="Arial" panose="020B0604020202020204" pitchFamily="34" charset="0"/>
-              <a:buChar char="•"/>
-              <a:defRPr sz="1350" kern="1200">
-                <a:solidFill>
-                  <a:schemeClr val="tx1"/>
-                </a:solidFill>
-                <a:latin typeface="Neris Thin" panose="00000300000000000000" pitchFamily="50" charset="0"/>
-                <a:ea typeface="+mn-ea"/>
-                <a:cs typeface="+mn-cs"/>
-              </a:defRPr>
-            </a:lvl5pPr>
-            <a:lvl6pPr marL="1885950" indent="-171450" algn="l" defTabSz="685800" rtl="0" eaLnBrk="1" latinLnBrk="0" hangingPunct="1">
-              <a:lnSpc>
-                <a:spcPct val="90000"/>
-              </a:lnSpc>
-              <a:spcBef>
-                <a:spcPts val="375"/>
-              </a:spcBef>
-              <a:buFont typeface="Arial" panose="020B0604020202020204" pitchFamily="34" charset="0"/>
-              <a:buChar char="•"/>
-              <a:defRPr sz="1350" kern="1200">
-                <a:solidFill>
-                  <a:schemeClr val="tx1"/>
-                </a:solidFill>
-                <a:latin typeface="+mn-lt"/>
-                <a:ea typeface="+mn-ea"/>
-                <a:cs typeface="+mn-cs"/>
-              </a:defRPr>
-            </a:lvl6pPr>
-            <a:lvl7pPr marL="2228850" indent="-171450" algn="l" defTabSz="685800" rtl="0" eaLnBrk="1" latinLnBrk="0" hangingPunct="1">
-              <a:lnSpc>
-                <a:spcPct val="90000"/>
-              </a:lnSpc>
-              <a:spcBef>
-                <a:spcPts val="375"/>
-              </a:spcBef>
-              <a:buFont typeface="Arial" panose="020B0604020202020204" pitchFamily="34" charset="0"/>
-              <a:buChar char="•"/>
-              <a:defRPr sz="1350" kern="1200">
-                <a:solidFill>
-                  <a:schemeClr val="tx1"/>
-                </a:solidFill>
-                <a:latin typeface="+mn-lt"/>
-                <a:ea typeface="+mn-ea"/>
-                <a:cs typeface="+mn-cs"/>
-              </a:defRPr>
-            </a:lvl7pPr>
-            <a:lvl8pPr marL="2571750" indent="-171450" algn="l" defTabSz="685800" rtl="0" eaLnBrk="1" latinLnBrk="0" hangingPunct="1">
-              <a:lnSpc>
-                <a:spcPct val="90000"/>
-              </a:lnSpc>
-              <a:spcBef>
-                <a:spcPts val="375"/>
-              </a:spcBef>
-              <a:buFont typeface="Arial" panose="020B0604020202020204" pitchFamily="34" charset="0"/>
-              <a:buChar char="•"/>
-              <a:defRPr sz="1350" kern="1200">
-                <a:solidFill>
-                  <a:schemeClr val="tx1"/>
-                </a:solidFill>
-                <a:latin typeface="+mn-lt"/>
-                <a:ea typeface="+mn-ea"/>
-                <a:cs typeface="+mn-cs"/>
-              </a:defRPr>
-            </a:lvl8pPr>
-            <a:lvl9pPr marL="2914650" indent="-171450" algn="l" defTabSz="685800" rtl="0" eaLnBrk="1" latinLnBrk="0" hangingPunct="1">
-              <a:lnSpc>
-                <a:spcPct val="90000"/>
-              </a:lnSpc>
-              <a:spcBef>
-                <a:spcPts val="375"/>
-              </a:spcBef>
-              <a:buFont typeface="Arial" panose="020B0604020202020204" pitchFamily="34" charset="0"/>
-              <a:buChar char="•"/>
-              <a:defRPr sz="1350" kern="1200">
-                <a:solidFill>
-                  <a:schemeClr val="tx1"/>
-                </a:solidFill>
-                <a:latin typeface="+mn-lt"/>
-                <a:ea typeface="+mn-ea"/>
-                <a:cs typeface="+mn-cs"/>
-              </a:defRPr>
-            </a:lvl9pPr>
-          </a:lstStyle>
-          <a:p>
-            <a:endParaRPr lang="en-IN" sz="1400" dirty="0">
-              <a:solidFill>
-                <a:schemeClr val="tx1">
-                  <a:lumMod val="75000"/>
-                  <a:lumOff val="25000"/>
-                </a:schemeClr>
-              </a:solidFill>
-            </a:endParaRPr>
-          </a:p>
-          <a:p>
-            <a:pPr marL="0" indent="0" algn="r">
-              <a:lnSpc>
-                <a:spcPct val="100000"/>
-              </a:lnSpc>
-              <a:spcBef>
-                <a:spcPts val="0"/>
-              </a:spcBef>
-              <a:buNone/>
-            </a:pPr>
-            <a:endParaRPr lang="en-IN" sz="1400" dirty="0">
-              <a:solidFill>
-                <a:schemeClr val="tx1">
-                  <a:lumMod val="75000"/>
-                  <a:lumOff val="25000"/>
-                </a:schemeClr>
-              </a:solidFill>
-            </a:endParaRPr>
-          </a:p>
-        </p:txBody>
-      </p:sp>
-      <p:sp>
-        <p:nvSpPr>
-          <p:cNvPr id="63" name="Rounded Rectangle 62">
-            <a:extLst>
-              <a:ext uri="{FF2B5EF4-FFF2-40B4-BE49-F238E27FC236}">
-                <a16:creationId xmlns:a16="http://schemas.microsoft.com/office/drawing/2014/main" id="{7CFAA3A7-8B1A-3F47-9BEF-B2C4391F9458}"/>
-              </a:ext>
-            </a:extLst>
-          </p:cNvPr>
-          <p:cNvSpPr/>
-          <p:nvPr/>
-        </p:nvSpPr>
-        <p:spPr>
-          <a:xfrm flipH="1">
-            <a:off x="4483330" y="4111501"/>
-            <a:ext cx="604695" cy="604695"/>
-          </a:xfrm>
-          <a:prstGeom prst="roundRect">
-            <a:avLst>
-              <a:gd name="adj" fmla="val 16554"/>
-            </a:avLst>
-          </a:prstGeom>
-          <a:solidFill>
-            <a:srgbClr val="00B050"/>
-          </a:solidFill>
-          <a:ln w="12700" cap="flat" cmpd="sng" algn="ctr">
-            <a:noFill/>
-            <a:prstDash val="solid"/>
-            <a:miter lim="800000"/>
-          </a:ln>
-          <a:effectLst/>
-        </p:spPr>
-        <p:txBody>
-          <a:bodyPr lIns="0" tIns="0" rIns="0" bIns="0" rtlCol="0" anchor="ctr"/>
-          <a:lstStyle/>
-          <a:p>
-            <a:pPr marL="0" marR="0" lvl="0" indent="0" algn="ctr" defTabSz="914340" eaLnBrk="1" fontAlgn="auto" latinLnBrk="0" hangingPunct="1">
-              <a:lnSpc>
-                <a:spcPct val="100000"/>
-              </a:lnSpc>
-              <a:spcBef>
-                <a:spcPts val="0"/>
-              </a:spcBef>
-              <a:spcAft>
-                <a:spcPts val="0"/>
-              </a:spcAft>
-              <a:buClrTx/>
-              <a:buSzTx/>
-              <a:buFontTx/>
-              <a:buNone/>
-              <a:tabLst/>
-              <a:defRPr/>
-            </a:pPr>
-            <a:endParaRPr kumimoji="0" lang="en-US" sz="1800" b="0" i="0" u="none" strike="noStrike" kern="0" cap="none" spc="0" normalizeH="0" baseline="0" noProof="0" dirty="0">
-              <a:ln>
-                <a:noFill/>
-              </a:ln>
-              <a:solidFill>
-                <a:srgbClr val="FFFFFF"/>
-              </a:solidFill>
-              <a:effectLst/>
-              <a:uLnTx/>
-              <a:uFillTx/>
-            </a:endParaRPr>
-          </a:p>
-        </p:txBody>
-      </p:sp>
-      <p:sp>
-        <p:nvSpPr>
-          <p:cNvPr id="64" name="TextBox 63">
-            <a:extLst>
-              <a:ext uri="{FF2B5EF4-FFF2-40B4-BE49-F238E27FC236}">
-                <a16:creationId xmlns:a16="http://schemas.microsoft.com/office/drawing/2014/main" id="{FFDDEEC8-6E82-C844-9D4D-363A90E396E5}"/>
-              </a:ext>
-            </a:extLst>
-          </p:cNvPr>
-          <p:cNvSpPr txBox="1"/>
-          <p:nvPr/>
-        </p:nvSpPr>
-        <p:spPr>
-          <a:xfrm>
-            <a:off x="6862666" y="5061772"/>
-            <a:ext cx="3576170" cy="553998"/>
-          </a:xfrm>
-          <a:prstGeom prst="rect">
-            <a:avLst/>
-          </a:prstGeom>
-          <a:noFill/>
-        </p:spPr>
-        <p:txBody>
-          <a:bodyPr wrap="square" lIns="0" tIns="0" rIns="0" bIns="0" rtlCol="0" anchor="ctr">
-            <a:spAutoFit/>
-          </a:bodyPr>
-          <a:lstStyle/>
-          <a:p>
-            <a:pPr algn="ctr"/>
-            <a:r>
-              <a:rPr lang="en-US" b="1" dirty="0">
-                <a:solidFill>
-                  <a:srgbClr val="666666"/>
-                </a:solidFill>
-              </a:rPr>
-              <a:t>Demonstrates Microsoft’s social responsibility to address global issues</a:t>
-            </a:r>
-          </a:p>
-        </p:txBody>
-      </p:sp>
-      <p:sp>
-        <p:nvSpPr>
-          <p:cNvPr id="65" name="Text Placeholder 32">
-            <a:extLst>
-              <a:ext uri="{FF2B5EF4-FFF2-40B4-BE49-F238E27FC236}">
-                <a16:creationId xmlns:a16="http://schemas.microsoft.com/office/drawing/2014/main" id="{C29F7C4C-C4C7-5542-B2BA-BE2CC24A1433}"/>
-              </a:ext>
-            </a:extLst>
-          </p:cNvPr>
-          <p:cNvSpPr txBox="1">
-            <a:spLocks/>
-          </p:cNvSpPr>
-          <p:nvPr/>
-        </p:nvSpPr>
-        <p:spPr>
-          <a:xfrm>
-            <a:off x="6980026" y="5726651"/>
-            <a:ext cx="3113098" cy="1238934"/>
-          </a:xfrm>
-          <a:prstGeom prst="rect">
-            <a:avLst/>
-          </a:prstGeom>
-        </p:spPr>
-        <p:txBody>
-          <a:bodyPr lIns="0" tIns="0" rIns="0" bIns="0">
-            <a:noAutofit/>
-          </a:bodyPr>
-          <a:lstStyle>
-            <a:lvl1pPr marL="171450" indent="-171450" algn="l" defTabSz="685800" rtl="0" eaLnBrk="1" latinLnBrk="0" hangingPunct="1">
-              <a:lnSpc>
-                <a:spcPct val="90000"/>
-              </a:lnSpc>
-              <a:spcBef>
-                <a:spcPts val="750"/>
-              </a:spcBef>
-              <a:buFont typeface="Arial" panose="020B0604020202020204" pitchFamily="34" charset="0"/>
-              <a:buChar char="•"/>
-              <a:defRPr sz="2100" kern="1200">
-                <a:solidFill>
-                  <a:schemeClr val="tx1"/>
-                </a:solidFill>
-                <a:latin typeface="Neris Thin" panose="00000300000000000000" pitchFamily="50" charset="0"/>
-                <a:ea typeface="+mn-ea"/>
-                <a:cs typeface="+mn-cs"/>
-              </a:defRPr>
-            </a:lvl1pPr>
-            <a:lvl2pPr marL="514350" indent="-171450" algn="l" defTabSz="685800" rtl="0" eaLnBrk="1" latinLnBrk="0" hangingPunct="1">
-              <a:lnSpc>
-                <a:spcPct val="90000"/>
-              </a:lnSpc>
-              <a:spcBef>
-                <a:spcPts val="375"/>
-              </a:spcBef>
-              <a:buFont typeface="Arial" panose="020B0604020202020204" pitchFamily="34" charset="0"/>
-              <a:buChar char="•"/>
-              <a:defRPr sz="1800" kern="1200">
-                <a:solidFill>
-                  <a:schemeClr val="tx1"/>
-                </a:solidFill>
-                <a:latin typeface="Neris Thin" panose="00000300000000000000" pitchFamily="50" charset="0"/>
-                <a:ea typeface="+mn-ea"/>
-                <a:cs typeface="+mn-cs"/>
-              </a:defRPr>
-            </a:lvl2pPr>
-            <a:lvl3pPr marL="857250" indent="-171450" algn="l" defTabSz="685800" rtl="0" eaLnBrk="1" latinLnBrk="0" hangingPunct="1">
-              <a:lnSpc>
-                <a:spcPct val="90000"/>
-              </a:lnSpc>
-              <a:spcBef>
-                <a:spcPts val="375"/>
-              </a:spcBef>
-              <a:buFont typeface="Arial" panose="020B0604020202020204" pitchFamily="34" charset="0"/>
-              <a:buChar char="•"/>
-              <a:defRPr sz="1500" kern="1200">
-                <a:solidFill>
-                  <a:schemeClr val="tx1"/>
-                </a:solidFill>
-                <a:latin typeface="Neris Thin" panose="00000300000000000000" pitchFamily="50" charset="0"/>
-                <a:ea typeface="+mn-ea"/>
-                <a:cs typeface="+mn-cs"/>
-              </a:defRPr>
-            </a:lvl3pPr>
-            <a:lvl4pPr marL="1200150" indent="-171450" algn="l" defTabSz="685800" rtl="0" eaLnBrk="1" latinLnBrk="0" hangingPunct="1">
-              <a:lnSpc>
-                <a:spcPct val="90000"/>
-              </a:lnSpc>
-              <a:spcBef>
-                <a:spcPts val="375"/>
-              </a:spcBef>
-              <a:buFont typeface="Arial" panose="020B0604020202020204" pitchFamily="34" charset="0"/>
-              <a:buChar char="•"/>
-              <a:defRPr sz="1350" kern="1200">
-                <a:solidFill>
-                  <a:schemeClr val="tx1"/>
-                </a:solidFill>
-                <a:latin typeface="Neris Thin" panose="00000300000000000000" pitchFamily="50" charset="0"/>
-                <a:ea typeface="+mn-ea"/>
-                <a:cs typeface="+mn-cs"/>
-              </a:defRPr>
-            </a:lvl4pPr>
-            <a:lvl5pPr marL="1543050" indent="-171450" algn="l" defTabSz="685800" rtl="0" eaLnBrk="1" latinLnBrk="0" hangingPunct="1">
-              <a:lnSpc>
-                <a:spcPct val="90000"/>
-              </a:lnSpc>
-              <a:spcBef>
-                <a:spcPts val="375"/>
-              </a:spcBef>
-              <a:buFont typeface="Arial" panose="020B0604020202020204" pitchFamily="34" charset="0"/>
-              <a:buChar char="•"/>
-              <a:defRPr sz="1350" kern="1200">
-                <a:solidFill>
-                  <a:schemeClr val="tx1"/>
-                </a:solidFill>
-                <a:latin typeface="Neris Thin" panose="00000300000000000000" pitchFamily="50" charset="0"/>
-                <a:ea typeface="+mn-ea"/>
-                <a:cs typeface="+mn-cs"/>
-              </a:defRPr>
-            </a:lvl5pPr>
-            <a:lvl6pPr marL="1885950" indent="-171450" algn="l" defTabSz="685800" rtl="0" eaLnBrk="1" latinLnBrk="0" hangingPunct="1">
-              <a:lnSpc>
-                <a:spcPct val="90000"/>
-              </a:lnSpc>
-              <a:spcBef>
-                <a:spcPts val="375"/>
-              </a:spcBef>
-              <a:buFont typeface="Arial" panose="020B0604020202020204" pitchFamily="34" charset="0"/>
-              <a:buChar char="•"/>
-              <a:defRPr sz="1350" kern="1200">
-                <a:solidFill>
-                  <a:schemeClr val="tx1"/>
-                </a:solidFill>
-                <a:latin typeface="+mn-lt"/>
-                <a:ea typeface="+mn-ea"/>
-                <a:cs typeface="+mn-cs"/>
-              </a:defRPr>
-            </a:lvl6pPr>
-            <a:lvl7pPr marL="2228850" indent="-171450" algn="l" defTabSz="685800" rtl="0" eaLnBrk="1" latinLnBrk="0" hangingPunct="1">
-              <a:lnSpc>
-                <a:spcPct val="90000"/>
-              </a:lnSpc>
-              <a:spcBef>
-                <a:spcPts val="375"/>
-              </a:spcBef>
-              <a:buFont typeface="Arial" panose="020B0604020202020204" pitchFamily="34" charset="0"/>
-              <a:buChar char="•"/>
-              <a:defRPr sz="1350" kern="1200">
-                <a:solidFill>
-                  <a:schemeClr val="tx1"/>
-                </a:solidFill>
-                <a:latin typeface="+mn-lt"/>
-                <a:ea typeface="+mn-ea"/>
-                <a:cs typeface="+mn-cs"/>
-              </a:defRPr>
-            </a:lvl7pPr>
-            <a:lvl8pPr marL="2571750" indent="-171450" algn="l" defTabSz="685800" rtl="0" eaLnBrk="1" latinLnBrk="0" hangingPunct="1">
-              <a:lnSpc>
-                <a:spcPct val="90000"/>
-              </a:lnSpc>
-              <a:spcBef>
-                <a:spcPts val="375"/>
-              </a:spcBef>
-              <a:buFont typeface="Arial" panose="020B0604020202020204" pitchFamily="34" charset="0"/>
-              <a:buChar char="•"/>
-              <a:defRPr sz="1350" kern="1200">
-                <a:solidFill>
-                  <a:schemeClr val="tx1"/>
-                </a:solidFill>
-                <a:latin typeface="+mn-lt"/>
-                <a:ea typeface="+mn-ea"/>
-                <a:cs typeface="+mn-cs"/>
-              </a:defRPr>
-            </a:lvl8pPr>
-            <a:lvl9pPr marL="2914650" indent="-171450" algn="l" defTabSz="685800" rtl="0" eaLnBrk="1" latinLnBrk="0" hangingPunct="1">
-              <a:lnSpc>
-                <a:spcPct val="90000"/>
-              </a:lnSpc>
-              <a:spcBef>
-                <a:spcPts val="375"/>
-              </a:spcBef>
-              <a:buFont typeface="Arial" panose="020B0604020202020204" pitchFamily="34" charset="0"/>
-              <a:buChar char="•"/>
-              <a:defRPr sz="1350" kern="1200">
-                <a:solidFill>
-                  <a:schemeClr val="tx1"/>
-                </a:solidFill>
-                <a:latin typeface="+mn-lt"/>
-                <a:ea typeface="+mn-ea"/>
-                <a:cs typeface="+mn-cs"/>
-              </a:defRPr>
-            </a:lvl9pPr>
-          </a:lstStyle>
-          <a:p>
-            <a:pPr>
-              <a:lnSpc>
-                <a:spcPct val="100000"/>
-              </a:lnSpc>
-              <a:spcBef>
-                <a:spcPts val="0"/>
-              </a:spcBef>
-            </a:pPr>
-            <a:endParaRPr lang="en-IN" sz="1400" dirty="0">
-              <a:solidFill>
-                <a:schemeClr val="tx1">
-                  <a:lumMod val="75000"/>
-                  <a:lumOff val="25000"/>
-                </a:schemeClr>
-              </a:solidFill>
-            </a:endParaRPr>
-          </a:p>
-          <a:p>
-            <a:pPr marL="0" indent="0">
-              <a:lnSpc>
-                <a:spcPct val="100000"/>
-              </a:lnSpc>
-              <a:spcBef>
-                <a:spcPts val="0"/>
-              </a:spcBef>
-              <a:buNone/>
-            </a:pPr>
-            <a:endParaRPr lang="en-US" sz="1400" dirty="0">
-              <a:solidFill>
-                <a:schemeClr val="tx1">
-                  <a:lumMod val="75000"/>
-                  <a:lumOff val="25000"/>
-                </a:schemeClr>
-              </a:solidFill>
-            </a:endParaRPr>
-          </a:p>
-        </p:txBody>
-      </p:sp>
-      <p:sp>
-        <p:nvSpPr>
-          <p:cNvPr id="66" name="Rounded Rectangle 65">
-            <a:extLst>
-              <a:ext uri="{FF2B5EF4-FFF2-40B4-BE49-F238E27FC236}">
-                <a16:creationId xmlns:a16="http://schemas.microsoft.com/office/drawing/2014/main" id="{76FFECE2-2348-0E4D-85E4-D7E845649706}"/>
-              </a:ext>
-            </a:extLst>
-          </p:cNvPr>
-          <p:cNvSpPr/>
-          <p:nvPr/>
-        </p:nvSpPr>
-        <p:spPr>
-          <a:xfrm>
-            <a:off x="6124985" y="5141870"/>
-            <a:ext cx="604695" cy="604695"/>
-          </a:xfrm>
-          <a:prstGeom prst="roundRect">
-            <a:avLst>
-              <a:gd name="adj" fmla="val 16554"/>
-            </a:avLst>
-          </a:prstGeom>
-          <a:solidFill>
-            <a:schemeClr val="accent4">
-              <a:lumMod val="60000"/>
-              <a:lumOff val="40000"/>
-            </a:schemeClr>
-          </a:solidFill>
-          <a:ln w="12700" cap="flat" cmpd="sng" algn="ctr">
-            <a:noFill/>
-            <a:prstDash val="solid"/>
-            <a:miter lim="800000"/>
-          </a:ln>
-          <a:effectLst/>
-        </p:spPr>
-        <p:txBody>
-          <a:bodyPr lIns="0" tIns="0" rIns="0" bIns="0" rtlCol="0" anchor="ctr"/>
-          <a:lstStyle/>
-          <a:p>
-            <a:pPr marL="0" marR="0" lvl="0" indent="0" algn="ctr" defTabSz="914340" eaLnBrk="1" fontAlgn="auto" latinLnBrk="0" hangingPunct="1">
-              <a:lnSpc>
-                <a:spcPct val="100000"/>
-              </a:lnSpc>
-              <a:spcBef>
-                <a:spcPts val="0"/>
-              </a:spcBef>
-              <a:spcAft>
-                <a:spcPts val="0"/>
-              </a:spcAft>
-              <a:buClrTx/>
-              <a:buSzTx/>
-              <a:buFontTx/>
-              <a:buNone/>
-              <a:tabLst/>
-              <a:defRPr/>
-            </a:pPr>
-            <a:endParaRPr kumimoji="0" lang="en-US" sz="1800" b="0" i="0" u="none" strike="noStrike" kern="0" cap="none" spc="0" normalizeH="0" baseline="0" noProof="0" dirty="0">
-              <a:ln>
-                <a:noFill/>
-              </a:ln>
-              <a:solidFill>
-                <a:srgbClr val="FFFFFF"/>
-              </a:solidFill>
-              <a:effectLst/>
-              <a:uLnTx/>
-              <a:uFillTx/>
-            </a:endParaRPr>
-          </a:p>
-        </p:txBody>
-      </p:sp>
-      <p:sp>
-        <p:nvSpPr>
-          <p:cNvPr id="2" name="TextBox 1">
-            <a:extLst>
-              <a:ext uri="{FF2B5EF4-FFF2-40B4-BE49-F238E27FC236}">
-                <a16:creationId xmlns:a16="http://schemas.microsoft.com/office/drawing/2014/main" id="{BF7FFB0C-3AB2-1501-CF70-12293F03A184}"/>
-              </a:ext>
-            </a:extLst>
-          </p:cNvPr>
-          <p:cNvSpPr txBox="1"/>
-          <p:nvPr/>
-        </p:nvSpPr>
-        <p:spPr>
-          <a:xfrm>
-            <a:off x="1624209" y="5167218"/>
-            <a:ext cx="2775252" cy="553998"/>
-          </a:xfrm>
-          <a:prstGeom prst="rect">
-            <a:avLst/>
-          </a:prstGeom>
-          <a:noFill/>
-        </p:spPr>
-        <p:txBody>
-          <a:bodyPr wrap="square" lIns="0" tIns="0" rIns="0" bIns="0" rtlCol="0" anchor="ctr">
-            <a:spAutoFit/>
-          </a:bodyPr>
-          <a:lstStyle/>
-          <a:p>
-            <a:pPr algn="ctr"/>
-            <a:r>
-              <a:rPr lang="en-IN" b="1" dirty="0">
-                <a:solidFill>
-                  <a:schemeClr val="accent5"/>
-                </a:solidFill>
-              </a:rPr>
-              <a:t>Sense of community and solidarity</a:t>
-            </a:r>
-            <a:endParaRPr lang="en-US" b="1" dirty="0">
-              <a:solidFill>
-                <a:schemeClr val="accent5"/>
-              </a:solidFill>
-            </a:endParaRPr>
-          </a:p>
-        </p:txBody>
-      </p:sp>
-      <p:sp>
-        <p:nvSpPr>
-          <p:cNvPr id="3" name="TextBox 2">
-            <a:extLst>
-              <a:ext uri="{FF2B5EF4-FFF2-40B4-BE49-F238E27FC236}">
-                <a16:creationId xmlns:a16="http://schemas.microsoft.com/office/drawing/2014/main" id="{A05F00A6-B6D1-09E3-4683-E311FD923C9A}"/>
-              </a:ext>
-            </a:extLst>
-          </p:cNvPr>
-          <p:cNvSpPr txBox="1"/>
-          <p:nvPr/>
-        </p:nvSpPr>
-        <p:spPr>
-          <a:xfrm>
-            <a:off x="6516954" y="2090344"/>
-            <a:ext cx="3576170" cy="553998"/>
-          </a:xfrm>
-          <a:prstGeom prst="rect">
-            <a:avLst/>
-          </a:prstGeom>
-          <a:noFill/>
-          <a:ln>
-            <a:noFill/>
-          </a:ln>
-        </p:spPr>
-        <p:txBody>
-          <a:bodyPr wrap="square" lIns="0" tIns="0" rIns="0" bIns="0" rtlCol="0" anchor="ctr">
-            <a:spAutoFit/>
-          </a:bodyPr>
-          <a:lstStyle/>
-          <a:p>
-            <a:pPr algn="ctr"/>
-            <a:r>
-              <a:rPr lang="en-IN" b="1" dirty="0">
-                <a:solidFill>
-                  <a:srgbClr val="CC6600"/>
-                </a:solidFill>
-              </a:rPr>
-              <a:t>Integration with Microsoft’s operating system</a:t>
-            </a:r>
-            <a:endParaRPr lang="en-US" b="1" dirty="0">
-              <a:solidFill>
-                <a:srgbClr val="CC6600"/>
-              </a:solidFill>
-            </a:endParaRPr>
-          </a:p>
-        </p:txBody>
-      </p:sp>
-      <p:sp>
-        <p:nvSpPr>
-          <p:cNvPr id="4" name="Rounded Rectangle 59">
-            <a:extLst>
-              <a:ext uri="{FF2B5EF4-FFF2-40B4-BE49-F238E27FC236}">
-                <a16:creationId xmlns:a16="http://schemas.microsoft.com/office/drawing/2014/main" id="{2EBE417E-5A40-E535-252D-19B949328B1E}"/>
-              </a:ext>
-            </a:extLst>
-          </p:cNvPr>
-          <p:cNvSpPr/>
-          <p:nvPr/>
-        </p:nvSpPr>
-        <p:spPr>
-          <a:xfrm>
-            <a:off x="6124985" y="2099206"/>
-            <a:ext cx="604695" cy="604695"/>
-          </a:xfrm>
-          <a:prstGeom prst="roundRect">
-            <a:avLst>
-              <a:gd name="adj" fmla="val 16554"/>
-            </a:avLst>
-          </a:prstGeom>
-          <a:solidFill>
-            <a:srgbClr val="CC6600"/>
-          </a:solidFill>
-          <a:ln w="12700" cap="flat" cmpd="sng" algn="ctr">
-            <a:noFill/>
-            <a:prstDash val="solid"/>
-            <a:miter lim="800000"/>
-          </a:ln>
-          <a:effectLst/>
-        </p:spPr>
-        <p:txBody>
-          <a:bodyPr lIns="0" tIns="0" rIns="0" bIns="0" rtlCol="0" anchor="ctr"/>
-          <a:lstStyle/>
-          <a:p>
-            <a:pPr marL="0" marR="0" lvl="0" indent="0" algn="ctr" defTabSz="914340" eaLnBrk="1" fontAlgn="auto" latinLnBrk="0" hangingPunct="1">
-              <a:lnSpc>
-                <a:spcPct val="100000"/>
-              </a:lnSpc>
-              <a:spcBef>
-                <a:spcPts val="0"/>
-              </a:spcBef>
-              <a:spcAft>
-                <a:spcPts val="0"/>
-              </a:spcAft>
-              <a:buClrTx/>
-              <a:buSzTx/>
-              <a:buFontTx/>
-              <a:buNone/>
-              <a:tabLst/>
-              <a:defRPr/>
-            </a:pPr>
-            <a:endParaRPr kumimoji="0" lang="en-US" sz="1800" b="0" i="0" u="none" strike="noStrike" kern="0" cap="none" spc="0" normalizeH="0" baseline="0" noProof="0" dirty="0">
-              <a:ln>
-                <a:noFill/>
-              </a:ln>
-              <a:solidFill>
-                <a:srgbClr val="FFFFFF"/>
-              </a:solidFill>
-              <a:effectLst/>
-              <a:highlight>
-                <a:srgbClr val="CC6600"/>
-              </a:highlight>
-              <a:uLnTx/>
-              <a:uFillTx/>
-            </a:endParaRPr>
-          </a:p>
-        </p:txBody>
-      </p:sp>
-      <p:sp>
-        <p:nvSpPr>
-          <p:cNvPr id="5" name="TextBox 4">
-            <a:extLst>
-              <a:ext uri="{FF2B5EF4-FFF2-40B4-BE49-F238E27FC236}">
-                <a16:creationId xmlns:a16="http://schemas.microsoft.com/office/drawing/2014/main" id="{5B364886-AAF3-238D-0D46-158B15D2432E}"/>
-              </a:ext>
-            </a:extLst>
-          </p:cNvPr>
-          <p:cNvSpPr txBox="1"/>
-          <p:nvPr/>
-        </p:nvSpPr>
-        <p:spPr>
-          <a:xfrm>
-            <a:off x="6813624" y="3062878"/>
-            <a:ext cx="4236294" cy="553998"/>
-          </a:xfrm>
-          <a:prstGeom prst="rect">
-            <a:avLst/>
-          </a:prstGeom>
-          <a:noFill/>
-          <a:ln>
-            <a:noFill/>
-          </a:ln>
-        </p:spPr>
-        <p:txBody>
-          <a:bodyPr wrap="square" lIns="0" tIns="0" rIns="0" bIns="0" rtlCol="0" anchor="ctr">
-            <a:spAutoFit/>
-          </a:bodyPr>
-          <a:lstStyle/>
-          <a:p>
-            <a:pPr algn="ctr"/>
-            <a:r>
-              <a:rPr lang="en-US" b="1" dirty="0">
-                <a:solidFill>
-                  <a:srgbClr val="972F8B"/>
-                </a:solidFill>
-                <a:latin typeface="-apple-system"/>
-              </a:rPr>
-              <a:t>Showcases Innovation</a:t>
-            </a:r>
-            <a:r>
-              <a:rPr lang="en-US" b="1" i="0" dirty="0">
-                <a:solidFill>
-                  <a:srgbClr val="972F8B"/>
-                </a:solidFill>
-                <a:effectLst/>
-                <a:latin typeface="-apple-system"/>
-              </a:rPr>
-              <a:t> and leadership in developing cutting-edge technologies</a:t>
-            </a:r>
-            <a:endParaRPr lang="en-US" b="1" dirty="0">
-              <a:solidFill>
-                <a:srgbClr val="972F8B"/>
-              </a:solidFill>
-            </a:endParaRPr>
-          </a:p>
-        </p:txBody>
-      </p:sp>
-      <p:sp>
-        <p:nvSpPr>
-          <p:cNvPr id="6" name="Rounded Rectangle 59">
-            <a:extLst>
-              <a:ext uri="{FF2B5EF4-FFF2-40B4-BE49-F238E27FC236}">
-                <a16:creationId xmlns:a16="http://schemas.microsoft.com/office/drawing/2014/main" id="{C03785D5-A117-B5EA-F555-1937D3B11158}"/>
-              </a:ext>
-            </a:extLst>
-          </p:cNvPr>
-          <p:cNvSpPr/>
-          <p:nvPr/>
-        </p:nvSpPr>
-        <p:spPr>
-          <a:xfrm>
-            <a:off x="6118466" y="3032454"/>
-            <a:ext cx="604695" cy="604695"/>
-          </a:xfrm>
-          <a:prstGeom prst="roundRect">
-            <a:avLst>
-              <a:gd name="adj" fmla="val 16554"/>
-            </a:avLst>
-          </a:prstGeom>
-          <a:solidFill>
-            <a:srgbClr val="972F8B"/>
-          </a:solidFill>
-          <a:ln w="12700" cap="flat" cmpd="sng" algn="ctr">
-            <a:solidFill>
-              <a:srgbClr val="972F8B"/>
-            </a:solidFill>
-            <a:prstDash val="solid"/>
-            <a:miter lim="800000"/>
-          </a:ln>
-          <a:effectLst/>
-        </p:spPr>
-        <p:txBody>
-          <a:bodyPr lIns="0" tIns="0" rIns="0" bIns="0" rtlCol="0" anchor="ctr"/>
-          <a:lstStyle/>
-          <a:p>
-            <a:pPr marL="0" marR="0" lvl="0" indent="0" algn="ctr" defTabSz="914340" eaLnBrk="1" fontAlgn="auto" latinLnBrk="0" hangingPunct="1">
-              <a:lnSpc>
-                <a:spcPct val="100000"/>
-              </a:lnSpc>
-              <a:spcBef>
-                <a:spcPts val="0"/>
-              </a:spcBef>
-              <a:spcAft>
-                <a:spcPts val="0"/>
-              </a:spcAft>
-              <a:buClrTx/>
-              <a:buSzTx/>
-              <a:buFontTx/>
-              <a:buNone/>
-              <a:tabLst/>
-              <a:defRPr/>
-            </a:pPr>
-            <a:endParaRPr kumimoji="0" lang="en-US" sz="1800" b="0" i="0" u="none" strike="noStrike" kern="0" cap="none" spc="0" normalizeH="0" baseline="0" noProof="0" dirty="0">
-              <a:ln>
-                <a:noFill/>
-              </a:ln>
-              <a:solidFill>
-                <a:srgbClr val="FFFFFF"/>
-              </a:solidFill>
-              <a:effectLst/>
-              <a:uLnTx/>
-              <a:uFillTx/>
-            </a:endParaRPr>
-          </a:p>
-        </p:txBody>
-      </p:sp>
+      </p:pic>
     </p:spTree>
     <p:extLst>
       <p:ext uri="{BB962C8B-B14F-4D97-AF65-F5344CB8AC3E}">
-        <p14:creationId xmlns:p14="http://schemas.microsoft.com/office/powerpoint/2010/main" val="1543530135"/>
+        <p14:creationId xmlns:p14="http://schemas.microsoft.com/office/powerpoint/2010/main" val="761886634"/>
       </p:ext>
     </p:extLst>
   </p:cSld>
@@ -25507,15 +25648,6 @@
 </file>
 
 <file path=customXml/item1.xml><?xml version="1.0" encoding="utf-8"?>
-<?mso-contentType ?>
-<FormTemplates xmlns="http://schemas.microsoft.com/sharepoint/v3/contenttype/forms">
-  <Display>DocumentLibraryForm</Display>
-  <Edit>DocumentLibraryForm</Edit>
-  <New>DocumentLibraryForm</New>
-</FormTemplates>
-</file>
-
-<file path=customXml/item2.xml><?xml version="1.0" encoding="utf-8"?>
 <ct:contentTypeSchema xmlns:ct="http://schemas.microsoft.com/office/2006/metadata/contentType" xmlns:ma="http://schemas.microsoft.com/office/2006/metadata/properties/metaAttributes" ct:_="" ma:_="" ma:contentTypeName="Document" ma:contentTypeID="0x01010079F111ED35F8CC479449609E8A0923A6" ma:contentTypeVersion="10" ma:contentTypeDescription="Create a new document." ma:contentTypeScope="" ma:versionID="e39e7e9e36de66d473ce04bb4ab2dbb8">
   <xsd:schema xmlns:xsd="http://www.w3.org/2001/XMLSchema" xmlns:xs="http://www.w3.org/2001/XMLSchema" xmlns:p="http://schemas.microsoft.com/office/2006/metadata/properties" xmlns:ns2="71af3243-3dd4-4a8d-8c0d-dd76da1f02a5" xmlns:ns3="16c05727-aa75-4e4a-9b5f-8a80a1165891" targetNamespace="http://schemas.microsoft.com/office/2006/metadata/properties" ma:root="true" ma:fieldsID="19dc5994665da46609c24125788630d8" ns2:_="" ns3:_="">
     <xsd:import namespace="71af3243-3dd4-4a8d-8c0d-dd76da1f02a5"/>
@@ -25720,6 +25852,15 @@
 </ct:contentTypeSchema>
 </file>
 
+<file path=customXml/item2.xml><?xml version="1.0" encoding="utf-8"?>
+<?mso-contentType ?>
+<FormTemplates xmlns="http://schemas.microsoft.com/sharepoint/v3/contenttype/forms">
+  <Display>DocumentLibraryForm</Display>
+  <Edit>DocumentLibraryForm</Edit>
+  <New>DocumentLibraryForm</New>
+</FormTemplates>
+</file>
+
 <file path=customXml/item3.xml><?xml version="1.0" encoding="utf-8"?>
 <p:properties xmlns:p="http://schemas.microsoft.com/office/2006/metadata/properties" xmlns:xsi="http://www.w3.org/2001/XMLSchema-instance" xmlns:pc="http://schemas.microsoft.com/office/infopath/2007/PartnerControls">
   <documentManagement>
@@ -25729,14 +25870,6 @@
 </file>
 
 <file path=customXml/itemProps1.xml><?xml version="1.0" encoding="utf-8"?>
-<ds:datastoreItem xmlns:ds="http://schemas.openxmlformats.org/officeDocument/2006/customXml" ds:itemID="{A4C31332-3081-4BD9-AD6F-078B4521F357}">
-  <ds:schemaRefs>
-    <ds:schemaRef ds:uri="http://schemas.microsoft.com/sharepoint/v3/contenttype/forms"/>
-  </ds:schemaRefs>
-</ds:datastoreItem>
-</file>
-
-<file path=customXml/itemProps2.xml><?xml version="1.0" encoding="utf-8"?>
 <ds:datastoreItem xmlns:ds="http://schemas.openxmlformats.org/officeDocument/2006/customXml" ds:itemID="{1FF4E1AF-DB5E-4764-961C-6F82B33E9E6E}">
   <ds:schemaRefs>
     <ds:schemaRef ds:uri="http://schemas.microsoft.com/office/2006/metadata/contentType"/>
@@ -25751,6 +25884,14 @@
     <ds:schemaRef ds:uri="http://purl.org/dc/elements/1.1/"/>
     <ds:schemaRef ds:uri="http://purl.org/dc/terms/"/>
     <ds:schemaRef ds:uri="http://schemas.microsoft.com/internal/obd"/>
+  </ds:schemaRefs>
+</ds:datastoreItem>
+</file>
+
+<file path=customXml/itemProps2.xml><?xml version="1.0" encoding="utf-8"?>
+<ds:datastoreItem xmlns:ds="http://schemas.openxmlformats.org/officeDocument/2006/customXml" ds:itemID="{A4C31332-3081-4BD9-AD6F-078B4521F357}">
+  <ds:schemaRefs>
+    <ds:schemaRef ds:uri="http://schemas.microsoft.com/sharepoint/v3/contenttype/forms"/>
   </ds:schemaRefs>
 </ds:datastoreItem>
 </file>

--- a/Hack For SAFE.pptx
+++ b/Hack For SAFE.pptx
@@ -24833,15 +24833,14 @@
               <a:t>Link: </a:t>
             </a:r>
             <a:r>
-              <a:rPr lang="en-IN" sz="1600" b="0" i="0" u="none" strike="noStrike" dirty="0">
+              <a:rPr lang="en-IN" sz="1600" dirty="0">
                 <a:solidFill>
                   <a:srgbClr val="0078D4"/>
                 </a:solidFill>
-                <a:effectLst/>
                 <a:latin typeface="Segoe UI Web (West European)"/>
                 <a:hlinkClick r:id="rId2"/>
               </a:rPr>
-              <a:t>https://github.com/RinitaSarkar/CyberSHE</a:t>
+              <a:t>Research Paper</a:t>
             </a:r>
             <a:endParaRPr lang="en-IN" sz="1600" dirty="0"/>
           </a:p>
@@ -25648,6 +25647,23 @@
 </file>
 
 <file path=customXml/item1.xml><?xml version="1.0" encoding="utf-8"?>
+<p:properties xmlns:p="http://schemas.microsoft.com/office/2006/metadata/properties" xmlns:xsi="http://www.w3.org/2001/XMLSchema-instance" xmlns:pc="http://schemas.microsoft.com/office/infopath/2007/PartnerControls">
+  <documentManagement>
+    <MediaServiceKeyPoints xmlns="71af3243-3dd4-4a8d-8c0d-dd76da1f02a5" xsi:nil="true"/>
+  </documentManagement>
+</p:properties>
+</file>
+
+<file path=customXml/item2.xml><?xml version="1.0" encoding="utf-8"?>
+<?mso-contentType ?>
+<FormTemplates xmlns="http://schemas.microsoft.com/sharepoint/v3/contenttype/forms">
+  <Display>DocumentLibraryForm</Display>
+  <Edit>DocumentLibraryForm</Edit>
+  <New>DocumentLibraryForm</New>
+</FormTemplates>
+</file>
+
+<file path=customXml/item3.xml><?xml version="1.0" encoding="utf-8"?>
 <ct:contentTypeSchema xmlns:ct="http://schemas.microsoft.com/office/2006/metadata/contentType" xmlns:ma="http://schemas.microsoft.com/office/2006/metadata/properties/metaAttributes" ct:_="" ma:_="" ma:contentTypeName="Document" ma:contentTypeID="0x01010079F111ED35F8CC479449609E8A0923A6" ma:contentTypeVersion="10" ma:contentTypeDescription="Create a new document." ma:contentTypeScope="" ma:versionID="e39e7e9e36de66d473ce04bb4ab2dbb8">
   <xsd:schema xmlns:xsd="http://www.w3.org/2001/XMLSchema" xmlns:xs="http://www.w3.org/2001/XMLSchema" xmlns:p="http://schemas.microsoft.com/office/2006/metadata/properties" xmlns:ns2="71af3243-3dd4-4a8d-8c0d-dd76da1f02a5" xmlns:ns3="16c05727-aa75-4e4a-9b5f-8a80a1165891" targetNamespace="http://schemas.microsoft.com/office/2006/metadata/properties" ma:root="true" ma:fieldsID="19dc5994665da46609c24125788630d8" ns2:_="" ns3:_="">
     <xsd:import namespace="71af3243-3dd4-4a8d-8c0d-dd76da1f02a5"/>
@@ -25852,24 +25868,32 @@
 </ct:contentTypeSchema>
 </file>
 
-<file path=customXml/item2.xml><?xml version="1.0" encoding="utf-8"?>
-<?mso-contentType ?>
-<FormTemplates xmlns="http://schemas.microsoft.com/sharepoint/v3/contenttype/forms">
-  <Display>DocumentLibraryForm</Display>
-  <Edit>DocumentLibraryForm</Edit>
-  <New>DocumentLibraryForm</New>
-</FormTemplates>
+<file path=customXml/itemProps1.xml><?xml version="1.0" encoding="utf-8"?>
+<ds:datastoreItem xmlns:ds="http://schemas.openxmlformats.org/officeDocument/2006/customXml" ds:itemID="{2519797F-2510-4681-A59B-FCD8F3733FE0}">
+  <ds:schemaRefs>
+    <ds:schemaRef ds:uri="http://purl.org/dc/dcmitype/"/>
+    <ds:schemaRef ds:uri="http://schemas.microsoft.com/office/2006/metadata/properties"/>
+    <ds:schemaRef ds:uri="http://schemas.microsoft.com/office/infopath/2007/PartnerControls"/>
+    <ds:schemaRef ds:uri="http://www.w3.org/XML/1998/namespace"/>
+    <ds:schemaRef ds:uri="http://purl.org/dc/elements/1.1/"/>
+    <ds:schemaRef ds:uri="http://schemas.microsoft.com/office/2006/documentManagement/types"/>
+    <ds:schemaRef ds:uri="16c05727-aa75-4e4a-9b5f-8a80a1165891"/>
+    <ds:schemaRef ds:uri="http://schemas.openxmlformats.org/package/2006/metadata/core-properties"/>
+    <ds:schemaRef ds:uri="71af3243-3dd4-4a8d-8c0d-dd76da1f02a5"/>
+    <ds:schemaRef ds:uri="http://purl.org/dc/terms/"/>
+  </ds:schemaRefs>
+</ds:datastoreItem>
 </file>
 
-<file path=customXml/item3.xml><?xml version="1.0" encoding="utf-8"?>
-<p:properties xmlns:p="http://schemas.microsoft.com/office/2006/metadata/properties" xmlns:xsi="http://www.w3.org/2001/XMLSchema-instance" xmlns:pc="http://schemas.microsoft.com/office/infopath/2007/PartnerControls">
-  <documentManagement>
-    <MediaServiceKeyPoints xmlns="71af3243-3dd4-4a8d-8c0d-dd76da1f02a5" xsi:nil="true"/>
-  </documentManagement>
-</p:properties>
+<file path=customXml/itemProps2.xml><?xml version="1.0" encoding="utf-8"?>
+<ds:datastoreItem xmlns:ds="http://schemas.openxmlformats.org/officeDocument/2006/customXml" ds:itemID="{A4C31332-3081-4BD9-AD6F-078B4521F357}">
+  <ds:schemaRefs>
+    <ds:schemaRef ds:uri="http://schemas.microsoft.com/sharepoint/v3/contenttype/forms"/>
+  </ds:schemaRefs>
+</ds:datastoreItem>
 </file>
 
-<file path=customXml/itemProps1.xml><?xml version="1.0" encoding="utf-8"?>
+<file path=customXml/itemProps3.xml><?xml version="1.0" encoding="utf-8"?>
 <ds:datastoreItem xmlns:ds="http://schemas.openxmlformats.org/officeDocument/2006/customXml" ds:itemID="{1FF4E1AF-DB5E-4764-961C-6F82B33E9E6E}">
   <ds:schemaRefs>
     <ds:schemaRef ds:uri="http://schemas.microsoft.com/office/2006/metadata/contentType"/>
@@ -25888,31 +25912,6 @@
 </ds:datastoreItem>
 </file>
 
-<file path=customXml/itemProps2.xml><?xml version="1.0" encoding="utf-8"?>
-<ds:datastoreItem xmlns:ds="http://schemas.openxmlformats.org/officeDocument/2006/customXml" ds:itemID="{A4C31332-3081-4BD9-AD6F-078B4521F357}">
-  <ds:schemaRefs>
-    <ds:schemaRef ds:uri="http://schemas.microsoft.com/sharepoint/v3/contenttype/forms"/>
-  </ds:schemaRefs>
-</ds:datastoreItem>
-</file>
-
-<file path=customXml/itemProps3.xml><?xml version="1.0" encoding="utf-8"?>
-<ds:datastoreItem xmlns:ds="http://schemas.openxmlformats.org/officeDocument/2006/customXml" ds:itemID="{2519797F-2510-4681-A59B-FCD8F3733FE0}">
-  <ds:schemaRefs>
-    <ds:schemaRef ds:uri="http://purl.org/dc/dcmitype/"/>
-    <ds:schemaRef ds:uri="http://schemas.microsoft.com/office/2006/metadata/properties"/>
-    <ds:schemaRef ds:uri="http://schemas.microsoft.com/office/infopath/2007/PartnerControls"/>
-    <ds:schemaRef ds:uri="http://www.w3.org/XML/1998/namespace"/>
-    <ds:schemaRef ds:uri="http://purl.org/dc/elements/1.1/"/>
-    <ds:schemaRef ds:uri="http://schemas.microsoft.com/office/2006/documentManagement/types"/>
-    <ds:schemaRef ds:uri="16c05727-aa75-4e4a-9b5f-8a80a1165891"/>
-    <ds:schemaRef ds:uri="http://schemas.openxmlformats.org/package/2006/metadata/core-properties"/>
-    <ds:schemaRef ds:uri="71af3243-3dd4-4a8d-8c0d-dd76da1f02a5"/>
-    <ds:schemaRef ds:uri="http://purl.org/dc/terms/"/>
-  </ds:schemaRefs>
-</ds:datastoreItem>
-</file>
-
 <file path=docMetadata/LabelInfo.xml><?xml version="1.0" encoding="utf-8"?>
 <clbl:labelList xmlns:clbl="http://schemas.microsoft.com/office/2020/mipLabelMetadata">
   <clbl:label id="{f42aa342-8706-4288-bd11-ebb85995028c}" enabled="1" method="Standard" siteId="{72f988bf-86f1-41af-91ab-2d7cd011db47}" contentBits="0" removed="0"/>

--- a/Hack For SAFE.pptx
+++ b/Hack For SAFE.pptx
@@ -232,7 +232,7 @@
             <a:pPr rtl="0"/>
             <a:fld id="{5B439651-5657-4ACE-8526-EB0EAFD83944}" type="datetime1">
               <a:rPr lang="en-GB" smtClean="0"/>
-              <a:t>18/09/2023</a:t>
+              <a:t>21/09/2023</a:t>
             </a:fld>
             <a:endParaRPr lang="en-GB"/>
           </a:p>
@@ -402,7 +402,7 @@
             <a:pPr rtl="0"/>
             <a:fld id="{90CA1872-591F-4558-AB14-AA939DCFAB16}" type="datetime1">
               <a:rPr lang="en-GB" noProof="0" smtClean="0"/>
-              <a:t>18/09/2023</a:t>
+              <a:t>21/09/2023</a:t>
             </a:fld>
             <a:endParaRPr lang="en-GB" noProof="0"/>
           </a:p>
@@ -15660,7 +15660,7 @@
             <a:pPr rtl="0"/>
             <a:fld id="{59B8D6E1-39C9-4C44-91D8-BAEE9FF6D549}" type="datetime1">
               <a:rPr lang="en-GB" noProof="0" smtClean="0"/>
-              <a:t>18/09/2023</a:t>
+              <a:t>21/09/2023</a:t>
             </a:fld>
             <a:endParaRPr lang="en-GB" noProof="0"/>
           </a:p>
@@ -16396,6 +16396,21 @@
   <p:clrMapOvr>
     <a:masterClrMapping/>
   </p:clrMapOvr>
+  <mc:AlternateContent xmlns:mc="http://schemas.openxmlformats.org/markup-compatibility/2006" xmlns:p14="http://schemas.microsoft.com/office/powerpoint/2010/main">
+    <mc:Choice Requires="p14">
+      <p:transition spd="slow" p14:dur="2000" advTm="6442"/>
+    </mc:Choice>
+    <mc:Fallback xmlns="">
+      <p:transition spd="slow" advTm="6442"/>
+    </mc:Fallback>
+  </mc:AlternateContent>
+  <p:extLst>
+    <p:ext uri="{E180D4A7-C9FB-4DFB-919C-405C955672EB}">
+      <p14:showEvtLst xmlns:p14="http://schemas.microsoft.com/office/powerpoint/2010/main">
+        <p14:playEvt time="494" objId="5"/>
+      </p14:showEvtLst>
+    </p:ext>
+  </p:extLst>
 </p:sld>
 </file>
 
@@ -16434,8 +16449,8 @@
         </p:nvSpPr>
         <p:spPr>
           <a:xfrm>
-            <a:off x="11363696" y="6455739"/>
-            <a:ext cx="294460" cy="187367"/>
+            <a:off x="11363696" y="6455740"/>
+            <a:ext cx="391424" cy="155640"/>
           </a:xfrm>
         </p:spPr>
         <p:txBody>
@@ -16456,7 +16471,7 @@
               </a:pPr>
               <a:t>10</a:t>
             </a:fld>
-            <a:endParaRPr lang="en-GB" noProof="0"/>
+            <a:endParaRPr lang="en-GB" noProof="0" dirty="0"/>
           </a:p>
         </p:txBody>
       </p:sp>
@@ -19311,6 +19326,14 @@
   <p:clrMapOvr>
     <a:masterClrMapping/>
   </p:clrMapOvr>
+  <mc:AlternateContent xmlns:mc="http://schemas.openxmlformats.org/markup-compatibility/2006" xmlns:p14="http://schemas.microsoft.com/office/powerpoint/2010/main">
+    <mc:Choice Requires="p14">
+      <p:transition spd="slow" p14:dur="2000" advTm="10290"/>
+    </mc:Choice>
+    <mc:Fallback xmlns="">
+      <p:transition spd="slow" advTm="10290"/>
+    </mc:Fallback>
+  </mc:AlternateContent>
 </p:sld>
 </file>
 
@@ -19480,6 +19503,14 @@
   <p:clrMapOvr>
     <a:masterClrMapping/>
   </p:clrMapOvr>
+  <mc:AlternateContent xmlns:mc="http://schemas.openxmlformats.org/markup-compatibility/2006" xmlns:p14="http://schemas.microsoft.com/office/powerpoint/2010/main">
+    <mc:Choice Requires="p14">
+      <p:transition spd="slow" p14:dur="2000" advTm="6345"/>
+    </mc:Choice>
+    <mc:Fallback xmlns="">
+      <p:transition spd="slow" advTm="6345"/>
+    </mc:Fallback>
+  </mc:AlternateContent>
 </p:sld>
 </file>
 
@@ -19920,6 +19951,14 @@
   <p:clrMapOvr>
     <a:masterClrMapping/>
   </p:clrMapOvr>
+  <mc:AlternateContent xmlns:mc="http://schemas.openxmlformats.org/markup-compatibility/2006" xmlns:p14="http://schemas.microsoft.com/office/powerpoint/2010/main">
+    <mc:Choice Requires="p14">
+      <p:transition spd="slow" p14:dur="2000" advTm="10374"/>
+    </mc:Choice>
+    <mc:Fallback xmlns="">
+      <p:transition spd="slow" advTm="10374"/>
+    </mc:Fallback>
+  </mc:AlternateContent>
 </p:sld>
 </file>
 
@@ -22449,6 +22488,14 @@
   <p:clrMapOvr>
     <a:masterClrMapping/>
   </p:clrMapOvr>
+  <mc:AlternateContent xmlns:mc="http://schemas.openxmlformats.org/markup-compatibility/2006" xmlns:p14="http://schemas.microsoft.com/office/powerpoint/2010/main">
+    <mc:Choice Requires="p14">
+      <p:transition spd="slow" p14:dur="2000" advTm="10652"/>
+    </mc:Choice>
+    <mc:Fallback xmlns="">
+      <p:transition spd="slow" advTm="10652"/>
+    </mc:Fallback>
+  </mc:AlternateContent>
 </p:sld>
 </file>
 
@@ -22889,6 +22936,14 @@
   <p:clrMapOvr>
     <a:masterClrMapping/>
   </p:clrMapOvr>
+  <mc:AlternateContent xmlns:mc="http://schemas.openxmlformats.org/markup-compatibility/2006" xmlns:p14="http://schemas.microsoft.com/office/powerpoint/2010/main">
+    <mc:Choice Requires="p14">
+      <p:transition spd="slow" p14:dur="2000" advTm="10091"/>
+    </mc:Choice>
+    <mc:Fallback xmlns="">
+      <p:transition spd="slow" advTm="10091"/>
+    </mc:Fallback>
+  </mc:AlternateContent>
 </p:sld>
 </file>
 
@@ -23836,6 +23891,14 @@
   <p:clrMapOvr>
     <a:masterClrMapping/>
   </p:clrMapOvr>
+  <mc:AlternateContent xmlns:mc="http://schemas.openxmlformats.org/markup-compatibility/2006" xmlns:p14="http://schemas.microsoft.com/office/powerpoint/2010/main">
+    <mc:Choice Requires="p14">
+      <p:transition spd="slow" p14:dur="2000" advTm="12100"/>
+    </mc:Choice>
+    <mc:Fallback xmlns="">
+      <p:transition spd="slow" advTm="12100"/>
+    </mc:Fallback>
+  </mc:AlternateContent>
 </p:sld>
 </file>
 
@@ -24105,6 +24168,14 @@
   <p:clrMapOvr>
     <a:masterClrMapping/>
   </p:clrMapOvr>
+  <mc:AlternateContent xmlns:mc="http://schemas.openxmlformats.org/markup-compatibility/2006" xmlns:p14="http://schemas.microsoft.com/office/powerpoint/2010/main">
+    <mc:Choice Requires="p14">
+      <p:transition spd="slow" p14:dur="2000" advTm="7887"/>
+    </mc:Choice>
+    <mc:Fallback xmlns="">
+      <p:transition spd="slow" advTm="7887"/>
+    </mc:Fallback>
+  </mc:AlternateContent>
 </p:sld>
 </file>
 
@@ -24426,6 +24497,14 @@
   <p:clrMapOvr>
     <a:masterClrMapping/>
   </p:clrMapOvr>
+  <mc:AlternateContent xmlns:mc="http://schemas.openxmlformats.org/markup-compatibility/2006" xmlns:p14="http://schemas.microsoft.com/office/powerpoint/2010/main">
+    <mc:Choice Requires="p14">
+      <p:transition spd="slow" p14:dur="2000" advTm="7277"/>
+    </mc:Choice>
+    <mc:Fallback xmlns="">
+      <p:transition spd="slow" advTm="7277"/>
+    </mc:Fallback>
+  </mc:AlternateContent>
 </p:sld>
 </file>
 
@@ -24730,6 +24809,14 @@
   <p:clrMapOvr>
     <a:masterClrMapping/>
   </p:clrMapOvr>
+  <mc:AlternateContent xmlns:mc="http://schemas.openxmlformats.org/markup-compatibility/2006" xmlns:p14="http://schemas.microsoft.com/office/powerpoint/2010/main">
+    <mc:Choice Requires="p14">
+      <p:transition spd="slow" p14:dur="2000" advTm="8048"/>
+    </mc:Choice>
+    <mc:Fallback xmlns="">
+      <p:transition spd="slow" advTm="8048"/>
+    </mc:Fallback>
+  </mc:AlternateContent>
 </p:sld>
 </file>
 
@@ -24886,6 +24973,14 @@
   <p:clrMapOvr>
     <a:masterClrMapping/>
   </p:clrMapOvr>
+  <mc:AlternateContent xmlns:mc="http://schemas.openxmlformats.org/markup-compatibility/2006" xmlns:p14="http://schemas.microsoft.com/office/powerpoint/2010/main">
+    <mc:Choice Requires="p14">
+      <p:transition spd="slow" p14:dur="2000" advTm="7803"/>
+    </mc:Choice>
+    <mc:Fallback xmlns="">
+      <p:transition spd="slow" advTm="7803"/>
+    </mc:Fallback>
+  </mc:AlternateContent>
 </p:sld>
 </file>
 
@@ -25872,13 +25967,13 @@
 <ds:datastoreItem xmlns:ds="http://schemas.openxmlformats.org/officeDocument/2006/customXml" ds:itemID="{2519797F-2510-4681-A59B-FCD8F3733FE0}">
   <ds:schemaRefs>
     <ds:schemaRef ds:uri="http://purl.org/dc/dcmitype/"/>
+    <ds:schemaRef ds:uri="http://purl.org/dc/elements/1.1/"/>
+    <ds:schemaRef ds:uri="http://www.w3.org/XML/1998/namespace"/>
+    <ds:schemaRef ds:uri="http://schemas.openxmlformats.org/package/2006/metadata/core-properties"/>
+    <ds:schemaRef ds:uri="http://schemas.microsoft.com/office/2006/documentManagement/types"/>
+    <ds:schemaRef ds:uri="16c05727-aa75-4e4a-9b5f-8a80a1165891"/>
     <ds:schemaRef ds:uri="http://schemas.microsoft.com/office/2006/metadata/properties"/>
     <ds:schemaRef ds:uri="http://schemas.microsoft.com/office/infopath/2007/PartnerControls"/>
-    <ds:schemaRef ds:uri="http://www.w3.org/XML/1998/namespace"/>
-    <ds:schemaRef ds:uri="http://purl.org/dc/elements/1.1/"/>
-    <ds:schemaRef ds:uri="http://schemas.microsoft.com/office/2006/documentManagement/types"/>
-    <ds:schemaRef ds:uri="16c05727-aa75-4e4a-9b5f-8a80a1165891"/>
-    <ds:schemaRef ds:uri="http://schemas.openxmlformats.org/package/2006/metadata/core-properties"/>
     <ds:schemaRef ds:uri="71af3243-3dd4-4a8d-8c0d-dd76da1f02a5"/>
     <ds:schemaRef ds:uri="http://purl.org/dc/terms/"/>
   </ds:schemaRefs>
